--- a/doc/worktab.pptx
+++ b/doc/worktab.pptx
@@ -332,7 +332,7 @@
           </a:lstStyle>
           <a:p>
             <a:r>
-              <a:rPr lang="es-ES" smtClean="0"/>
+              <a:rPr lang="es-ES"/>
               <a:t>Haga clic para modificar el estilo de título del patrón</a:t>
             </a:r>
             <a:endParaRPr lang="en-US" dirty="0"/>
@@ -451,7 +451,7 @@
           </a:lstStyle>
           <a:p>
             <a:r>
-              <a:rPr lang="es-ES" smtClean="0"/>
+              <a:rPr lang="es-ES"/>
               <a:t>Haga clic para editar el estilo de subtítulo del patrón</a:t>
             </a:r>
             <a:endParaRPr lang="en-US" dirty="0"/>
@@ -480,7 +480,7 @@
           <a:p>
             <a:fld id="{40636F93-AAE2-4FC4-B77D-02B590E4C869}" type="datetimeFigureOut">
               <a:rPr lang="es-ES" smtClean="0"/>
-              <a:t>19/05/2022</a:t>
+              <a:t>22/05/2022</a:t>
             </a:fld>
             <a:endParaRPr lang="es-ES"/>
           </a:p>
@@ -625,7 +625,7 @@
           </a:lstStyle>
           <a:p>
             <a:r>
-              <a:rPr lang="es-ES" smtClean="0"/>
+              <a:rPr lang="es-ES"/>
               <a:t>Haga clic para modificar el estilo de título del patrón</a:t>
             </a:r>
             <a:endParaRPr lang="en-US" dirty="0"/>
@@ -713,7 +713,7 @@
           </a:lstStyle>
           <a:p>
             <a:r>
-              <a:rPr lang="es-ES" smtClean="0"/>
+              <a:rPr lang="es-ES"/>
               <a:t>Haga clic en el icono para agregar una imagen</a:t>
             </a:r>
             <a:endParaRPr lang="en-US" dirty="0"/>
@@ -781,7 +781,7 @@
           <a:p>
             <a:pPr lvl="0"/>
             <a:r>
-              <a:rPr lang="es-ES" smtClean="0"/>
+              <a:rPr lang="es-ES"/>
               <a:t>Editar el estilo de texto del patrón</a:t>
             </a:r>
           </a:p>
@@ -804,7 +804,7 @@
           <a:p>
             <a:fld id="{40636F93-AAE2-4FC4-B77D-02B590E4C869}" type="datetimeFigureOut">
               <a:rPr lang="es-ES" smtClean="0"/>
-              <a:t>19/05/2022</a:t>
+              <a:t>22/05/2022</a:t>
             </a:fld>
             <a:endParaRPr lang="es-ES"/>
           </a:p>
@@ -909,7 +909,7 @@
           </a:lstStyle>
           <a:p>
             <a:r>
-              <a:rPr lang="es-ES" smtClean="0"/>
+              <a:rPr lang="es-ES"/>
               <a:t>Haga clic para modificar el estilo de título del patrón</a:t>
             </a:r>
             <a:endParaRPr lang="en-US" dirty="0"/>
@@ -1029,7 +1029,7 @@
           <a:p>
             <a:pPr lvl="0"/>
             <a:r>
-              <a:rPr lang="es-ES" smtClean="0"/>
+              <a:rPr lang="es-ES"/>
               <a:t>Editar el estilo de texto del patrón</a:t>
             </a:r>
           </a:p>
@@ -1052,7 +1052,7 @@
           <a:p>
             <a:fld id="{40636F93-AAE2-4FC4-B77D-02B590E4C869}" type="datetimeFigureOut">
               <a:rPr lang="es-ES" smtClean="0"/>
-              <a:t>19/05/2022</a:t>
+              <a:t>22/05/2022</a:t>
             </a:fld>
             <a:endParaRPr lang="es-ES"/>
           </a:p>
@@ -1192,7 +1192,7 @@
           </a:lstStyle>
           <a:p>
             <a:r>
-              <a:rPr lang="es-ES" smtClean="0"/>
+              <a:rPr lang="es-ES"/>
               <a:t>Haga clic para modificar el estilo de título del patrón</a:t>
             </a:r>
             <a:endParaRPr lang="en-US" dirty="0"/>
@@ -1249,7 +1249,7 @@
           <a:p>
             <a:pPr lvl="0"/>
             <a:r>
-              <a:rPr lang="es-ES" smtClean="0"/>
+              <a:rPr lang="es-ES"/>
               <a:t>Editar el estilo de texto del patrón</a:t>
             </a:r>
           </a:p>
@@ -1368,7 +1368,7 @@
           <a:p>
             <a:pPr lvl="0"/>
             <a:r>
-              <a:rPr lang="es-ES" smtClean="0"/>
+              <a:rPr lang="es-ES"/>
               <a:t>Editar el estilo de texto del patrón</a:t>
             </a:r>
           </a:p>
@@ -1391,7 +1391,7 @@
           <a:p>
             <a:fld id="{40636F93-AAE2-4FC4-B77D-02B590E4C869}" type="datetimeFigureOut">
               <a:rPr lang="es-ES" smtClean="0"/>
-              <a:t>19/05/2022</a:t>
+              <a:t>22/05/2022</a:t>
             </a:fld>
             <a:endParaRPr lang="es-ES"/>
           </a:p>
@@ -1595,7 +1595,7 @@
           </a:lstStyle>
           <a:p>
             <a:r>
-              <a:rPr lang="es-ES" smtClean="0"/>
+              <a:rPr lang="es-ES"/>
               <a:t>Haga clic para modificar el estilo de título del patrón</a:t>
             </a:r>
             <a:endParaRPr lang="en-US" dirty="0"/>
@@ -1715,7 +1715,7 @@
           <a:p>
             <a:pPr lvl="0"/>
             <a:r>
-              <a:rPr lang="es-ES" smtClean="0"/>
+              <a:rPr lang="es-ES"/>
               <a:t>Editar el estilo de texto del patrón</a:t>
             </a:r>
           </a:p>
@@ -1738,7 +1738,7 @@
           <a:p>
             <a:fld id="{40636F93-AAE2-4FC4-B77D-02B590E4C869}" type="datetimeFigureOut">
               <a:rPr lang="es-ES" smtClean="0"/>
-              <a:t>19/05/2022</a:t>
+              <a:t>22/05/2022</a:t>
             </a:fld>
             <a:endParaRPr lang="es-ES"/>
           </a:p>
@@ -1847,7 +1847,7 @@
           </a:lstStyle>
           <a:p>
             <a:r>
-              <a:rPr lang="es-ES" smtClean="0"/>
+              <a:rPr lang="es-ES"/>
               <a:t>Haga clic para modificar el estilo de título del patrón</a:t>
             </a:r>
             <a:endParaRPr lang="en-US" dirty="0"/>
@@ -1970,7 +1970,7 @@
           <a:p>
             <a:pPr lvl="0"/>
             <a:r>
-              <a:rPr lang="es-ES" smtClean="0"/>
+              <a:rPr lang="es-ES"/>
               <a:t>Editar el estilo de texto del patrón</a:t>
             </a:r>
           </a:p>
@@ -2089,7 +2089,7 @@
           <a:p>
             <a:pPr lvl="0"/>
             <a:r>
-              <a:rPr lang="es-ES" smtClean="0"/>
+              <a:rPr lang="es-ES"/>
               <a:t>Editar el estilo de texto del patrón</a:t>
             </a:r>
           </a:p>
@@ -2112,7 +2112,7 @@
           <a:p>
             <a:fld id="{40636F93-AAE2-4FC4-B77D-02B590E4C869}" type="datetimeFigureOut">
               <a:rPr lang="es-ES" smtClean="0"/>
-              <a:t>19/05/2022</a:t>
+              <a:t>22/05/2022</a:t>
             </a:fld>
             <a:endParaRPr lang="es-ES"/>
           </a:p>
@@ -2317,7 +2317,7 @@
           <a:p>
             <a:pPr marL="0" lvl="0"/>
             <a:r>
-              <a:rPr lang="es-ES" smtClean="0"/>
+              <a:rPr lang="es-ES"/>
               <a:t>Haga clic para modificar el estilo de título del patrón</a:t>
             </a:r>
             <a:endParaRPr lang="en-US" dirty="0"/>
@@ -2440,7 +2440,7 @@
           <a:p>
             <a:pPr lvl="0"/>
             <a:r>
-              <a:rPr lang="es-ES" smtClean="0"/>
+              <a:rPr lang="es-ES"/>
               <a:t>Editar el estilo de texto del patrón</a:t>
             </a:r>
           </a:p>
@@ -2559,7 +2559,7 @@
           <a:p>
             <a:pPr lvl="0"/>
             <a:r>
-              <a:rPr lang="es-ES" smtClean="0"/>
+              <a:rPr lang="es-ES"/>
               <a:t>Editar el estilo de texto del patrón</a:t>
             </a:r>
           </a:p>
@@ -2582,7 +2582,7 @@
           <a:p>
             <a:fld id="{40636F93-AAE2-4FC4-B77D-02B590E4C869}" type="datetimeFigureOut">
               <a:rPr lang="es-ES" smtClean="0"/>
-              <a:t>19/05/2022</a:t>
+              <a:t>22/05/2022</a:t>
             </a:fld>
             <a:endParaRPr lang="es-ES"/>
           </a:p>
@@ -2711,7 +2711,7 @@
           </a:lstStyle>
           <a:p>
             <a:r>
-              <a:rPr lang="es-ES" smtClean="0"/>
+              <a:rPr lang="es-ES"/>
               <a:t>Haga clic para modificar el estilo de título del patrón</a:t>
             </a:r>
             <a:endParaRPr lang="en-US" dirty="0"/>
@@ -2735,35 +2735,35 @@
           <a:p>
             <a:pPr lvl="0"/>
             <a:r>
-              <a:rPr lang="es-ES" smtClean="0"/>
+              <a:rPr lang="es-ES"/>
               <a:t>Editar el estilo de texto del patrón</a:t>
             </a:r>
           </a:p>
           <a:p>
             <a:pPr lvl="1"/>
             <a:r>
-              <a:rPr lang="es-ES" smtClean="0"/>
+              <a:rPr lang="es-ES"/>
               <a:t>Segundo nivel</a:t>
             </a:r>
           </a:p>
           <a:p>
             <a:pPr lvl="2"/>
             <a:r>
-              <a:rPr lang="es-ES" smtClean="0"/>
+              <a:rPr lang="es-ES"/>
               <a:t>Tercer nivel</a:t>
             </a:r>
           </a:p>
           <a:p>
             <a:pPr lvl="3"/>
             <a:r>
-              <a:rPr lang="es-ES" smtClean="0"/>
+              <a:rPr lang="es-ES"/>
               <a:t>Cuarto nivel</a:t>
             </a:r>
           </a:p>
           <a:p>
             <a:pPr lvl="4"/>
             <a:r>
-              <a:rPr lang="es-ES" smtClean="0"/>
+              <a:rPr lang="es-ES"/>
               <a:t>Quinto nivel</a:t>
             </a:r>
             <a:endParaRPr lang="en-US" dirty="0"/>
@@ -2787,7 +2787,7 @@
           <a:p>
             <a:fld id="{40636F93-AAE2-4FC4-B77D-02B590E4C869}" type="datetimeFigureOut">
               <a:rPr lang="es-ES" smtClean="0"/>
-              <a:t>19/05/2022</a:t>
+              <a:t>22/05/2022</a:t>
             </a:fld>
             <a:endParaRPr lang="es-ES"/>
           </a:p>
@@ -2917,7 +2917,7 @@
           <a:lstStyle/>
           <a:p>
             <a:r>
-              <a:rPr lang="es-ES" smtClean="0"/>
+              <a:rPr lang="es-ES"/>
               <a:t>Haga clic para modificar el estilo de título del patrón</a:t>
             </a:r>
             <a:endParaRPr lang="en-US" dirty="0"/>
@@ -2946,35 +2946,35 @@
           <a:p>
             <a:pPr lvl="0"/>
             <a:r>
-              <a:rPr lang="es-ES" smtClean="0"/>
+              <a:rPr lang="es-ES"/>
               <a:t>Editar el estilo de texto del patrón</a:t>
             </a:r>
           </a:p>
           <a:p>
             <a:pPr lvl="1"/>
             <a:r>
-              <a:rPr lang="es-ES" smtClean="0"/>
+              <a:rPr lang="es-ES"/>
               <a:t>Segundo nivel</a:t>
             </a:r>
           </a:p>
           <a:p>
             <a:pPr lvl="2"/>
             <a:r>
-              <a:rPr lang="es-ES" smtClean="0"/>
+              <a:rPr lang="es-ES"/>
               <a:t>Tercer nivel</a:t>
             </a:r>
           </a:p>
           <a:p>
             <a:pPr lvl="3"/>
             <a:r>
-              <a:rPr lang="es-ES" smtClean="0"/>
+              <a:rPr lang="es-ES"/>
               <a:t>Cuarto nivel</a:t>
             </a:r>
           </a:p>
           <a:p>
             <a:pPr lvl="4"/>
             <a:r>
-              <a:rPr lang="es-ES" smtClean="0"/>
+              <a:rPr lang="es-ES"/>
               <a:t>Quinto nivel</a:t>
             </a:r>
             <a:endParaRPr lang="en-US" dirty="0"/>
@@ -2998,7 +2998,7 @@
           <a:p>
             <a:fld id="{40636F93-AAE2-4FC4-B77D-02B590E4C869}" type="datetimeFigureOut">
               <a:rPr lang="es-ES" smtClean="0"/>
-              <a:t>19/05/2022</a:t>
+              <a:t>22/05/2022</a:t>
             </a:fld>
             <a:endParaRPr lang="es-ES"/>
           </a:p>
@@ -3154,7 +3154,7 @@
           <a:lstStyle/>
           <a:p>
             <a:r>
-              <a:rPr lang="es-ES" smtClean="0"/>
+              <a:rPr lang="es-ES"/>
               <a:t>Haga clic para modificar el estilo de título del patrón</a:t>
             </a:r>
             <a:endParaRPr lang="en-US" dirty="0"/>
@@ -3178,35 +3178,35 @@
           <a:p>
             <a:pPr lvl="0"/>
             <a:r>
-              <a:rPr lang="es-ES" smtClean="0"/>
+              <a:rPr lang="es-ES"/>
               <a:t>Editar el estilo de texto del patrón</a:t>
             </a:r>
           </a:p>
           <a:p>
             <a:pPr lvl="1"/>
             <a:r>
-              <a:rPr lang="es-ES" smtClean="0"/>
+              <a:rPr lang="es-ES"/>
               <a:t>Segundo nivel</a:t>
             </a:r>
           </a:p>
           <a:p>
             <a:pPr lvl="2"/>
             <a:r>
-              <a:rPr lang="es-ES" smtClean="0"/>
+              <a:rPr lang="es-ES"/>
               <a:t>Tercer nivel</a:t>
             </a:r>
           </a:p>
           <a:p>
             <a:pPr lvl="3"/>
             <a:r>
-              <a:rPr lang="es-ES" smtClean="0"/>
+              <a:rPr lang="es-ES"/>
               <a:t>Cuarto nivel</a:t>
             </a:r>
           </a:p>
           <a:p>
             <a:pPr lvl="4"/>
             <a:r>
-              <a:rPr lang="es-ES" smtClean="0"/>
+              <a:rPr lang="es-ES"/>
               <a:t>Quinto nivel</a:t>
             </a:r>
             <a:endParaRPr lang="en-US" dirty="0"/>
@@ -3230,7 +3230,7 @@
           <a:p>
             <a:fld id="{40636F93-AAE2-4FC4-B77D-02B590E4C869}" type="datetimeFigureOut">
               <a:rPr lang="es-ES" smtClean="0"/>
-              <a:t>19/05/2022</a:t>
+              <a:t>22/05/2022</a:t>
             </a:fld>
             <a:endParaRPr lang="es-ES"/>
           </a:p>
@@ -3335,7 +3335,7 @@
           </a:lstStyle>
           <a:p>
             <a:r>
-              <a:rPr lang="es-ES" smtClean="0"/>
+              <a:rPr lang="es-ES"/>
               <a:t>Haga clic para modificar el estilo de título del patrón</a:t>
             </a:r>
             <a:endParaRPr lang="en-US" dirty="0"/>
@@ -3455,7 +3455,7 @@
           <a:p>
             <a:pPr lvl="0"/>
             <a:r>
-              <a:rPr lang="es-ES" smtClean="0"/>
+              <a:rPr lang="es-ES"/>
               <a:t>Editar el estilo de texto del patrón</a:t>
             </a:r>
           </a:p>
@@ -3478,7 +3478,7 @@
           <a:p>
             <a:fld id="{40636F93-AAE2-4FC4-B77D-02B590E4C869}" type="datetimeFigureOut">
               <a:rPr lang="es-ES" smtClean="0"/>
-              <a:t>19/05/2022</a:t>
+              <a:t>22/05/2022</a:t>
             </a:fld>
             <a:endParaRPr lang="es-ES"/>
           </a:p>
@@ -3634,7 +3634,7 @@
           <a:lstStyle/>
           <a:p>
             <a:r>
-              <a:rPr lang="es-ES" smtClean="0"/>
+              <a:rPr lang="es-ES"/>
               <a:t>Haga clic para modificar el estilo de título del patrón</a:t>
             </a:r>
             <a:endParaRPr lang="en-US" dirty="0"/>
@@ -3665,35 +3665,35 @@
           <a:p>
             <a:pPr lvl="0"/>
             <a:r>
-              <a:rPr lang="es-ES" smtClean="0"/>
+              <a:rPr lang="es-ES"/>
               <a:t>Editar el estilo de texto del patrón</a:t>
             </a:r>
           </a:p>
           <a:p>
             <a:pPr lvl="1"/>
             <a:r>
-              <a:rPr lang="es-ES" smtClean="0"/>
+              <a:rPr lang="es-ES"/>
               <a:t>Segundo nivel</a:t>
             </a:r>
           </a:p>
           <a:p>
             <a:pPr lvl="2"/>
             <a:r>
-              <a:rPr lang="es-ES" smtClean="0"/>
+              <a:rPr lang="es-ES"/>
               <a:t>Tercer nivel</a:t>
             </a:r>
           </a:p>
           <a:p>
             <a:pPr lvl="3"/>
             <a:r>
-              <a:rPr lang="es-ES" smtClean="0"/>
+              <a:rPr lang="es-ES"/>
               <a:t>Cuarto nivel</a:t>
             </a:r>
           </a:p>
           <a:p>
             <a:pPr lvl="4"/>
             <a:r>
-              <a:rPr lang="es-ES" smtClean="0"/>
+              <a:rPr lang="es-ES"/>
               <a:t>Quinto nivel</a:t>
             </a:r>
             <a:endParaRPr lang="en-US" dirty="0"/>
@@ -3724,35 +3724,35 @@
           <a:p>
             <a:pPr lvl="0"/>
             <a:r>
-              <a:rPr lang="es-ES" smtClean="0"/>
+              <a:rPr lang="es-ES"/>
               <a:t>Editar el estilo de texto del patrón</a:t>
             </a:r>
           </a:p>
           <a:p>
             <a:pPr lvl="1"/>
             <a:r>
-              <a:rPr lang="es-ES" smtClean="0"/>
+              <a:rPr lang="es-ES"/>
               <a:t>Segundo nivel</a:t>
             </a:r>
           </a:p>
           <a:p>
             <a:pPr lvl="2"/>
             <a:r>
-              <a:rPr lang="es-ES" smtClean="0"/>
+              <a:rPr lang="es-ES"/>
               <a:t>Tercer nivel</a:t>
             </a:r>
           </a:p>
           <a:p>
             <a:pPr lvl="3"/>
             <a:r>
-              <a:rPr lang="es-ES" smtClean="0"/>
+              <a:rPr lang="es-ES"/>
               <a:t>Cuarto nivel</a:t>
             </a:r>
           </a:p>
           <a:p>
             <a:pPr lvl="4"/>
             <a:r>
-              <a:rPr lang="es-ES" smtClean="0"/>
+              <a:rPr lang="es-ES"/>
               <a:t>Quinto nivel</a:t>
             </a:r>
             <a:endParaRPr lang="en-US" dirty="0"/>
@@ -3776,7 +3776,7 @@
           <a:p>
             <a:fld id="{40636F93-AAE2-4FC4-B77D-02B590E4C869}" type="datetimeFigureOut">
               <a:rPr lang="es-ES" smtClean="0"/>
-              <a:t>19/05/2022</a:t>
+              <a:t>22/05/2022</a:t>
             </a:fld>
             <a:endParaRPr lang="es-ES"/>
           </a:p>
@@ -3874,7 +3874,7 @@
           </a:lstStyle>
           <a:p>
             <a:r>
-              <a:rPr lang="es-ES" smtClean="0"/>
+              <a:rPr lang="es-ES"/>
               <a:t>Haga clic para modificar el estilo de título del patrón</a:t>
             </a:r>
             <a:endParaRPr lang="en-US" dirty="0"/>
@@ -3952,7 +3952,7 @@
           <a:p>
             <a:pPr lvl="0"/>
             <a:r>
-              <a:rPr lang="es-ES" smtClean="0"/>
+              <a:rPr lang="es-ES"/>
               <a:t>Editar el estilo de texto del patrón</a:t>
             </a:r>
           </a:p>
@@ -3982,35 +3982,35 @@
           <a:p>
             <a:pPr lvl="0"/>
             <a:r>
-              <a:rPr lang="es-ES" smtClean="0"/>
+              <a:rPr lang="es-ES"/>
               <a:t>Editar el estilo de texto del patrón</a:t>
             </a:r>
           </a:p>
           <a:p>
             <a:pPr lvl="1"/>
             <a:r>
-              <a:rPr lang="es-ES" smtClean="0"/>
+              <a:rPr lang="es-ES"/>
               <a:t>Segundo nivel</a:t>
             </a:r>
           </a:p>
           <a:p>
             <a:pPr lvl="2"/>
             <a:r>
-              <a:rPr lang="es-ES" smtClean="0"/>
+              <a:rPr lang="es-ES"/>
               <a:t>Tercer nivel</a:t>
             </a:r>
           </a:p>
           <a:p>
             <a:pPr lvl="3"/>
             <a:r>
-              <a:rPr lang="es-ES" smtClean="0"/>
+              <a:rPr lang="es-ES"/>
               <a:t>Cuarto nivel</a:t>
             </a:r>
           </a:p>
           <a:p>
             <a:pPr lvl="4"/>
             <a:r>
-              <a:rPr lang="es-ES" smtClean="0"/>
+              <a:rPr lang="es-ES"/>
               <a:t>Quinto nivel</a:t>
             </a:r>
             <a:endParaRPr lang="en-US" dirty="0"/>
@@ -4088,7 +4088,7 @@
           <a:p>
             <a:pPr lvl="0"/>
             <a:r>
-              <a:rPr lang="es-ES" smtClean="0"/>
+              <a:rPr lang="es-ES"/>
               <a:t>Editar el estilo de texto del patrón</a:t>
             </a:r>
           </a:p>
@@ -4118,35 +4118,35 @@
           <a:p>
             <a:pPr lvl="0"/>
             <a:r>
-              <a:rPr lang="es-ES" smtClean="0"/>
+              <a:rPr lang="es-ES"/>
               <a:t>Editar el estilo de texto del patrón</a:t>
             </a:r>
           </a:p>
           <a:p>
             <a:pPr lvl="1"/>
             <a:r>
-              <a:rPr lang="es-ES" smtClean="0"/>
+              <a:rPr lang="es-ES"/>
               <a:t>Segundo nivel</a:t>
             </a:r>
           </a:p>
           <a:p>
             <a:pPr lvl="2"/>
             <a:r>
-              <a:rPr lang="es-ES" smtClean="0"/>
+              <a:rPr lang="es-ES"/>
               <a:t>Tercer nivel</a:t>
             </a:r>
           </a:p>
           <a:p>
             <a:pPr lvl="3"/>
             <a:r>
-              <a:rPr lang="es-ES" smtClean="0"/>
+              <a:rPr lang="es-ES"/>
               <a:t>Cuarto nivel</a:t>
             </a:r>
           </a:p>
           <a:p>
             <a:pPr lvl="4"/>
             <a:r>
-              <a:rPr lang="es-ES" smtClean="0"/>
+              <a:rPr lang="es-ES"/>
               <a:t>Quinto nivel</a:t>
             </a:r>
             <a:endParaRPr lang="en-US" dirty="0"/>
@@ -4170,7 +4170,7 @@
           <a:p>
             <a:fld id="{40636F93-AAE2-4FC4-B77D-02B590E4C869}" type="datetimeFigureOut">
               <a:rPr lang="es-ES" smtClean="0"/>
-              <a:t>19/05/2022</a:t>
+              <a:t>22/05/2022</a:t>
             </a:fld>
             <a:endParaRPr lang="es-ES"/>
           </a:p>
@@ -4295,7 +4295,7 @@
           <a:lstStyle/>
           <a:p>
             <a:r>
-              <a:rPr lang="es-ES" smtClean="0"/>
+              <a:rPr lang="es-ES"/>
               <a:t>Haga clic para modificar el estilo de título del patrón</a:t>
             </a:r>
             <a:endParaRPr lang="en-US" dirty="0"/>
@@ -4319,7 +4319,7 @@
           <a:p>
             <a:fld id="{40636F93-AAE2-4FC4-B77D-02B590E4C869}" type="datetimeFigureOut">
               <a:rPr lang="es-ES" smtClean="0"/>
-              <a:t>19/05/2022</a:t>
+              <a:t>22/05/2022</a:t>
             </a:fld>
             <a:endParaRPr lang="es-ES"/>
           </a:p>
@@ -4445,7 +4445,7 @@
           <a:p>
             <a:fld id="{40636F93-AAE2-4FC4-B77D-02B590E4C869}" type="datetimeFigureOut">
               <a:rPr lang="es-ES" smtClean="0"/>
-              <a:t>19/05/2022</a:t>
+              <a:t>22/05/2022</a:t>
             </a:fld>
             <a:endParaRPr lang="es-ES"/>
           </a:p>
@@ -4550,7 +4550,7 @@
           </a:lstStyle>
           <a:p>
             <a:r>
-              <a:rPr lang="es-ES" smtClean="0"/>
+              <a:rPr lang="es-ES"/>
               <a:t>Haga clic para modificar el estilo de título del patrón</a:t>
             </a:r>
             <a:endParaRPr lang="en-US" dirty="0"/>
@@ -4581,35 +4581,35 @@
           <a:p>
             <a:pPr lvl="0"/>
             <a:r>
-              <a:rPr lang="es-ES" smtClean="0"/>
+              <a:rPr lang="es-ES"/>
               <a:t>Editar el estilo de texto del patrón</a:t>
             </a:r>
           </a:p>
           <a:p>
             <a:pPr lvl="1"/>
             <a:r>
-              <a:rPr lang="es-ES" smtClean="0"/>
+              <a:rPr lang="es-ES"/>
               <a:t>Segundo nivel</a:t>
             </a:r>
           </a:p>
           <a:p>
             <a:pPr lvl="2"/>
             <a:r>
-              <a:rPr lang="es-ES" smtClean="0"/>
+              <a:rPr lang="es-ES"/>
               <a:t>Tercer nivel</a:t>
             </a:r>
           </a:p>
           <a:p>
             <a:pPr lvl="3"/>
             <a:r>
-              <a:rPr lang="es-ES" smtClean="0"/>
+              <a:rPr lang="es-ES"/>
               <a:t>Cuarto nivel</a:t>
             </a:r>
           </a:p>
           <a:p>
             <a:pPr lvl="4"/>
             <a:r>
-              <a:rPr lang="es-ES" smtClean="0"/>
+              <a:rPr lang="es-ES"/>
               <a:t>Quinto nivel</a:t>
             </a:r>
             <a:endParaRPr lang="en-US" dirty="0"/>
@@ -4677,7 +4677,7 @@
           <a:p>
             <a:pPr lvl="0"/>
             <a:r>
-              <a:rPr lang="es-ES" smtClean="0"/>
+              <a:rPr lang="es-ES"/>
               <a:t>Editar el estilo de texto del patrón</a:t>
             </a:r>
           </a:p>
@@ -4700,7 +4700,7 @@
           <a:p>
             <a:fld id="{40636F93-AAE2-4FC4-B77D-02B590E4C869}" type="datetimeFigureOut">
               <a:rPr lang="es-ES" smtClean="0"/>
-              <a:t>19/05/2022</a:t>
+              <a:t>22/05/2022</a:t>
             </a:fld>
             <a:endParaRPr lang="es-ES"/>
           </a:p>
@@ -4836,7 +4836,7 @@
           </a:lstStyle>
           <a:p>
             <a:r>
-              <a:rPr lang="es-ES" smtClean="0"/>
+              <a:rPr lang="es-ES"/>
               <a:t>Haga clic para modificar el estilo de título del patrón</a:t>
             </a:r>
             <a:endParaRPr lang="en-US" dirty="0"/>
@@ -4924,7 +4924,7 @@
           </a:lstStyle>
           <a:p>
             <a:r>
-              <a:rPr lang="es-ES" smtClean="0"/>
+              <a:rPr lang="es-ES"/>
               <a:t>Haga clic en el icono para agregar una imagen</a:t>
             </a:r>
             <a:endParaRPr lang="en-US" dirty="0"/>
@@ -4992,7 +4992,7 @@
           <a:p>
             <a:pPr lvl="0"/>
             <a:r>
-              <a:rPr lang="es-ES" smtClean="0"/>
+              <a:rPr lang="es-ES"/>
               <a:t>Editar el estilo de texto del patrón</a:t>
             </a:r>
           </a:p>
@@ -5015,7 +5015,7 @@
           <a:p>
             <a:fld id="{40636F93-AAE2-4FC4-B77D-02B590E4C869}" type="datetimeFigureOut">
               <a:rPr lang="es-ES" smtClean="0"/>
-              <a:t>19/05/2022</a:t>
+              <a:t>22/05/2022</a:t>
             </a:fld>
             <a:endParaRPr lang="es-ES"/>
           </a:p>
@@ -5262,7 +5262,7 @@
           <a:lstStyle/>
           <a:p>
             <a:r>
-              <a:rPr lang="es-ES" smtClean="0"/>
+              <a:rPr lang="es-ES"/>
               <a:t>Haga clic para modificar el estilo de título del patrón</a:t>
             </a:r>
             <a:endParaRPr lang="en-US" dirty="0"/>
@@ -5296,35 +5296,35 @@
           <a:p>
             <a:pPr lvl="0"/>
             <a:r>
-              <a:rPr lang="es-ES" smtClean="0"/>
+              <a:rPr lang="es-ES"/>
               <a:t>Editar el estilo de texto del patrón</a:t>
             </a:r>
           </a:p>
           <a:p>
             <a:pPr lvl="1"/>
             <a:r>
-              <a:rPr lang="es-ES" smtClean="0"/>
+              <a:rPr lang="es-ES"/>
               <a:t>Segundo nivel</a:t>
             </a:r>
           </a:p>
           <a:p>
             <a:pPr lvl="2"/>
             <a:r>
-              <a:rPr lang="es-ES" smtClean="0"/>
+              <a:rPr lang="es-ES"/>
               <a:t>Tercer nivel</a:t>
             </a:r>
           </a:p>
           <a:p>
             <a:pPr lvl="3"/>
             <a:r>
-              <a:rPr lang="es-ES" smtClean="0"/>
+              <a:rPr lang="es-ES"/>
               <a:t>Cuarto nivel</a:t>
             </a:r>
           </a:p>
           <a:p>
             <a:pPr lvl="4"/>
             <a:r>
-              <a:rPr lang="es-ES" smtClean="0"/>
+              <a:rPr lang="es-ES"/>
               <a:t>Quinto nivel</a:t>
             </a:r>
             <a:endParaRPr lang="en-US" dirty="0"/>
@@ -5366,7 +5366,7 @@
           <a:p>
             <a:fld id="{40636F93-AAE2-4FC4-B77D-02B590E4C869}" type="datetimeFigureOut">
               <a:rPr lang="es-ES" smtClean="0"/>
-              <a:t>19/05/2022</a:t>
+              <a:t>22/05/2022</a:t>
             </a:fld>
             <a:endParaRPr lang="es-ES"/>
           </a:p>
@@ -5978,13 +5978,6 @@
   <p:clrMapOvr>
     <a:masterClrMapping/>
   </p:clrMapOvr>
-  <p:timing>
-    <p:tnLst>
-      <p:par>
-        <p:cTn id="1" dur="indefinite" restart="never" nodeType="tmRoot"/>
-      </p:par>
-    </p:tnLst>
-  </p:timing>
 </p:sld>
 </file>
 
@@ -6021,10 +6014,9 @@
           <a:lstStyle/>
           <a:p>
             <a:r>
-              <a:rPr lang="es-ES" dirty="0" smtClean="0"/>
+              <a:rPr lang="es-ES" dirty="0"/>
               <a:t>Bases de datos</a:t>
             </a:r>
-            <a:endParaRPr lang="es-ES" dirty="0"/>
           </a:p>
         </p:txBody>
       </p:sp>
@@ -6068,21 +6060,8 @@
           <a:p>
             <a:r>
               <a:rPr lang="es-ES" dirty="0"/>
-              <a:t>Nuestra base de </a:t>
-            </a:r>
-            <a:r>
-              <a:rPr lang="es-ES" dirty="0" smtClean="0"/>
-              <a:t>datos principalmente</a:t>
-            </a:r>
-            <a:r>
-              <a:rPr lang="es-ES" dirty="0"/>
-              <a:t>, se centra en almacenar datos de </a:t>
-            </a:r>
-            <a:r>
-              <a:rPr lang="es-ES" dirty="0" smtClean="0"/>
-              <a:t>los trabajadores, sus tareas, eventos, reuniones y los puntos para canjear en la tienda.</a:t>
-            </a:r>
-            <a:endParaRPr lang="es-ES" dirty="0"/>
+              <a:t>Nuestra base de datos principalmente, se centra en almacenar datos de los trabajadores, sus tareas, eventos, reuniones y los puntos para canjear en la tienda.</a:t>
+            </a:r>
           </a:p>
           <a:p>
             <a:endParaRPr lang="es-ES" dirty="0"/>
@@ -6123,13 +6102,6 @@
   <p:clrMapOvr>
     <a:masterClrMapping/>
   </p:clrMapOvr>
-  <p:timing>
-    <p:tnLst>
-      <p:par>
-        <p:cTn id="1" dur="indefinite" restart="never" nodeType="tmRoot"/>
-      </p:par>
-    </p:tnLst>
-  </p:timing>
 </p:sld>
 </file>
 
@@ -6166,68 +6138,67 @@
           <a:lstStyle/>
           <a:p>
             <a:r>
-              <a:rPr lang="es-ES" dirty="0" smtClean="0"/>
+              <a:rPr lang="es-ES" dirty="0"/>
               <a:t>Ventajas</a:t>
             </a:r>
+          </a:p>
+        </p:txBody>
+      </p:sp>
+      <p:sp>
+        <p:nvSpPr>
+          <p:cNvPr id="3" name="Marcador de contenido 2"/>
+          <p:cNvSpPr>
+            <a:spLocks noGrp="1"/>
+          </p:cNvSpPr>
+          <p:nvPr>
+            <p:ph idx="1"/>
+          </p:nvPr>
+        </p:nvSpPr>
+        <p:spPr/>
+        <p:txBody>
+          <a:bodyPr/>
+          <a:lstStyle/>
+          <a:p>
+            <a:r>
+              <a:rPr lang="es-ES" dirty="0"/>
+              <a:t>Tienda de puntos</a:t>
+            </a:r>
+          </a:p>
+          <a:p>
+            <a:r>
+              <a:rPr lang="es-ES" dirty="0" err="1"/>
+              <a:t>User-friendly</a:t>
+            </a:r>
             <a:endParaRPr lang="es-ES" dirty="0"/>
           </a:p>
-        </p:txBody>
-      </p:sp>
-      <p:sp>
-        <p:nvSpPr>
-          <p:cNvPr id="3" name="Marcador de contenido 2"/>
-          <p:cNvSpPr>
-            <a:spLocks noGrp="1"/>
-          </p:cNvSpPr>
-          <p:nvPr>
-            <p:ph idx="1"/>
-          </p:nvPr>
-        </p:nvSpPr>
-        <p:spPr/>
-        <p:txBody>
-          <a:bodyPr/>
-          <a:lstStyle/>
-          <a:p>
-            <a:r>
-              <a:rPr lang="es-ES" dirty="0" smtClean="0"/>
-              <a:t>Tienda de puntos</a:t>
-            </a:r>
-          </a:p>
-          <a:p>
-            <a:r>
-              <a:rPr lang="es-ES" dirty="0" err="1" smtClean="0"/>
-              <a:t>User-friendly</a:t>
-            </a:r>
-            <a:endParaRPr lang="es-ES" dirty="0" smtClean="0"/>
-          </a:p>
-          <a:p>
-            <a:r>
-              <a:rPr lang="es-ES" dirty="0" smtClean="0"/>
+          <a:p>
+            <a:r>
+              <a:rPr lang="es-ES" dirty="0"/>
               <a:t>Intuitiva</a:t>
             </a:r>
           </a:p>
           <a:p>
             <a:r>
-              <a:rPr lang="es-ES" dirty="0" err="1" smtClean="0"/>
+              <a:rPr lang="es-ES" dirty="0" err="1"/>
               <a:t>It</a:t>
             </a:r>
             <a:r>
-              <a:rPr lang="es-ES" dirty="0" smtClean="0"/>
+              <a:rPr lang="es-ES" dirty="0"/>
               <a:t> </a:t>
             </a:r>
             <a:r>
-              <a:rPr lang="es-ES" dirty="0" err="1" smtClean="0"/>
+              <a:rPr lang="es-ES" dirty="0" err="1"/>
               <a:t>just</a:t>
             </a:r>
             <a:r>
-              <a:rPr lang="es-ES" dirty="0" smtClean="0"/>
+              <a:rPr lang="es-ES" dirty="0"/>
               <a:t> </a:t>
             </a:r>
             <a:r>
-              <a:rPr lang="es-ES" dirty="0" err="1" smtClean="0"/>
+              <a:rPr lang="es-ES" dirty="0" err="1"/>
               <a:t>works</a:t>
             </a:r>
-            <a:endParaRPr lang="es-ES" dirty="0" smtClean="0"/>
+            <a:endParaRPr lang="es-ES" dirty="0"/>
           </a:p>
           <a:p>
             <a:endParaRPr lang="es-ES" dirty="0"/>
@@ -6244,13 +6215,6 @@
   <p:clrMapOvr>
     <a:masterClrMapping/>
   </p:clrMapOvr>
-  <p:timing>
-    <p:tnLst>
-      <p:par>
-        <p:cTn id="1" dur="indefinite" restart="never" nodeType="tmRoot"/>
-      </p:par>
-    </p:tnLst>
-  </p:timing>
 </p:sld>
 </file>
 
@@ -6287,10 +6251,9 @@
           <a:lstStyle/>
           <a:p>
             <a:r>
-              <a:rPr lang="es-ES" dirty="0" smtClean="0"/>
+              <a:rPr lang="es-ES" dirty="0"/>
               <a:t>Sitio web/Vista de la aplicación</a:t>
             </a:r>
-            <a:endParaRPr lang="es-ES" dirty="0"/>
           </a:p>
         </p:txBody>
       </p:sp>
@@ -6315,10 +6278,40 @@
               </a:rPr>
               <a:t>http://pi-grupo-verde.s3-website-us-east-1.amazonaws.com/</a:t>
             </a:r>
-            <a:endParaRPr lang="es-ES" dirty="0" smtClean="0"/>
-          </a:p>
-        </p:txBody>
-      </p:sp>
+            <a:endParaRPr lang="es-ES" dirty="0"/>
+          </a:p>
+        </p:txBody>
+      </p:sp>
+      <p:pic>
+        <p:nvPicPr>
+          <p:cNvPr id="5" name="Imagen 4">
+            <a:extLst>
+              <a:ext uri="{FF2B5EF4-FFF2-40B4-BE49-F238E27FC236}">
+                <a16:creationId xmlns:a16="http://schemas.microsoft.com/office/drawing/2014/main" id="{4597994E-70D2-C5F0-9347-A30C1077DD3B}"/>
+              </a:ext>
+            </a:extLst>
+          </p:cNvPr>
+          <p:cNvPicPr>
+            <a:picLocks noChangeAspect="1"/>
+          </p:cNvPicPr>
+          <p:nvPr/>
+        </p:nvPicPr>
+        <p:blipFill>
+          <a:blip r:embed="rId3"/>
+          <a:stretch>
+            <a:fillRect/>
+          </a:stretch>
+        </p:blipFill>
+        <p:spPr>
+          <a:xfrm>
+            <a:off x="2618832" y="3039739"/>
+            <a:ext cx="6368150" cy="2931275"/>
+          </a:xfrm>
+          <a:prstGeom prst="rect">
+            <a:avLst/>
+          </a:prstGeom>
+        </p:spPr>
+      </p:pic>
     </p:spTree>
     <p:extLst>
       <p:ext uri="{BB962C8B-B14F-4D97-AF65-F5344CB8AC3E}">
@@ -6329,13 +6322,6 @@
   <p:clrMapOvr>
     <a:masterClrMapping/>
   </p:clrMapOvr>
-  <p:timing>
-    <p:tnLst>
-      <p:par>
-        <p:cTn id="1" dur="indefinite" restart="never" nodeType="tmRoot"/>
-      </p:par>
-    </p:tnLst>
-  </p:timing>
 </p:sld>
 </file>
 
@@ -6372,10 +6358,9 @@
           <a:lstStyle/>
           <a:p>
             <a:r>
-              <a:rPr lang="es-ES" dirty="0" smtClean="0"/>
+              <a:rPr lang="es-ES" dirty="0"/>
               <a:t>Herramientas utilizadas</a:t>
             </a:r>
-            <a:endParaRPr lang="es-ES" dirty="0"/>
           </a:p>
         </p:txBody>
       </p:sp>
@@ -6402,7 +6387,7 @@
         <p:spPr>
           <a:xfrm>
             <a:off x="1358538" y="2410097"/>
-            <a:ext cx="1053736" cy="1308463"/>
+            <a:ext cx="1240164" cy="1539958"/>
           </a:xfrm>
           <a:prstGeom prst="rect">
             <a:avLst/>
@@ -6555,6 +6540,78 @@
           </a:prstGeom>
         </p:spPr>
       </p:pic>
+      <p:pic>
+        <p:nvPicPr>
+          <p:cNvPr id="8" name="Imagen 7" descr="Icono&#10;&#10;Descripción generada automáticamente">
+            <a:extLst>
+              <a:ext uri="{FF2B5EF4-FFF2-40B4-BE49-F238E27FC236}">
+                <a16:creationId xmlns:a16="http://schemas.microsoft.com/office/drawing/2014/main" id="{5EB518F1-520B-4F37-FC44-43BCC573D1F3}"/>
+              </a:ext>
+            </a:extLst>
+          </p:cNvPr>
+          <p:cNvPicPr>
+            <a:picLocks noChangeAspect="1"/>
+          </p:cNvPicPr>
+          <p:nvPr/>
+        </p:nvPicPr>
+        <p:blipFill>
+          <a:blip r:embed="rId8" cstate="print">
+            <a:extLst>
+              <a:ext uri="{28A0092B-C50C-407E-A947-70E740481C1C}">
+                <a14:useLocalDpi xmlns:a14="http://schemas.microsoft.com/office/drawing/2010/main" val="0"/>
+              </a:ext>
+            </a:extLst>
+          </a:blip>
+          <a:stretch>
+            <a:fillRect/>
+          </a:stretch>
+        </p:blipFill>
+        <p:spPr>
+          <a:xfrm>
+            <a:off x="5569370" y="4215001"/>
+            <a:ext cx="2978118" cy="1687997"/>
+          </a:xfrm>
+          <a:prstGeom prst="rect">
+            <a:avLst/>
+          </a:prstGeom>
+        </p:spPr>
+      </p:pic>
+      <p:pic>
+        <p:nvPicPr>
+          <p:cNvPr id="12" name="Imagen 11" descr="Logotipo&#10;&#10;Descripción generada automáticamente">
+            <a:extLst>
+              <a:ext uri="{FF2B5EF4-FFF2-40B4-BE49-F238E27FC236}">
+                <a16:creationId xmlns:a16="http://schemas.microsoft.com/office/drawing/2014/main" id="{1D5189A0-30A2-2561-A494-87E79902150F}"/>
+              </a:ext>
+            </a:extLst>
+          </p:cNvPr>
+          <p:cNvPicPr>
+            <a:picLocks noChangeAspect="1"/>
+          </p:cNvPicPr>
+          <p:nvPr/>
+        </p:nvPicPr>
+        <p:blipFill>
+          <a:blip r:embed="rId9" cstate="print">
+            <a:extLst>
+              <a:ext uri="{28A0092B-C50C-407E-A947-70E740481C1C}">
+                <a14:useLocalDpi xmlns:a14="http://schemas.microsoft.com/office/drawing/2010/main" val="0"/>
+              </a:ext>
+            </a:extLst>
+          </a:blip>
+          <a:stretch>
+            <a:fillRect/>
+          </a:stretch>
+        </p:blipFill>
+        <p:spPr>
+          <a:xfrm>
+            <a:off x="8159088" y="4822980"/>
+            <a:ext cx="2610511" cy="535359"/>
+          </a:xfrm>
+          <a:prstGeom prst="rect">
+            <a:avLst/>
+          </a:prstGeom>
+        </p:spPr>
+      </p:pic>
     </p:spTree>
     <p:extLst>
       <p:ext uri="{BB962C8B-B14F-4D97-AF65-F5344CB8AC3E}">
@@ -6565,13 +6622,6 @@
   <p:clrMapOvr>
     <a:masterClrMapping/>
   </p:clrMapOvr>
-  <p:timing>
-    <p:tnLst>
-      <p:par>
-        <p:cTn id="1" dur="indefinite" restart="never" nodeType="tmRoot"/>
-      </p:par>
-    </p:tnLst>
-  </p:timing>
 </p:sld>
 </file>
 
@@ -6608,36 +6658,87 @@
           <a:lstStyle/>
           <a:p>
             <a:r>
-              <a:rPr lang="es-ES" dirty="0" smtClean="0"/>
+              <a:rPr lang="es-ES" dirty="0"/>
               <a:t>Adversidades encontradas</a:t>
             </a:r>
+          </a:p>
+        </p:txBody>
+      </p:sp>
+      <p:sp>
+        <p:nvSpPr>
+          <p:cNvPr id="6" name="Marcador de contenido 5"/>
+          <p:cNvSpPr>
+            <a:spLocks noGrp="1"/>
+          </p:cNvSpPr>
+          <p:nvPr>
+            <p:ph idx="1"/>
+          </p:nvPr>
+        </p:nvSpPr>
+        <p:spPr/>
+        <p:txBody>
+          <a:bodyPr/>
+          <a:lstStyle/>
+          <a:p>
+            <a:r>
+              <a:rPr lang="es-ES" dirty="0"/>
+              <a:t>Problemas en la BD</a:t>
+            </a:r>
+          </a:p>
+          <a:p>
+            <a:r>
+              <a:rPr lang="es-ES" dirty="0"/>
+              <a:t>Gestión del usuario</a:t>
+            </a:r>
+          </a:p>
+          <a:p>
+            <a:r>
+              <a:rPr lang="es-ES" dirty="0"/>
+              <a:t>Problemas con </a:t>
+            </a:r>
+            <a:r>
+              <a:rPr lang="es-ES" dirty="0" err="1"/>
+              <a:t>Github</a:t>
+            </a:r>
             <a:endParaRPr lang="es-ES" dirty="0"/>
           </a:p>
         </p:txBody>
       </p:sp>
-      <p:sp>
-        <p:nvSpPr>
-          <p:cNvPr id="6" name="Marcador de contenido 5"/>
-          <p:cNvSpPr>
-            <a:spLocks noGrp="1"/>
-          </p:cNvSpPr>
-          <p:nvPr>
-            <p:ph idx="1"/>
-          </p:nvPr>
-        </p:nvSpPr>
-        <p:spPr/>
-        <p:txBody>
-          <a:bodyPr/>
-          <a:lstStyle/>
-          <a:p>
-            <a:r>
-              <a:rPr lang="es-ES" dirty="0" smtClean="0"/>
-              <a:t>Buscar foto</a:t>
-            </a:r>
-            <a:endParaRPr lang="es-ES" dirty="0"/>
-          </a:p>
-        </p:txBody>
-      </p:sp>
+      <p:pic>
+        <p:nvPicPr>
+          <p:cNvPr id="4" name="Imagen 3" descr="Texto&#10;&#10;Descripción generada automáticamente">
+            <a:extLst>
+              <a:ext uri="{FF2B5EF4-FFF2-40B4-BE49-F238E27FC236}">
+                <a16:creationId xmlns:a16="http://schemas.microsoft.com/office/drawing/2014/main" id="{90CB1877-FB77-0228-BA11-16350798065C}"/>
+              </a:ext>
+            </a:extLst>
+          </p:cNvPr>
+          <p:cNvPicPr>
+            <a:picLocks noChangeAspect="1"/>
+          </p:cNvPicPr>
+          <p:nvPr/>
+        </p:nvPicPr>
+        <p:blipFill>
+          <a:blip r:embed="rId2" cstate="print">
+            <a:extLst>
+              <a:ext uri="{28A0092B-C50C-407E-A947-70E740481C1C}">
+                <a14:useLocalDpi xmlns:a14="http://schemas.microsoft.com/office/drawing/2010/main" val="0"/>
+              </a:ext>
+            </a:extLst>
+          </a:blip>
+          <a:stretch>
+            <a:fillRect/>
+          </a:stretch>
+        </p:blipFill>
+        <p:spPr>
+          <a:xfrm>
+            <a:off x="5271356" y="2431472"/>
+            <a:ext cx="4060571" cy="3569856"/>
+          </a:xfrm>
+          <a:prstGeom prst="rect">
+            <a:avLst/>
+          </a:prstGeom>
+        </p:spPr>
+      </p:pic>
     </p:spTree>
     <p:extLst>
       <p:ext uri="{BB962C8B-B14F-4D97-AF65-F5344CB8AC3E}">
@@ -6648,13 +6749,6 @@
   <p:clrMapOvr>
     <a:masterClrMapping/>
   </p:clrMapOvr>
-  <p:timing>
-    <p:tnLst>
-      <p:par>
-        <p:cTn id="1" dur="indefinite" restart="never" nodeType="tmRoot"/>
-      </p:par>
-    </p:tnLst>
-  </p:timing>
 </p:sld>
 </file>
 
@@ -6691,10 +6785,9 @@
           <a:lstStyle/>
           <a:p>
             <a:r>
-              <a:rPr lang="es-ES" dirty="0" smtClean="0"/>
+              <a:rPr lang="es-ES" dirty="0"/>
               <a:t>Conclusión</a:t>
             </a:r>
-            <a:endParaRPr lang="es-ES" dirty="0"/>
           </a:p>
         </p:txBody>
       </p:sp>
@@ -6714,16 +6807,15 @@
           <a:lstStyle/>
           <a:p>
             <a:r>
-              <a:rPr lang="es-ES" dirty="0" smtClean="0"/>
+              <a:rPr lang="es-ES" dirty="0"/>
               <a:t>Sirve para organizar a los empleados</a:t>
             </a:r>
           </a:p>
           <a:p>
             <a:r>
-              <a:rPr lang="es-ES" dirty="0" smtClean="0"/>
+              <a:rPr lang="es-ES" dirty="0"/>
               <a:t>Va dirigida tanto para los empleados como para el trabajador</a:t>
             </a:r>
-            <a:endParaRPr lang="es-ES" dirty="0"/>
           </a:p>
         </p:txBody>
       </p:sp>
@@ -6737,13 +6829,6 @@
   <p:clrMapOvr>
     <a:masterClrMapping/>
   </p:clrMapOvr>
-  <p:timing>
-    <p:tnLst>
-      <p:par>
-        <p:cTn id="1" dur="indefinite" restart="never" nodeType="tmRoot"/>
-      </p:par>
-    </p:tnLst>
-  </p:timing>
 </p:sld>
 </file>
 
@@ -6780,10 +6865,9 @@
           <a:lstStyle/>
           <a:p>
             <a:r>
-              <a:rPr lang="es-ES" dirty="0" smtClean="0"/>
+              <a:rPr lang="es-ES" dirty="0"/>
               <a:t>Índice</a:t>
             </a:r>
-            <a:endParaRPr lang="es-ES" dirty="0"/>
           </a:p>
         </p:txBody>
       </p:sp>
@@ -6810,39 +6894,26 @@
           <a:lstStyle/>
           <a:p>
             <a:r>
-              <a:rPr lang="es-ES" sz="1900" dirty="0" smtClean="0"/>
-              <a:t>Como surgió la </a:t>
-            </a:r>
-            <a:r>
-              <a:rPr lang="es-ES" sz="1900" dirty="0" smtClean="0"/>
-              <a:t>idea</a:t>
-            </a:r>
-            <a:endParaRPr lang="es-ES" sz="1900" dirty="0" smtClean="0"/>
-          </a:p>
-          <a:p>
-            <a:r>
-              <a:rPr lang="es-ES" sz="1900" dirty="0" smtClean="0"/>
+              <a:rPr lang="es-ES" sz="1900" dirty="0"/>
+              <a:t>Como surgió la idea</a:t>
+            </a:r>
+          </a:p>
+          <a:p>
+            <a:r>
+              <a:rPr lang="es-ES" sz="1900" dirty="0"/>
               <a:t>El logo</a:t>
             </a:r>
           </a:p>
           <a:p>
             <a:r>
-              <a:rPr lang="es-ES" sz="1900" dirty="0" smtClean="0"/>
+              <a:rPr lang="es-ES" sz="1900" dirty="0"/>
               <a:t>Nombre de la Aplicación</a:t>
             </a:r>
           </a:p>
           <a:p>
             <a:r>
-              <a:rPr lang="es-ES" sz="1900" dirty="0" smtClean="0"/>
-              <a:t>Base </a:t>
-            </a:r>
-            <a:r>
-              <a:rPr lang="es-ES" sz="1900" dirty="0" smtClean="0"/>
-              <a:t>de </a:t>
-            </a:r>
-            <a:r>
-              <a:rPr lang="es-ES" sz="1900" dirty="0" smtClean="0"/>
-              <a:t>Datos</a:t>
+              <a:rPr lang="es-ES" sz="1900" dirty="0"/>
+              <a:t>Base de Datos</a:t>
             </a:r>
           </a:p>
           <a:p>
@@ -6890,7 +6961,7 @@
             <a:pPr marL="0" indent="0">
               <a:buNone/>
             </a:pPr>
-            <a:endParaRPr lang="es-ES" sz="1600" dirty="0" smtClean="0"/>
+            <a:endParaRPr lang="es-ES" sz="1600" dirty="0"/>
           </a:p>
         </p:txBody>
       </p:sp>
@@ -6904,13 +6975,6 @@
   <p:clrMapOvr>
     <a:masterClrMapping/>
   </p:clrMapOvr>
-  <p:timing>
-    <p:tnLst>
-      <p:par>
-        <p:cTn id="1" dur="indefinite" restart="never" nodeType="tmRoot"/>
-      </p:par>
-    </p:tnLst>
-  </p:timing>
 </p:sld>
 </file>
 
@@ -6952,7 +7016,7 @@
           <a:lstStyle/>
           <a:p>
             <a:r>
-              <a:rPr lang="es-ES" dirty="0" err="1" smtClean="0"/>
+              <a:rPr lang="es-ES" dirty="0" err="1"/>
               <a:t>Worktab</a:t>
             </a:r>
             <a:endParaRPr lang="es-ES" dirty="0"/>
@@ -6985,32 +7049,22 @@
               <a:buNone/>
             </a:pPr>
             <a:r>
-              <a:rPr lang="es-ES" dirty="0" err="1" smtClean="0"/>
+              <a:rPr lang="es-ES" dirty="0" err="1"/>
               <a:t>Worktab</a:t>
             </a:r>
             <a:r>
-              <a:rPr lang="es-ES" dirty="0" smtClean="0"/>
-              <a:t> surgió </a:t>
-            </a:r>
-            <a:r>
-              <a:rPr lang="es-ES" dirty="0" smtClean="0"/>
-              <a:t>de la combinación de todas nuestras propuestas.</a:t>
-            </a:r>
-            <a:endParaRPr lang="es-ES" dirty="0" smtClean="0"/>
+              <a:rPr lang="es-ES" dirty="0"/>
+              <a:t> surgió de la combinación de todas nuestras propuestas.</a:t>
+            </a:r>
           </a:p>
           <a:p>
             <a:pPr marL="0" indent="0">
               <a:buNone/>
             </a:pPr>
             <a:r>
-              <a:rPr lang="es-ES" dirty="0" smtClean="0"/>
-              <a:t>Así generamos una aplicación bastante única capaz de organizar el trabajo y motivar al </a:t>
-            </a:r>
-            <a:r>
-              <a:rPr lang="es-ES" dirty="0" smtClean="0"/>
-              <a:t>trabajador.</a:t>
-            </a:r>
-            <a:endParaRPr lang="es-ES" dirty="0"/>
+              <a:rPr lang="es-ES" dirty="0"/>
+              <a:t>Así generamos una aplicación bastante única capaz de organizar el trabajo y motivar al trabajador.</a:t>
+            </a:r>
           </a:p>
         </p:txBody>
       </p:sp>
@@ -7085,13 +7139,6 @@
   <p:clrMapOvr>
     <a:masterClrMapping/>
   </p:clrMapOvr>
-  <p:timing>
-    <p:tnLst>
-      <p:par>
-        <p:cTn id="1" dur="indefinite" restart="never" nodeType="tmRoot"/>
-      </p:par>
-    </p:tnLst>
-  </p:timing>
 </p:sld>
 </file>
 
@@ -7128,10 +7175,9 @@
           <a:lstStyle/>
           <a:p>
             <a:r>
-              <a:rPr lang="es-ES" dirty="0" smtClean="0"/>
+              <a:rPr lang="es-ES" dirty="0"/>
               <a:t>¿A quién va dirigido?</a:t>
             </a:r>
-            <a:endParaRPr lang="es-ES" dirty="0"/>
           </a:p>
         </p:txBody>
       </p:sp>
@@ -7156,16 +7202,15 @@
           <a:lstStyle/>
           <a:p>
             <a:r>
-              <a:rPr lang="es-ES" dirty="0" smtClean="0"/>
+              <a:rPr lang="es-ES" dirty="0"/>
               <a:t>Empleados</a:t>
             </a:r>
           </a:p>
           <a:p>
             <a:r>
-              <a:rPr lang="es-ES" dirty="0" smtClean="0"/>
+              <a:rPr lang="es-ES" dirty="0"/>
               <a:t>Empresas</a:t>
             </a:r>
-            <a:endParaRPr lang="es-ES" dirty="0"/>
           </a:p>
         </p:txBody>
       </p:sp>
@@ -7220,10 +7265,9 @@
           <a:lstStyle/>
           <a:p>
             <a:r>
-              <a:rPr lang="es-ES" dirty="0" smtClean="0"/>
+              <a:rPr lang="es-ES" dirty="0"/>
               <a:t>El Logo</a:t>
             </a:r>
-            <a:endParaRPr lang="es-ES" dirty="0"/>
           </a:p>
         </p:txBody>
       </p:sp>
@@ -7248,10 +7292,9 @@
           <a:lstStyle/>
           <a:p>
             <a:r>
-              <a:rPr lang="es-ES" dirty="0" smtClean="0"/>
+              <a:rPr lang="es-ES" dirty="0"/>
               <a:t>El logo está todavía en desarrollo</a:t>
             </a:r>
-            <a:endParaRPr lang="es-ES" dirty="0"/>
           </a:p>
         </p:txBody>
       </p:sp>
@@ -7295,13 +7338,6 @@
   <p:clrMapOvr>
     <a:masterClrMapping/>
   </p:clrMapOvr>
-  <p:timing>
-    <p:tnLst>
-      <p:par>
-        <p:cTn id="1" dur="indefinite" restart="never" nodeType="tmRoot"/>
-      </p:par>
-    </p:tnLst>
-  </p:timing>
 </p:sld>
 </file>
 
@@ -7338,10 +7374,9 @@
           <a:lstStyle/>
           <a:p>
             <a:r>
-              <a:rPr lang="es-ES" dirty="0" smtClean="0"/>
+              <a:rPr lang="es-ES" dirty="0"/>
               <a:t>Nombre de la aplicación </a:t>
             </a:r>
-            <a:endParaRPr lang="es-ES" dirty="0"/>
           </a:p>
         </p:txBody>
       </p:sp>
@@ -7366,10 +7401,9 @@
           <a:lstStyle/>
           <a:p>
             <a:r>
-              <a:rPr lang="es-ES" dirty="0" smtClean="0"/>
+              <a:rPr lang="es-ES" dirty="0"/>
               <a:t>El nombre se debe a cómo utilizamos la navegación entre pestañas para desempeñar las diferentes funcionalidades que tiene nuestra aplicación.</a:t>
             </a:r>
-            <a:endParaRPr lang="es-ES" dirty="0"/>
           </a:p>
         </p:txBody>
       </p:sp>
@@ -7407,13 +7441,6 @@
   <p:clrMapOvr>
     <a:masterClrMapping/>
   </p:clrMapOvr>
-  <p:timing>
-    <p:tnLst>
-      <p:par>
-        <p:cTn id="1" dur="indefinite" restart="never" nodeType="tmRoot"/>
-      </p:par>
-    </p:tnLst>
-  </p:timing>
 </p:sld>
 </file>
 
@@ -7450,10 +7477,9 @@
           <a:lstStyle/>
           <a:p>
             <a:r>
-              <a:rPr lang="es-ES" dirty="0" smtClean="0"/>
+              <a:rPr lang="es-ES" dirty="0"/>
               <a:t>Vista principal</a:t>
             </a:r>
-            <a:endParaRPr lang="es-ES" dirty="0"/>
           </a:p>
         </p:txBody>
       </p:sp>
@@ -7553,10 +7579,9 @@
           <a:lstStyle/>
           <a:p>
             <a:r>
-              <a:rPr lang="es-ES" dirty="0" smtClean="0"/>
+              <a:rPr lang="es-ES" dirty="0"/>
               <a:t>Diferentes funcionalidades</a:t>
             </a:r>
-            <a:endParaRPr lang="es-ES" dirty="0"/>
           </a:p>
         </p:txBody>
       </p:sp>
@@ -7654,10 +7679,9 @@
           <a:lstStyle/>
           <a:p>
             <a:r>
-              <a:rPr lang="es-ES" dirty="0" smtClean="0"/>
+              <a:rPr lang="es-ES" dirty="0"/>
               <a:t>Diferentes funcionalidades</a:t>
             </a:r>
-            <a:endParaRPr lang="es-ES" dirty="0"/>
           </a:p>
         </p:txBody>
       </p:sp>

--- a/doc/worktab.pptx
+++ b/doc/worktab.pptx
@@ -5933,7 +5933,11 @@
           <a:p>
             <a:r>
               <a:rPr lang="es-ES" sz="3200" dirty="0"/>
-              <a:t>Aplicación de gestión, comunicación y motivación empresarial</a:t>
+              <a:t>Aplicación de gestión, comunicación y motivación </a:t>
+            </a:r>
+            <a:r>
+              <a:rPr lang="es-ES" sz="3200" u="sng" dirty="0"/>
+              <a:t>empresarial</a:t>
             </a:r>
           </a:p>
         </p:txBody>
@@ -6108,6 +6112,15 @@
 <file path=ppt/slides/slide11.xml><?xml version="1.0" encoding="utf-8"?>
 <p:sld xmlns:a="http://schemas.openxmlformats.org/drawingml/2006/main" xmlns:r="http://schemas.openxmlformats.org/officeDocument/2006/relationships" xmlns:p="http://schemas.openxmlformats.org/presentationml/2006/main">
   <p:cSld>
+    <p:bg>
+      <p:bgPr>
+        <a:blipFill>
+          <a:blip r:embed="rId2"/>
+          <a:stretch/>
+        </a:blipFill>
+        <a:effectLst/>
+      </p:bgPr>
+    </p:bg>
     <p:spTree>
       <p:nvGrpSpPr>
         <p:cNvPr id="1" name=""/>
@@ -6122,6 +6135,280 @@
           <a:chExt cx="0" cy="0"/>
         </a:xfrm>
       </p:grpSpPr>
+      <p:sp useBgFill="1">
+        <p:nvSpPr>
+          <p:cNvPr id="71" name="Rectangle 70">
+            <a:extLst>
+              <a:ext uri="{FF2B5EF4-FFF2-40B4-BE49-F238E27FC236}">
+                <a16:creationId xmlns:a16="http://schemas.microsoft.com/office/drawing/2014/main" id="{7E61F402-3445-458A-9A2B-D28FD288390C}"/>
+              </a:ext>
+              <a:ext uri="{C183D7F6-B498-43B3-948B-1728B52AA6E4}">
+                <adec:decorative xmlns:adec="http://schemas.microsoft.com/office/drawing/2017/decorative" val="1"/>
+              </a:ext>
+            </a:extLst>
+          </p:cNvPr>
+          <p:cNvSpPr>
+            <a:spLocks noGrp="1" noRot="1" noChangeAspect="1" noMove="1" noResize="1" noEditPoints="1" noAdjustHandles="1" noChangeArrowheads="1" noChangeShapeType="1" noTextEdit="1"/>
+          </p:cNvSpPr>
+          <p:nvPr>
+            <p:extLst>
+              <p:ext uri="{386F3935-93C4-4BCD-93E2-E3B085C9AB24}">
+                <p16:designElem xmlns:p16="http://schemas.microsoft.com/office/powerpoint/2015/main" val="1"/>
+              </p:ext>
+            </p:extLst>
+          </p:nvPr>
+        </p:nvSpPr>
+        <p:spPr>
+          <a:xfrm>
+            <a:off x="0" y="0"/>
+            <a:ext cx="12188952" cy="6858000"/>
+          </a:xfrm>
+          <a:prstGeom prst="rect">
+            <a:avLst/>
+          </a:prstGeom>
+          <a:ln>
+            <a:noFill/>
+          </a:ln>
+        </p:spPr>
+        <p:style>
+          <a:lnRef idx="2">
+            <a:schemeClr val="accent1">
+              <a:shade val="50000"/>
+            </a:schemeClr>
+          </a:lnRef>
+          <a:fillRef idx="1">
+            <a:schemeClr val="accent1"/>
+          </a:fillRef>
+          <a:effectRef idx="0">
+            <a:schemeClr val="accent1"/>
+          </a:effectRef>
+          <a:fontRef idx="minor">
+            <a:schemeClr val="lt1"/>
+          </a:fontRef>
+        </p:style>
+        <p:txBody>
+          <a:bodyPr rtlCol="0" anchor="ctr"/>
+          <a:lstStyle/>
+          <a:p>
+            <a:pPr algn="ctr"/>
+            <a:endParaRPr lang="en-US"/>
+          </a:p>
+        </p:txBody>
+      </p:sp>
+      <p:grpSp>
+        <p:nvGrpSpPr>
+          <p:cNvPr id="73" name="Group 72">
+            <a:extLst>
+              <a:ext uri="{FF2B5EF4-FFF2-40B4-BE49-F238E27FC236}">
+                <a16:creationId xmlns:a16="http://schemas.microsoft.com/office/drawing/2014/main" id="{A673C096-95AE-4644-B76C-1DF1B667DC44}"/>
+              </a:ext>
+              <a:ext uri="{C183D7F6-B498-43B3-948B-1728B52AA6E4}">
+                <adec:decorative xmlns:adec="http://schemas.microsoft.com/office/drawing/2017/decorative" val="1"/>
+              </a:ext>
+            </a:extLst>
+          </p:cNvPr>
+          <p:cNvGrpSpPr>
+            <a:grpSpLocks noGrp="1" noUngrp="1" noRot="1" noChangeAspect="1" noMove="1" noResize="1"/>
+          </p:cNvGrpSpPr>
+          <p:nvPr>
+            <p:extLst>
+              <p:ext uri="{386F3935-93C4-4BCD-93E2-E3B085C9AB24}">
+                <p16:designElem xmlns:p16="http://schemas.microsoft.com/office/powerpoint/2015/main" val="1"/>
+              </p:ext>
+            </p:extLst>
+          </p:nvPr>
+        </p:nvGrpSpPr>
+        <p:grpSpPr>
+          <a:xfrm>
+            <a:off x="-15736" y="0"/>
+            <a:ext cx="12229962" cy="6856214"/>
+            <a:chOff x="-15736" y="0"/>
+            <a:chExt cx="12229962" cy="6856214"/>
+          </a:xfrm>
+        </p:grpSpPr>
+        <p:pic>
+          <p:nvPicPr>
+            <p:cNvPr id="74" name="Picture 73">
+              <a:extLst>
+                <a:ext uri="{FF2B5EF4-FFF2-40B4-BE49-F238E27FC236}">
+                  <a16:creationId xmlns:a16="http://schemas.microsoft.com/office/drawing/2014/main" id="{77A91835-418B-4867-87D7-1376A57F3F75}"/>
+                </a:ext>
+                <a:ext uri="{C183D7F6-B498-43B3-948B-1728B52AA6E4}">
+                  <adec:decorative xmlns:adec="http://schemas.microsoft.com/office/drawing/2017/decorative" val="1"/>
+                </a:ext>
+              </a:extLst>
+            </p:cNvPr>
+            <p:cNvPicPr>
+              <a:picLocks noChangeAspect="1"/>
+            </p:cNvPicPr>
+            <p:nvPr>
+              <p:extLst>
+                <p:ext uri="{386F3935-93C4-4BCD-93E2-E3B085C9AB24}">
+                  <p16:designElem xmlns:p16="http://schemas.microsoft.com/office/powerpoint/2015/main" val="1"/>
+                </p:ext>
+              </p:extLst>
+            </p:nvPr>
+          </p:nvPicPr>
+          <p:blipFill>
+            <a:blip r:embed="rId3">
+              <a:extLst>
+                <a:ext uri="{28A0092B-C50C-407E-A947-70E740481C1C}">
+                  <a14:useLocalDpi xmlns:a14="http://schemas.microsoft.com/office/drawing/2010/main" val="0"/>
+                </a:ext>
+              </a:extLst>
+            </a:blip>
+            <a:stretch>
+              <a:fillRect/>
+            </a:stretch>
+          </p:blipFill>
+          <p:spPr>
+            <a:xfrm>
+              <a:off x="0" y="0"/>
+              <a:ext cx="12188825" cy="6856214"/>
+            </a:xfrm>
+            <a:prstGeom prst="rect">
+              <a:avLst/>
+            </a:prstGeom>
+          </p:spPr>
+        </p:pic>
+        <p:sp>
+          <p:nvSpPr>
+            <p:cNvPr id="75" name="Rectangle 74">
+              <a:extLst>
+                <a:ext uri="{FF2B5EF4-FFF2-40B4-BE49-F238E27FC236}">
+                  <a16:creationId xmlns:a16="http://schemas.microsoft.com/office/drawing/2014/main" id="{65B511A1-E0EC-49FE-8068-9DA29CD00E96}"/>
+                </a:ext>
+                <a:ext uri="{C183D7F6-B498-43B3-948B-1728B52AA6E4}">
+                  <adec:decorative xmlns:adec="http://schemas.microsoft.com/office/drawing/2017/decorative" val="1"/>
+                </a:ext>
+              </a:extLst>
+            </p:cNvPr>
+            <p:cNvSpPr/>
+            <p:nvPr>
+              <p:extLst>
+                <p:ext uri="{386F3935-93C4-4BCD-93E2-E3B085C9AB24}">
+                  <p16:designElem xmlns:p16="http://schemas.microsoft.com/office/powerpoint/2015/main" val="1"/>
+                </p:ext>
+              </p:extLst>
+            </p:nvPr>
+          </p:nvSpPr>
+          <p:spPr>
+            <a:xfrm>
+              <a:off x="608012" y="609600"/>
+              <a:ext cx="10972800" cy="5638800"/>
+            </a:xfrm>
+            <a:prstGeom prst="rect">
+              <a:avLst/>
+            </a:prstGeom>
+            <a:noFill/>
+            <a:ln w="15875" cap="flat">
+              <a:miter lim="800000"/>
+            </a:ln>
+          </p:spPr>
+          <p:style>
+            <a:lnRef idx="1">
+              <a:schemeClr val="accent1"/>
+            </a:lnRef>
+            <a:fillRef idx="3">
+              <a:schemeClr val="accent1"/>
+            </a:fillRef>
+            <a:effectRef idx="2">
+              <a:schemeClr val="accent1"/>
+            </a:effectRef>
+            <a:fontRef idx="minor">
+              <a:schemeClr val="lt1"/>
+            </a:fontRef>
+          </p:style>
+        </p:sp>
+        <p:pic>
+          <p:nvPicPr>
+            <p:cNvPr id="76" name="Picture 75">
+              <a:extLst>
+                <a:ext uri="{FF2B5EF4-FFF2-40B4-BE49-F238E27FC236}">
+                  <a16:creationId xmlns:a16="http://schemas.microsoft.com/office/drawing/2014/main" id="{4A61BC5F-ADA4-4DBA-9C6B-E17E0B82EC54}"/>
+                </a:ext>
+                <a:ext uri="{C183D7F6-B498-43B3-948B-1728B52AA6E4}">
+                  <adec:decorative xmlns:adec="http://schemas.microsoft.com/office/drawing/2017/decorative" val="1"/>
+                </a:ext>
+              </a:extLst>
+            </p:cNvPr>
+            <p:cNvPicPr>
+              <a:picLocks noChangeAspect="1"/>
+            </p:cNvPicPr>
+            <p:nvPr>
+              <p:extLst>
+                <p:ext uri="{386F3935-93C4-4BCD-93E2-E3B085C9AB24}">
+                  <p16:designElem xmlns:p16="http://schemas.microsoft.com/office/powerpoint/2015/main" val="1"/>
+                </p:ext>
+              </p:extLst>
+            </p:nvPr>
+          </p:nvPicPr>
+          <p:blipFill rotWithShape="1">
+            <a:blip r:embed="rId4">
+              <a:extLst>
+                <a:ext uri="{28A0092B-C50C-407E-A947-70E740481C1C}">
+                  <a14:useLocalDpi xmlns:a14="http://schemas.microsoft.com/office/drawing/2010/main" val="0"/>
+                </a:ext>
+              </a:extLst>
+            </a:blip>
+            <a:srcRect/>
+            <a:stretch/>
+          </p:blipFill>
+          <p:spPr>
+            <a:xfrm>
+              <a:off x="-15736" y="3153832"/>
+              <a:ext cx="777240" cy="606425"/>
+            </a:xfrm>
+            <a:prstGeom prst="rect">
+              <a:avLst/>
+            </a:prstGeom>
+          </p:spPr>
+        </p:pic>
+        <p:pic>
+          <p:nvPicPr>
+            <p:cNvPr id="77" name="Picture 76">
+              <a:extLst>
+                <a:ext uri="{FF2B5EF4-FFF2-40B4-BE49-F238E27FC236}">
+                  <a16:creationId xmlns:a16="http://schemas.microsoft.com/office/drawing/2014/main" id="{1CE6F7D2-ACED-47D2-BEFD-FB26F75374A1}"/>
+                </a:ext>
+                <a:ext uri="{C183D7F6-B498-43B3-948B-1728B52AA6E4}">
+                  <adec:decorative xmlns:adec="http://schemas.microsoft.com/office/drawing/2017/decorative" val="1"/>
+                </a:ext>
+              </a:extLst>
+            </p:cNvPr>
+            <p:cNvPicPr>
+              <a:picLocks noChangeAspect="1"/>
+            </p:cNvPicPr>
+            <p:nvPr>
+              <p:extLst>
+                <p:ext uri="{386F3935-93C4-4BCD-93E2-E3B085C9AB24}">
+                  <p16:designElem xmlns:p16="http://schemas.microsoft.com/office/powerpoint/2015/main" val="1"/>
+                </p:ext>
+              </p:extLst>
+            </p:nvPr>
+          </p:nvPicPr>
+          <p:blipFill rotWithShape="1">
+            <a:blip r:embed="rId4">
+              <a:extLst>
+                <a:ext uri="{28A0092B-C50C-407E-A947-70E740481C1C}">
+                  <a14:useLocalDpi xmlns:a14="http://schemas.microsoft.com/office/drawing/2010/main" val="0"/>
+                </a:ext>
+              </a:extLst>
+            </a:blip>
+            <a:srcRect/>
+            <a:stretch/>
+          </p:blipFill>
+          <p:spPr>
+            <a:xfrm>
+              <a:off x="11436986" y="3153832"/>
+              <a:ext cx="777240" cy="606425"/>
+            </a:xfrm>
+            <a:prstGeom prst="rect">
+              <a:avLst/>
+            </a:prstGeom>
+          </p:spPr>
+        </p:pic>
+      </p:grpSp>
       <p:sp>
         <p:nvSpPr>
           <p:cNvPr id="2" name="Título 1"/>
@@ -6132,18 +6419,76 @@
             <p:ph type="title"/>
           </p:nvPr>
         </p:nvSpPr>
-        <p:spPr/>
-        <p:txBody>
-          <a:bodyPr/>
+        <p:spPr>
+          <a:xfrm>
+            <a:off x="1295402" y="982132"/>
+            <a:ext cx="3660056" cy="1325373"/>
+          </a:xfrm>
+        </p:spPr>
+        <p:txBody>
+          <a:bodyPr anchor="b">
+            <a:normAutofit/>
+          </a:bodyPr>
           <a:lstStyle/>
           <a:p>
             <a:r>
-              <a:rPr lang="es-ES" dirty="0"/>
+              <a:rPr lang="es-ES" sz="2800" dirty="0">
+                <a:solidFill>
+                  <a:srgbClr val="262626"/>
+                </a:solidFill>
+              </a:rPr>
               <a:t>Ventajas</a:t>
             </a:r>
           </a:p>
         </p:txBody>
       </p:sp>
+      <p:cxnSp>
+        <p:nvCxnSpPr>
+          <p:cNvPr id="79" name="Straight Connector 78">
+            <a:extLst>
+              <a:ext uri="{FF2B5EF4-FFF2-40B4-BE49-F238E27FC236}">
+                <a16:creationId xmlns:a16="http://schemas.microsoft.com/office/drawing/2014/main" id="{2BE880E9-2B86-4CDB-B5B7-308745CDD19D}"/>
+              </a:ext>
+              <a:ext uri="{C183D7F6-B498-43B3-948B-1728B52AA6E4}">
+                <adec:decorative xmlns:adec="http://schemas.microsoft.com/office/drawing/2017/decorative" val="1"/>
+              </a:ext>
+            </a:extLst>
+          </p:cNvPr>
+          <p:cNvCxnSpPr>
+            <a:cxnSpLocks noGrp="1" noRot="1" noChangeAspect="1" noMove="1" noResize="1" noEditPoints="1" noAdjustHandles="1" noChangeArrowheads="1" noChangeShapeType="1"/>
+          </p:cNvCxnSpPr>
+          <p:nvPr>
+            <p:extLst>
+              <p:ext uri="{386F3935-93C4-4BCD-93E2-E3B085C9AB24}">
+                <p16:designElem xmlns:p16="http://schemas.microsoft.com/office/powerpoint/2015/main" val="1"/>
+              </p:ext>
+            </p:extLst>
+          </p:nvPr>
+        </p:nvCxnSpPr>
+        <p:spPr>
+          <a:xfrm>
+            <a:off x="1295401" y="2400639"/>
+            <a:ext cx="3660057" cy="0"/>
+          </a:xfrm>
+          <a:prstGeom prst="line">
+            <a:avLst/>
+          </a:prstGeom>
+        </p:spPr>
+        <p:style>
+          <a:lnRef idx="2">
+            <a:schemeClr val="accent1"/>
+          </a:lnRef>
+          <a:fillRef idx="0">
+            <a:schemeClr val="accent1"/>
+          </a:fillRef>
+          <a:effectRef idx="1">
+            <a:schemeClr val="accent1"/>
+          </a:effectRef>
+          <a:fontRef idx="minor">
+            <a:schemeClr val="tx1"/>
+          </a:fontRef>
+        </p:style>
+      </p:cxnSp>
       <p:sp>
         <p:nvSpPr>
           <p:cNvPr id="3" name="Marcador de contenido 2"/>
@@ -6154,57 +6499,154 @@
             <p:ph idx="1"/>
           </p:nvPr>
         </p:nvSpPr>
-        <p:spPr/>
-        <p:txBody>
-          <a:bodyPr/>
+        <p:spPr>
+          <a:xfrm>
+            <a:off x="1295401" y="2493774"/>
+            <a:ext cx="3660057" cy="3382094"/>
+          </a:xfrm>
+        </p:spPr>
+        <p:txBody>
+          <a:bodyPr>
+            <a:normAutofit/>
+          </a:bodyPr>
           <a:lstStyle/>
           <a:p>
             <a:r>
-              <a:rPr lang="es-ES" dirty="0"/>
+              <a:rPr lang="es-ES" sz="1600" dirty="0">
+                <a:solidFill>
+                  <a:srgbClr val="262626"/>
+                </a:solidFill>
+              </a:rPr>
               <a:t>Tienda de puntos</a:t>
             </a:r>
           </a:p>
           <a:p>
             <a:r>
-              <a:rPr lang="es-ES" dirty="0" err="1"/>
+              <a:rPr lang="es-ES" sz="1600" dirty="0" err="1">
+                <a:solidFill>
+                  <a:srgbClr val="262626"/>
+                </a:solidFill>
+              </a:rPr>
               <a:t>User-friendly</a:t>
             </a:r>
-            <a:endParaRPr lang="es-ES" dirty="0"/>
-          </a:p>
-          <a:p>
-            <a:r>
-              <a:rPr lang="es-ES" dirty="0"/>
+            <a:endParaRPr lang="es-ES" sz="1600" dirty="0">
+              <a:solidFill>
+                <a:srgbClr val="262626"/>
+              </a:solidFill>
+            </a:endParaRPr>
+          </a:p>
+          <a:p>
+            <a:r>
+              <a:rPr lang="es-ES" sz="1600" dirty="0">
+                <a:solidFill>
+                  <a:srgbClr val="262626"/>
+                </a:solidFill>
+              </a:rPr>
               <a:t>Intuitiva</a:t>
             </a:r>
           </a:p>
           <a:p>
             <a:r>
-              <a:rPr lang="es-ES" dirty="0" err="1"/>
+              <a:rPr lang="es-ES" sz="1600" dirty="0" err="1">
+                <a:solidFill>
+                  <a:srgbClr val="262626"/>
+                </a:solidFill>
+              </a:rPr>
               <a:t>It</a:t>
             </a:r>
             <a:r>
-              <a:rPr lang="es-ES" dirty="0"/>
+              <a:rPr lang="es-ES" sz="1600" dirty="0">
+                <a:solidFill>
+                  <a:srgbClr val="262626"/>
+                </a:solidFill>
+              </a:rPr>
               <a:t> </a:t>
             </a:r>
             <a:r>
-              <a:rPr lang="es-ES" dirty="0" err="1"/>
+              <a:rPr lang="es-ES" sz="1600" dirty="0" err="1">
+                <a:solidFill>
+                  <a:srgbClr val="262626"/>
+                </a:solidFill>
+              </a:rPr>
               <a:t>just</a:t>
             </a:r>
             <a:r>
-              <a:rPr lang="es-ES" dirty="0"/>
-              <a:t> </a:t>
-            </a:r>
-            <a:r>
-              <a:rPr lang="es-ES" dirty="0" err="1"/>
-              <a:t>works</a:t>
-            </a:r>
-            <a:endParaRPr lang="es-ES" dirty="0"/>
-          </a:p>
-          <a:p>
-            <a:endParaRPr lang="es-ES" dirty="0"/>
-          </a:p>
-        </p:txBody>
-      </p:sp>
+              <a:rPr lang="es-ES" sz="1600" dirty="0">
+                <a:solidFill>
+                  <a:srgbClr val="262626"/>
+                </a:solidFill>
+              </a:rPr>
+              <a:t> Works</a:t>
+            </a:r>
+          </a:p>
+          <a:p>
+            <a:endParaRPr lang="es-ES" sz="1600" dirty="0">
+              <a:solidFill>
+                <a:srgbClr val="262626"/>
+              </a:solidFill>
+            </a:endParaRPr>
+          </a:p>
+          <a:p>
+            <a:endParaRPr lang="es-ES" sz="1600" dirty="0">
+              <a:solidFill>
+                <a:srgbClr val="262626"/>
+              </a:solidFill>
+            </a:endParaRPr>
+          </a:p>
+        </p:txBody>
+      </p:sp>
+      <p:pic>
+        <p:nvPicPr>
+          <p:cNvPr id="1026" name="Picture 2" descr="Interfaz de usuario gráfica&#10;&#10;Descripción generada automáticamente">
+            <a:extLst>
+              <a:ext uri="{FF2B5EF4-FFF2-40B4-BE49-F238E27FC236}">
+                <a16:creationId xmlns:a16="http://schemas.microsoft.com/office/drawing/2014/main" id="{FCC4F2CC-4EA0-22C0-6CCA-4A4240831A64}"/>
+              </a:ext>
+            </a:extLst>
+          </p:cNvPr>
+          <p:cNvPicPr>
+            <a:picLocks noChangeAspect="1" noChangeArrowheads="1"/>
+          </p:cNvPicPr>
+          <p:nvPr/>
+        </p:nvPicPr>
+        <p:blipFill>
+          <a:blip r:embed="rId5" cstate="print">
+            <a:extLst>
+              <a:ext uri="{28A0092B-C50C-407E-A947-70E740481C1C}">
+                <a14:useLocalDpi xmlns:a14="http://schemas.microsoft.com/office/drawing/2010/main" val="0"/>
+              </a:ext>
+            </a:extLst>
+          </a:blip>
+          <a:stretch>
+            <a:fillRect/>
+          </a:stretch>
+        </p:blipFill>
+        <p:spPr bwMode="auto">
+          <a:xfrm>
+            <a:off x="5418668" y="1347563"/>
+            <a:ext cx="5469466" cy="4162871"/>
+          </a:xfrm>
+          <a:prstGeom prst="rect">
+            <a:avLst/>
+          </a:prstGeom>
+          <a:noFill/>
+          <a:ln w="57150" cmpd="thickThin">
+            <a:solidFill>
+              <a:srgbClr val="7F7F7F"/>
+            </a:solidFill>
+            <a:miter lim="800000"/>
+          </a:ln>
+          <a:extLst>
+            <a:ext uri="{909E8E84-426E-40DD-AFC4-6F175D3DCCD1}">
+              <a14:hiddenFill xmlns:a14="http://schemas.microsoft.com/office/drawing/2010/main">
+                <a:solidFill>
+                  <a:srgbClr val="FFFFFF"/>
+                </a:solidFill>
+              </a14:hiddenFill>
+            </a:ext>
+          </a:extLst>
+        </p:spPr>
+      </p:pic>
     </p:spTree>
     <p:extLst>
       <p:ext uri="{BB962C8B-B14F-4D97-AF65-F5344CB8AC3E}">
@@ -6755,6 +7197,15 @@
 <file path=ppt/slides/slide15.xml><?xml version="1.0" encoding="utf-8"?>
 <p:sld xmlns:a="http://schemas.openxmlformats.org/drawingml/2006/main" xmlns:r="http://schemas.openxmlformats.org/officeDocument/2006/relationships" xmlns:p="http://schemas.openxmlformats.org/presentationml/2006/main">
   <p:cSld>
+    <p:bg>
+      <p:bgPr>
+        <a:blipFill>
+          <a:blip r:embed="rId2"/>
+          <a:stretch/>
+        </a:blipFill>
+        <a:effectLst/>
+      </p:bgPr>
+    </p:bg>
     <p:spTree>
       <p:nvGrpSpPr>
         <p:cNvPr id="1" name=""/>
@@ -6769,6 +7220,890 @@
           <a:chExt cx="0" cy="0"/>
         </a:xfrm>
       </p:grpSpPr>
+      <p:grpSp>
+        <p:nvGrpSpPr>
+          <p:cNvPr id="71" name="Group 70">
+            <a:extLst>
+              <a:ext uri="{FF2B5EF4-FFF2-40B4-BE49-F238E27FC236}">
+                <a16:creationId xmlns:a16="http://schemas.microsoft.com/office/drawing/2014/main" id="{03E8C8A2-D2DA-42F8-84AA-AC5AB4251D29}"/>
+              </a:ext>
+              <a:ext uri="{C183D7F6-B498-43B3-948B-1728B52AA6E4}">
+                <adec:decorative xmlns:adec="http://schemas.microsoft.com/office/drawing/2017/decorative" val="1"/>
+              </a:ext>
+            </a:extLst>
+          </p:cNvPr>
+          <p:cNvGrpSpPr>
+            <a:grpSpLocks noGrp="1" noUngrp="1" noRot="1" noChangeAspect="1" noMove="1" noResize="1"/>
+          </p:cNvGrpSpPr>
+          <p:nvPr>
+            <p:extLst>
+              <p:ext uri="{386F3935-93C4-4BCD-93E2-E3B085C9AB24}">
+                <p16:designElem xmlns:p16="http://schemas.microsoft.com/office/powerpoint/2015/main" val="1"/>
+              </p:ext>
+            </p:extLst>
+          </p:nvPr>
+        </p:nvGrpSpPr>
+        <p:grpSpPr>
+          <a:xfrm>
+            <a:off x="-16934" y="0"/>
+            <a:ext cx="12231160" cy="6856214"/>
+            <a:chOff x="-16934" y="0"/>
+            <a:chExt cx="12231160" cy="6856214"/>
+          </a:xfrm>
+        </p:grpSpPr>
+        <p:pic>
+          <p:nvPicPr>
+            <p:cNvPr id="72" name="Picture 71">
+              <a:extLst>
+                <a:ext uri="{FF2B5EF4-FFF2-40B4-BE49-F238E27FC236}">
+                  <a16:creationId xmlns:a16="http://schemas.microsoft.com/office/drawing/2014/main" id="{9A5D1FE1-4883-49B4-AD3E-D0A3F8DCE12C}"/>
+                </a:ext>
+                <a:ext uri="{C183D7F6-B498-43B3-948B-1728B52AA6E4}">
+                  <adec:decorative xmlns:adec="http://schemas.microsoft.com/office/drawing/2017/decorative" val="1"/>
+                </a:ext>
+              </a:extLst>
+            </p:cNvPr>
+            <p:cNvPicPr>
+              <a:picLocks noChangeAspect="1"/>
+            </p:cNvPicPr>
+            <p:nvPr>
+              <p:extLst>
+                <p:ext uri="{386F3935-93C4-4BCD-93E2-E3B085C9AB24}">
+                  <p16:designElem xmlns:p16="http://schemas.microsoft.com/office/powerpoint/2015/main" val="1"/>
+                </p:ext>
+              </p:extLst>
+            </p:nvPr>
+          </p:nvPicPr>
+          <p:blipFill>
+            <a:blip r:embed="rId3">
+              <a:extLst>
+                <a:ext uri="{28A0092B-C50C-407E-A947-70E740481C1C}">
+                  <a14:useLocalDpi xmlns:a14="http://schemas.microsoft.com/office/drawing/2010/main" val="0"/>
+                </a:ext>
+              </a:extLst>
+            </a:blip>
+            <a:stretch>
+              <a:fillRect/>
+            </a:stretch>
+          </p:blipFill>
+          <p:spPr>
+            <a:xfrm>
+              <a:off x="0" y="0"/>
+              <a:ext cx="12188825" cy="6856214"/>
+            </a:xfrm>
+            <a:prstGeom prst="rect">
+              <a:avLst/>
+            </a:prstGeom>
+          </p:spPr>
+        </p:pic>
+        <p:sp>
+          <p:nvSpPr>
+            <p:cNvPr id="73" name="Rectangle 72">
+              <a:extLst>
+                <a:ext uri="{FF2B5EF4-FFF2-40B4-BE49-F238E27FC236}">
+                  <a16:creationId xmlns:a16="http://schemas.microsoft.com/office/drawing/2014/main" id="{7F829EAE-7CB1-410F-BAF1-55BD6DC2497F}"/>
+                </a:ext>
+                <a:ext uri="{C183D7F6-B498-43B3-948B-1728B52AA6E4}">
+                  <adec:decorative xmlns:adec="http://schemas.microsoft.com/office/drawing/2017/decorative" val="1"/>
+                </a:ext>
+              </a:extLst>
+            </p:cNvPr>
+            <p:cNvSpPr/>
+            <p:nvPr>
+              <p:extLst>
+                <p:ext uri="{386F3935-93C4-4BCD-93E2-E3B085C9AB24}">
+                  <p16:designElem xmlns:p16="http://schemas.microsoft.com/office/powerpoint/2015/main" val="1"/>
+                </p:ext>
+              </p:extLst>
+            </p:nvPr>
+          </p:nvSpPr>
+          <p:spPr>
+            <a:xfrm>
+              <a:off x="2328332" y="1540931"/>
+              <a:ext cx="7543802" cy="3835401"/>
+            </a:xfrm>
+            <a:prstGeom prst="rect">
+              <a:avLst/>
+            </a:prstGeom>
+            <a:noFill/>
+            <a:ln w="15875">
+              <a:miter lim="800000"/>
+            </a:ln>
+          </p:spPr>
+          <p:style>
+            <a:lnRef idx="1">
+              <a:schemeClr val="accent1"/>
+            </a:lnRef>
+            <a:fillRef idx="3">
+              <a:schemeClr val="accent1"/>
+            </a:fillRef>
+            <a:effectRef idx="2">
+              <a:schemeClr val="accent1"/>
+            </a:effectRef>
+            <a:fontRef idx="minor">
+              <a:schemeClr val="lt1"/>
+            </a:fontRef>
+          </p:style>
+        </p:sp>
+        <p:pic>
+          <p:nvPicPr>
+            <p:cNvPr id="74" name="Picture 73">
+              <a:extLst>
+                <a:ext uri="{FF2B5EF4-FFF2-40B4-BE49-F238E27FC236}">
+                  <a16:creationId xmlns:a16="http://schemas.microsoft.com/office/drawing/2014/main" id="{4EA5F8CE-974F-4443-AB3C-4799C332304B}"/>
+                </a:ext>
+                <a:ext uri="{C183D7F6-B498-43B3-948B-1728B52AA6E4}">
+                  <adec:decorative xmlns:adec="http://schemas.microsoft.com/office/drawing/2017/decorative" val="1"/>
+                </a:ext>
+              </a:extLst>
+            </p:cNvPr>
+            <p:cNvPicPr>
+              <a:picLocks noChangeAspect="1"/>
+            </p:cNvPicPr>
+            <p:nvPr>
+              <p:extLst>
+                <p:ext uri="{386F3935-93C4-4BCD-93E2-E3B085C9AB24}">
+                  <p16:designElem xmlns:p16="http://schemas.microsoft.com/office/powerpoint/2015/main" val="1"/>
+                </p:ext>
+              </p:extLst>
+            </p:nvPr>
+          </p:nvPicPr>
+          <p:blipFill rotWithShape="1">
+            <a:blip r:embed="rId4">
+              <a:extLst>
+                <a:ext uri="{28A0092B-C50C-407E-A947-70E740481C1C}">
+                  <a14:useLocalDpi xmlns:a14="http://schemas.microsoft.com/office/drawing/2010/main" val="0"/>
+                </a:ext>
+              </a:extLst>
+            </a:blip>
+            <a:srcRect/>
+            <a:stretch/>
+          </p:blipFill>
+          <p:spPr>
+            <a:xfrm>
+              <a:off x="-16934" y="3147609"/>
+              <a:ext cx="2478024" cy="612648"/>
+            </a:xfrm>
+            <a:prstGeom prst="rect">
+              <a:avLst/>
+            </a:prstGeom>
+          </p:spPr>
+        </p:pic>
+        <p:pic>
+          <p:nvPicPr>
+            <p:cNvPr id="75" name="Picture 74">
+              <a:extLst>
+                <a:ext uri="{FF2B5EF4-FFF2-40B4-BE49-F238E27FC236}">
+                  <a16:creationId xmlns:a16="http://schemas.microsoft.com/office/drawing/2014/main" id="{94075D0C-1739-4729-A5C8-5C5707A942F5}"/>
+                </a:ext>
+                <a:ext uri="{C183D7F6-B498-43B3-948B-1728B52AA6E4}">
+                  <adec:decorative xmlns:adec="http://schemas.microsoft.com/office/drawing/2017/decorative" val="1"/>
+                </a:ext>
+              </a:extLst>
+            </p:cNvPr>
+            <p:cNvPicPr>
+              <a:picLocks noChangeAspect="1"/>
+            </p:cNvPicPr>
+            <p:nvPr>
+              <p:extLst>
+                <p:ext uri="{386F3935-93C4-4BCD-93E2-E3B085C9AB24}">
+                  <p16:designElem xmlns:p16="http://schemas.microsoft.com/office/powerpoint/2015/main" val="1"/>
+                </p:ext>
+              </p:extLst>
+            </p:nvPr>
+          </p:nvPicPr>
+          <p:blipFill rotWithShape="1">
+            <a:blip r:embed="rId4">
+              <a:extLst>
+                <a:ext uri="{28A0092B-C50C-407E-A947-70E740481C1C}">
+                  <a14:useLocalDpi xmlns:a14="http://schemas.microsoft.com/office/drawing/2010/main" val="0"/>
+                </a:ext>
+              </a:extLst>
+            </a:blip>
+            <a:srcRect/>
+            <a:stretch/>
+          </p:blipFill>
+          <p:spPr>
+            <a:xfrm>
+              <a:off x="9736202" y="3147609"/>
+              <a:ext cx="2478024" cy="612648"/>
+            </a:xfrm>
+            <a:prstGeom prst="rect">
+              <a:avLst/>
+            </a:prstGeom>
+          </p:spPr>
+        </p:pic>
+      </p:grpSp>
+      <p:cxnSp>
+        <p:nvCxnSpPr>
+          <p:cNvPr id="77" name="Straight Connector 76">
+            <a:extLst>
+              <a:ext uri="{FF2B5EF4-FFF2-40B4-BE49-F238E27FC236}">
+                <a16:creationId xmlns:a16="http://schemas.microsoft.com/office/drawing/2014/main" id="{0DFD28A6-39F3-425F-8050-E5BF1B4523B2}"/>
+              </a:ext>
+              <a:ext uri="{C183D7F6-B498-43B3-948B-1728B52AA6E4}">
+                <adec:decorative xmlns:adec="http://schemas.microsoft.com/office/drawing/2017/decorative" val="1"/>
+              </a:ext>
+            </a:extLst>
+          </p:cNvPr>
+          <p:cNvCxnSpPr>
+            <a:cxnSpLocks noGrp="1" noRot="1" noChangeAspect="1" noMove="1" noResize="1" noEditPoints="1" noAdjustHandles="1" noChangeArrowheads="1" noChangeShapeType="1"/>
+          </p:cNvCxnSpPr>
+          <p:nvPr>
+            <p:extLst>
+              <p:ext uri="{386F3935-93C4-4BCD-93E2-E3B085C9AB24}">
+                <p16:designElem xmlns:p16="http://schemas.microsoft.com/office/powerpoint/2015/main" val="1"/>
+              </p:ext>
+            </p:extLst>
+          </p:nvPr>
+        </p:nvCxnSpPr>
+        <p:spPr>
+          <a:xfrm>
+            <a:off x="2692399" y="3522131"/>
+            <a:ext cx="6815668" cy="0"/>
+          </a:xfrm>
+          <a:prstGeom prst="line">
+            <a:avLst/>
+          </a:prstGeom>
+        </p:spPr>
+        <p:style>
+          <a:lnRef idx="2">
+            <a:schemeClr val="accent1"/>
+          </a:lnRef>
+          <a:fillRef idx="0">
+            <a:schemeClr val="accent1"/>
+          </a:fillRef>
+          <a:effectRef idx="1">
+            <a:schemeClr val="accent1"/>
+          </a:effectRef>
+          <a:fontRef idx="minor">
+            <a:schemeClr val="tx1"/>
+          </a:fontRef>
+        </p:style>
+      </p:cxnSp>
+      <p:sp useBgFill="1">
+        <p:nvSpPr>
+          <p:cNvPr id="79" name="Rectangle 78">
+            <a:extLst>
+              <a:ext uri="{FF2B5EF4-FFF2-40B4-BE49-F238E27FC236}">
+                <a16:creationId xmlns:a16="http://schemas.microsoft.com/office/drawing/2014/main" id="{9B347087-DEE1-4F23-8486-A2690AA195E5}"/>
+              </a:ext>
+              <a:ext uri="{C183D7F6-B498-43B3-948B-1728B52AA6E4}">
+                <adec:decorative xmlns:adec="http://schemas.microsoft.com/office/drawing/2017/decorative" val="1"/>
+              </a:ext>
+            </a:extLst>
+          </p:cNvPr>
+          <p:cNvSpPr>
+            <a:spLocks noGrp="1" noRot="1" noChangeAspect="1" noMove="1" noResize="1" noEditPoints="1" noAdjustHandles="1" noChangeArrowheads="1" noChangeShapeType="1" noTextEdit="1"/>
+          </p:cNvSpPr>
+          <p:nvPr>
+            <p:extLst>
+              <p:ext uri="{386F3935-93C4-4BCD-93E2-E3B085C9AB24}">
+                <p16:designElem xmlns:p16="http://schemas.microsoft.com/office/powerpoint/2015/main" val="1"/>
+              </p:ext>
+            </p:extLst>
+          </p:nvPr>
+        </p:nvSpPr>
+        <p:spPr>
+          <a:xfrm>
+            <a:off x="0" y="0"/>
+            <a:ext cx="12192000" cy="6858000"/>
+          </a:xfrm>
+          <a:prstGeom prst="rect">
+            <a:avLst/>
+          </a:prstGeom>
+          <a:ln>
+            <a:noFill/>
+          </a:ln>
+        </p:spPr>
+        <p:style>
+          <a:lnRef idx="2">
+            <a:schemeClr val="accent1">
+              <a:shade val="50000"/>
+            </a:schemeClr>
+          </a:lnRef>
+          <a:fillRef idx="1">
+            <a:schemeClr val="accent1"/>
+          </a:fillRef>
+          <a:effectRef idx="0">
+            <a:schemeClr val="accent1"/>
+          </a:effectRef>
+          <a:fontRef idx="minor">
+            <a:schemeClr val="lt1"/>
+          </a:fontRef>
+        </p:style>
+        <p:txBody>
+          <a:bodyPr rtlCol="0" anchor="ctr"/>
+          <a:lstStyle/>
+          <a:p>
+            <a:pPr algn="ctr"/>
+            <a:endParaRPr lang="en-US"/>
+          </a:p>
+        </p:txBody>
+      </p:sp>
+      <p:sp>
+        <p:nvSpPr>
+          <p:cNvPr id="81" name="Rectangle 80">
+            <a:extLst>
+              <a:ext uri="{FF2B5EF4-FFF2-40B4-BE49-F238E27FC236}">
+                <a16:creationId xmlns:a16="http://schemas.microsoft.com/office/drawing/2014/main" id="{44BB81AE-EE4A-4AA4-8941-104B6C943598}"/>
+              </a:ext>
+              <a:ext uri="{C183D7F6-B498-43B3-948B-1728B52AA6E4}">
+                <adec:decorative xmlns:adec="http://schemas.microsoft.com/office/drawing/2017/decorative" val="1"/>
+              </a:ext>
+            </a:extLst>
+          </p:cNvPr>
+          <p:cNvSpPr>
+            <a:spLocks noGrp="1" noRot="1" noChangeAspect="1" noMove="1" noResize="1" noEditPoints="1" noAdjustHandles="1" noChangeArrowheads="1" noChangeShapeType="1" noTextEdit="1"/>
+          </p:cNvSpPr>
+          <p:nvPr>
+            <p:extLst>
+              <p:ext uri="{386F3935-93C4-4BCD-93E2-E3B085C9AB24}">
+                <p16:designElem xmlns:p16="http://schemas.microsoft.com/office/powerpoint/2015/main" val="1"/>
+              </p:ext>
+            </p:extLst>
+          </p:nvPr>
+        </p:nvSpPr>
+        <p:spPr>
+          <a:xfrm>
+            <a:off x="486138" y="488137"/>
+            <a:ext cx="11227442" cy="5883295"/>
+          </a:xfrm>
+          <a:prstGeom prst="rect">
+            <a:avLst/>
+          </a:prstGeom>
+          <a:solidFill>
+            <a:schemeClr val="tx2"/>
+          </a:solidFill>
+          <a:ln>
+            <a:noFill/>
+          </a:ln>
+          <a:effectLst>
+            <a:outerShdw blurRad="114300" dist="127000" dir="5400000" sx="99000" sy="99000" algn="t" rotWithShape="0">
+              <a:prstClr val="black">
+                <a:alpha val="40000"/>
+              </a:prstClr>
+            </a:outerShdw>
+          </a:effectLst>
+        </p:spPr>
+        <p:style>
+          <a:lnRef idx="2">
+            <a:schemeClr val="accent1">
+              <a:shade val="50000"/>
+            </a:schemeClr>
+          </a:lnRef>
+          <a:fillRef idx="1">
+            <a:schemeClr val="accent1"/>
+          </a:fillRef>
+          <a:effectRef idx="0">
+            <a:schemeClr val="accent1"/>
+          </a:effectRef>
+          <a:fontRef idx="minor">
+            <a:schemeClr val="lt1"/>
+          </a:fontRef>
+        </p:style>
+        <p:txBody>
+          <a:bodyPr rtlCol="0" anchor="ctr"/>
+          <a:lstStyle/>
+          <a:p>
+            <a:pPr marL="0" marR="0" lvl="0" indent="0" algn="ctr" defTabSz="914400" rtl="0" eaLnBrk="1" fontAlgn="auto" latinLnBrk="0" hangingPunct="1">
+              <a:lnSpc>
+                <a:spcPct val="100000"/>
+              </a:lnSpc>
+              <a:spcBef>
+                <a:spcPts val="0"/>
+              </a:spcBef>
+              <a:spcAft>
+                <a:spcPts val="0"/>
+              </a:spcAft>
+              <a:buClrTx/>
+              <a:buSzTx/>
+              <a:buFontTx/>
+              <a:buNone/>
+              <a:tabLst/>
+              <a:defRPr/>
+            </a:pPr>
+            <a:endParaRPr kumimoji="0" lang="en-US" sz="1800" b="0" i="0" u="none" strike="noStrike" kern="1200" cap="none" spc="0" normalizeH="0" baseline="0" noProof="0">
+              <a:ln>
+                <a:noFill/>
+              </a:ln>
+              <a:solidFill>
+                <a:prstClr val="white"/>
+              </a:solidFill>
+              <a:effectLst/>
+              <a:uLnTx/>
+              <a:uFillTx/>
+              <a:latin typeface="Garamond" panose="02020404030301010803"/>
+              <a:ea typeface="+mn-ea"/>
+              <a:cs typeface="+mn-cs"/>
+            </a:endParaRPr>
+          </a:p>
+        </p:txBody>
+      </p:sp>
+      <p:pic>
+        <p:nvPicPr>
+          <p:cNvPr id="1026" name="Picture 2" descr="Cómo Hacer Una Conclusión? Pasos A Seguir ▷➡️ UnComoHacer ▷➡️">
+            <a:extLst>
+              <a:ext uri="{FF2B5EF4-FFF2-40B4-BE49-F238E27FC236}">
+                <a16:creationId xmlns:a16="http://schemas.microsoft.com/office/drawing/2014/main" id="{1C54CBC0-2456-2868-39DC-852226F69869}"/>
+              </a:ext>
+            </a:extLst>
+          </p:cNvPr>
+          <p:cNvPicPr>
+            <a:picLocks noChangeAspect="1" noChangeArrowheads="1"/>
+          </p:cNvPicPr>
+          <p:nvPr/>
+        </p:nvPicPr>
+        <p:blipFill rotWithShape="1">
+          <a:blip r:embed="rId5">
+            <a:alphaModFix amt="50000"/>
+            <a:extLst>
+              <a:ext uri="{28A0092B-C50C-407E-A947-70E740481C1C}">
+                <a14:useLocalDpi xmlns:a14="http://schemas.microsoft.com/office/drawing/2010/main" val="0"/>
+              </a:ext>
+            </a:extLst>
+          </a:blip>
+          <a:srcRect l="3207" r="3284" b="1"/>
+          <a:stretch/>
+        </p:blipFill>
+        <p:spPr bwMode="auto">
+          <a:xfrm>
+            <a:off x="486138" y="488137"/>
+            <a:ext cx="11227442" cy="5883295"/>
+          </a:xfrm>
+          <a:prstGeom prst="rect">
+            <a:avLst/>
+          </a:prstGeom>
+          <a:noFill/>
+          <a:extLst>
+            <a:ext uri="{909E8E84-426E-40DD-AFC4-6F175D3DCCD1}">
+              <a14:hiddenFill xmlns:a14="http://schemas.microsoft.com/office/drawing/2010/main">
+                <a:solidFill>
+                  <a:srgbClr val="FFFFFF"/>
+                </a:solidFill>
+              </a14:hiddenFill>
+            </a:ext>
+          </a:extLst>
+        </p:spPr>
+      </p:pic>
+      <p:cxnSp>
+        <p:nvCxnSpPr>
+          <p:cNvPr id="83" name="Straight Connector 82">
+            <a:extLst>
+              <a:ext uri="{FF2B5EF4-FFF2-40B4-BE49-F238E27FC236}">
+                <a16:creationId xmlns:a16="http://schemas.microsoft.com/office/drawing/2014/main" id="{4AA791FC-1AEF-4561-93B5-6B9E981BBB74}"/>
+              </a:ext>
+              <a:ext uri="{C183D7F6-B498-43B3-948B-1728B52AA6E4}">
+                <adec:decorative xmlns:adec="http://schemas.microsoft.com/office/drawing/2017/decorative" val="1"/>
+              </a:ext>
+            </a:extLst>
+          </p:cNvPr>
+          <p:cNvCxnSpPr>
+            <a:cxnSpLocks noGrp="1" noRot="1" noChangeAspect="1" noMove="1" noResize="1" noEditPoints="1" noAdjustHandles="1" noChangeArrowheads="1" noChangeShapeType="1"/>
+          </p:cNvCxnSpPr>
+          <p:nvPr>
+            <p:extLst>
+              <p:ext uri="{386F3935-93C4-4BCD-93E2-E3B085C9AB24}">
+                <p16:designElem xmlns:p16="http://schemas.microsoft.com/office/powerpoint/2015/main" val="1"/>
+              </p:ext>
+            </p:extLst>
+          </p:nvPr>
+        </p:nvCxnSpPr>
+        <p:spPr>
+          <a:xfrm>
+            <a:off x="2621280" y="3594428"/>
+            <a:ext cx="6949440" cy="0"/>
+          </a:xfrm>
+          <a:prstGeom prst="line">
+            <a:avLst/>
+          </a:prstGeom>
+          <a:ln>
+            <a:solidFill>
+              <a:schemeClr val="bg1"/>
+            </a:solidFill>
+          </a:ln>
+        </p:spPr>
+        <p:style>
+          <a:lnRef idx="2">
+            <a:schemeClr val="accent1"/>
+          </a:lnRef>
+          <a:fillRef idx="0">
+            <a:schemeClr val="accent1"/>
+          </a:fillRef>
+          <a:effectRef idx="1">
+            <a:schemeClr val="accent1"/>
+          </a:effectRef>
+          <a:fontRef idx="minor">
+            <a:schemeClr val="tx1"/>
+          </a:fontRef>
+        </p:style>
+      </p:cxnSp>
+      <p:sp>
+        <p:nvSpPr>
+          <p:cNvPr id="85" name="Rectangle 84">
+            <a:extLst>
+              <a:ext uri="{FF2B5EF4-FFF2-40B4-BE49-F238E27FC236}">
+                <a16:creationId xmlns:a16="http://schemas.microsoft.com/office/drawing/2014/main" id="{AAA2202F-2A68-464D-8E53-CEBE9303D848}"/>
+              </a:ext>
+              <a:ext uri="{C183D7F6-B498-43B3-948B-1728B52AA6E4}">
+                <adec:decorative xmlns:adec="http://schemas.microsoft.com/office/drawing/2017/decorative" val="1"/>
+              </a:ext>
+            </a:extLst>
+          </p:cNvPr>
+          <p:cNvSpPr>
+            <a:spLocks noGrp="1" noRot="1" noChangeAspect="1" noMove="1" noResize="1" noEditPoints="1" noAdjustHandles="1" noChangeArrowheads="1" noChangeShapeType="1" noTextEdit="1"/>
+          </p:cNvSpPr>
+          <p:nvPr>
+            <p:extLst>
+              <p:ext uri="{386F3935-93C4-4BCD-93E2-E3B085C9AB24}">
+                <p16:designElem xmlns:p16="http://schemas.microsoft.com/office/powerpoint/2015/main" val="1"/>
+              </p:ext>
+            </p:extLst>
+          </p:nvPr>
+        </p:nvSpPr>
+        <p:spPr>
+          <a:xfrm>
+            <a:off x="608012" y="609600"/>
+            <a:ext cx="10972800" cy="5638800"/>
+          </a:xfrm>
+          <a:prstGeom prst="rect">
+            <a:avLst/>
+          </a:prstGeom>
+          <a:noFill/>
+          <a:ln w="15875" cap="flat">
+            <a:solidFill>
+              <a:schemeClr val="bg1"/>
+            </a:solidFill>
+            <a:miter lim="800000"/>
+          </a:ln>
+        </p:spPr>
+        <p:style>
+          <a:lnRef idx="1">
+            <a:schemeClr val="accent1"/>
+          </a:lnRef>
+          <a:fillRef idx="3">
+            <a:schemeClr val="accent1"/>
+          </a:fillRef>
+          <a:effectRef idx="2">
+            <a:schemeClr val="accent1"/>
+          </a:effectRef>
+          <a:fontRef idx="minor">
+            <a:schemeClr val="lt1"/>
+          </a:fontRef>
+        </p:style>
+      </p:sp>
+      <p:grpSp>
+        <p:nvGrpSpPr>
+          <p:cNvPr id="87" name="Group 86">
+            <a:extLst>
+              <a:ext uri="{FF2B5EF4-FFF2-40B4-BE49-F238E27FC236}">
+                <a16:creationId xmlns:a16="http://schemas.microsoft.com/office/drawing/2014/main" id="{5B129734-DF6D-46B8-A0E0-4F178B3AD2FC}"/>
+              </a:ext>
+              <a:ext uri="{C183D7F6-B498-43B3-948B-1728B52AA6E4}">
+                <adec:decorative xmlns:adec="http://schemas.microsoft.com/office/drawing/2017/decorative" val="1"/>
+              </a:ext>
+            </a:extLst>
+          </p:cNvPr>
+          <p:cNvGrpSpPr>
+            <a:grpSpLocks noGrp="1" noUngrp="1" noRot="1" noChangeAspect="1" noMove="1" noResize="1"/>
+          </p:cNvGrpSpPr>
+          <p:nvPr>
+            <p:extLst>
+              <p:ext uri="{386F3935-93C4-4BCD-93E2-E3B085C9AB24}">
+                <p16:designElem xmlns:p16="http://schemas.microsoft.com/office/powerpoint/2015/main" val="1"/>
+              </p:ext>
+            </p:extLst>
+          </p:nvPr>
+        </p:nvGrpSpPr>
+        <p:grpSpPr>
+          <a:xfrm>
+            <a:off x="0" y="3128956"/>
+            <a:ext cx="12234672" cy="658368"/>
+            <a:chOff x="-18288" y="3128956"/>
+            <a:chExt cx="12234672" cy="658368"/>
+          </a:xfrm>
+        </p:grpSpPr>
+        <p:sp useBgFill="1">
+          <p:nvSpPr>
+            <p:cNvPr id="88" name="Rounded Rectangle 21">
+              <a:extLst>
+                <a:ext uri="{FF2B5EF4-FFF2-40B4-BE49-F238E27FC236}">
+                  <a16:creationId xmlns:a16="http://schemas.microsoft.com/office/drawing/2014/main" id="{6A986578-4991-4E9B-94B7-056F6B09B77C}"/>
+                </a:ext>
+                <a:ext uri="{C183D7F6-B498-43B3-948B-1728B52AA6E4}">
+                  <adec:decorative xmlns:adec="http://schemas.microsoft.com/office/drawing/2017/decorative" val="1"/>
+                </a:ext>
+              </a:extLst>
+            </p:cNvPr>
+            <p:cNvSpPr/>
+            <p:nvPr>
+              <p:extLst>
+                <p:ext uri="{386F3935-93C4-4BCD-93E2-E3B085C9AB24}">
+                  <p16:designElem xmlns:p16="http://schemas.microsoft.com/office/powerpoint/2015/main" val="1"/>
+                </p:ext>
+              </p:extLst>
+            </p:nvPr>
+          </p:nvSpPr>
+          <p:spPr>
+            <a:xfrm>
+              <a:off x="732303" y="3128956"/>
+              <a:ext cx="45720" cy="658368"/>
+            </a:xfrm>
+            <a:prstGeom prst="roundRect">
+              <a:avLst>
+                <a:gd name="adj" fmla="val 50000"/>
+              </a:avLst>
+            </a:prstGeom>
+            <a:ln w="9525">
+              <a:noFill/>
+            </a:ln>
+            <a:effectLst>
+              <a:innerShdw blurRad="114300">
+                <a:prstClr val="black">
+                  <a:alpha val="86000"/>
+                </a:prstClr>
+              </a:innerShdw>
+            </a:effectLst>
+          </p:spPr>
+          <p:style>
+            <a:lnRef idx="2">
+              <a:schemeClr val="accent1">
+                <a:shade val="50000"/>
+              </a:schemeClr>
+            </a:lnRef>
+            <a:fillRef idx="1">
+              <a:schemeClr val="accent1"/>
+            </a:fillRef>
+            <a:effectRef idx="0">
+              <a:schemeClr val="accent1"/>
+            </a:effectRef>
+            <a:fontRef idx="minor">
+              <a:schemeClr val="lt1"/>
+            </a:fontRef>
+          </p:style>
+          <p:txBody>
+            <a:bodyPr rtlCol="0" anchor="ctr"/>
+            <a:lstStyle/>
+            <a:p>
+              <a:pPr marL="0" marR="0" lvl="0" indent="0" algn="ctr" defTabSz="914400" rtl="0" eaLnBrk="1" fontAlgn="auto" latinLnBrk="0" hangingPunct="1">
+                <a:lnSpc>
+                  <a:spcPct val="100000"/>
+                </a:lnSpc>
+                <a:spcBef>
+                  <a:spcPts val="0"/>
+                </a:spcBef>
+                <a:spcAft>
+                  <a:spcPts val="0"/>
+                </a:spcAft>
+                <a:buClrTx/>
+                <a:buSzTx/>
+                <a:buFontTx/>
+                <a:buNone/>
+                <a:tabLst/>
+                <a:defRPr/>
+              </a:pPr>
+              <a:endParaRPr kumimoji="0" lang="en-US" sz="1800" b="0" i="0" u="none" strike="noStrike" kern="1200" cap="none" spc="0" normalizeH="0" baseline="0" noProof="0">
+                <a:ln>
+                  <a:noFill/>
+                </a:ln>
+                <a:solidFill>
+                  <a:prstClr val="white"/>
+                </a:solidFill>
+                <a:effectLst/>
+                <a:uLnTx/>
+                <a:uFillTx/>
+                <a:latin typeface="Garamond" panose="02020404030301010803"/>
+                <a:ea typeface="+mn-ea"/>
+                <a:cs typeface="+mn-cs"/>
+              </a:endParaRPr>
+            </a:p>
+          </p:txBody>
+        </p:sp>
+        <p:pic>
+          <p:nvPicPr>
+            <p:cNvPr id="89" name="Picture 88">
+              <a:extLst>
+                <a:ext uri="{FF2B5EF4-FFF2-40B4-BE49-F238E27FC236}">
+                  <a16:creationId xmlns:a16="http://schemas.microsoft.com/office/drawing/2014/main" id="{257D0097-ACF2-46A6-804C-C5D55A188FE5}"/>
+                </a:ext>
+                <a:ext uri="{C183D7F6-B498-43B3-948B-1728B52AA6E4}">
+                  <adec:decorative xmlns:adec="http://schemas.microsoft.com/office/drawing/2017/decorative" val="1"/>
+                </a:ext>
+              </a:extLst>
+            </p:cNvPr>
+            <p:cNvPicPr>
+              <a:picLocks noChangeAspect="1"/>
+            </p:cNvPicPr>
+            <p:nvPr>
+              <p:extLst>
+                <p:ext uri="{386F3935-93C4-4BCD-93E2-E3B085C9AB24}">
+                  <p16:designElem xmlns:p16="http://schemas.microsoft.com/office/powerpoint/2015/main" val="1"/>
+                </p:ext>
+              </p:extLst>
+            </p:nvPr>
+          </p:nvPicPr>
+          <p:blipFill rotWithShape="1">
+            <a:blip r:embed="rId6">
+              <a:extLst>
+                <a:ext uri="{28A0092B-C50C-407E-A947-70E740481C1C}">
+                  <a14:useLocalDpi xmlns:a14="http://schemas.microsoft.com/office/drawing/2010/main" val="0"/>
+                </a:ext>
+              </a:extLst>
+            </a:blip>
+            <a:srcRect/>
+            <a:stretch/>
+          </p:blipFill>
+          <p:spPr>
+            <a:xfrm>
+              <a:off x="-18288" y="3154680"/>
+              <a:ext cx="777240" cy="606425"/>
+            </a:xfrm>
+            <a:prstGeom prst="rect">
+              <a:avLst/>
+            </a:prstGeom>
+          </p:spPr>
+        </p:pic>
+        <p:sp useBgFill="1">
+          <p:nvSpPr>
+            <p:cNvPr id="90" name="Rounded Rectangle 27">
+              <a:extLst>
+                <a:ext uri="{FF2B5EF4-FFF2-40B4-BE49-F238E27FC236}">
+                  <a16:creationId xmlns:a16="http://schemas.microsoft.com/office/drawing/2014/main" id="{A71DA5EB-109A-4C2F-A093-7E5F6490BD7A}"/>
+                </a:ext>
+                <a:ext uri="{C183D7F6-B498-43B3-948B-1728B52AA6E4}">
+                  <adec:decorative xmlns:adec="http://schemas.microsoft.com/office/drawing/2017/decorative" val="1"/>
+                </a:ext>
+              </a:extLst>
+            </p:cNvPr>
+            <p:cNvSpPr/>
+            <p:nvPr>
+              <p:extLst>
+                <p:ext uri="{386F3935-93C4-4BCD-93E2-E3B085C9AB24}">
+                  <p16:designElem xmlns:p16="http://schemas.microsoft.com/office/powerpoint/2015/main" val="1"/>
+                </p:ext>
+              </p:extLst>
+            </p:nvPr>
+          </p:nvSpPr>
+          <p:spPr>
+            <a:xfrm>
+              <a:off x="11414377" y="3128956"/>
+              <a:ext cx="45720" cy="658368"/>
+            </a:xfrm>
+            <a:prstGeom prst="roundRect">
+              <a:avLst>
+                <a:gd name="adj" fmla="val 50000"/>
+              </a:avLst>
+            </a:prstGeom>
+            <a:ln w="9525">
+              <a:noFill/>
+            </a:ln>
+            <a:effectLst>
+              <a:innerShdw blurRad="114300">
+                <a:prstClr val="black">
+                  <a:alpha val="86000"/>
+                </a:prstClr>
+              </a:innerShdw>
+            </a:effectLst>
+          </p:spPr>
+          <p:style>
+            <a:lnRef idx="2">
+              <a:schemeClr val="accent1">
+                <a:shade val="50000"/>
+              </a:schemeClr>
+            </a:lnRef>
+            <a:fillRef idx="1">
+              <a:schemeClr val="accent1"/>
+            </a:fillRef>
+            <a:effectRef idx="0">
+              <a:schemeClr val="accent1"/>
+            </a:effectRef>
+            <a:fontRef idx="minor">
+              <a:schemeClr val="lt1"/>
+            </a:fontRef>
+          </p:style>
+          <p:txBody>
+            <a:bodyPr rtlCol="0" anchor="ctr"/>
+            <a:lstStyle/>
+            <a:p>
+              <a:pPr marL="0" marR="0" lvl="0" indent="0" algn="ctr" defTabSz="914400" rtl="0" eaLnBrk="1" fontAlgn="auto" latinLnBrk="0" hangingPunct="1">
+                <a:lnSpc>
+                  <a:spcPct val="100000"/>
+                </a:lnSpc>
+                <a:spcBef>
+                  <a:spcPts val="0"/>
+                </a:spcBef>
+                <a:spcAft>
+                  <a:spcPts val="0"/>
+                </a:spcAft>
+                <a:buClrTx/>
+                <a:buSzTx/>
+                <a:buFontTx/>
+                <a:buNone/>
+                <a:tabLst/>
+                <a:defRPr/>
+              </a:pPr>
+              <a:endParaRPr kumimoji="0" lang="en-US" sz="1800" b="0" i="0" u="none" strike="noStrike" kern="1200" cap="none" spc="0" normalizeH="0" baseline="0" noProof="0">
+                <a:ln>
+                  <a:noFill/>
+                </a:ln>
+                <a:solidFill>
+                  <a:prstClr val="white"/>
+                </a:solidFill>
+                <a:effectLst/>
+                <a:uLnTx/>
+                <a:uFillTx/>
+                <a:latin typeface="Garamond" panose="02020404030301010803"/>
+                <a:ea typeface="+mn-ea"/>
+                <a:cs typeface="+mn-cs"/>
+              </a:endParaRPr>
+            </a:p>
+          </p:txBody>
+        </p:sp>
+        <p:pic>
+          <p:nvPicPr>
+            <p:cNvPr id="91" name="Picture 90">
+              <a:extLst>
+                <a:ext uri="{FF2B5EF4-FFF2-40B4-BE49-F238E27FC236}">
+                  <a16:creationId xmlns:a16="http://schemas.microsoft.com/office/drawing/2014/main" id="{DA85B8CE-EB01-4DD0-8B39-D413503D772C}"/>
+                </a:ext>
+                <a:ext uri="{C183D7F6-B498-43B3-948B-1728B52AA6E4}">
+                  <adec:decorative xmlns:adec="http://schemas.microsoft.com/office/drawing/2017/decorative" val="1"/>
+                </a:ext>
+              </a:extLst>
+            </p:cNvPr>
+            <p:cNvPicPr>
+              <a:picLocks noChangeAspect="1"/>
+            </p:cNvPicPr>
+            <p:nvPr>
+              <p:extLst>
+                <p:ext uri="{386F3935-93C4-4BCD-93E2-E3B085C9AB24}">
+                  <p16:designElem xmlns:p16="http://schemas.microsoft.com/office/powerpoint/2015/main" val="1"/>
+                </p:ext>
+              </p:extLst>
+            </p:nvPr>
+          </p:nvPicPr>
+          <p:blipFill rotWithShape="1">
+            <a:blip r:embed="rId6">
+              <a:extLst>
+                <a:ext uri="{28A0092B-C50C-407E-A947-70E740481C1C}">
+                  <a14:useLocalDpi xmlns:a14="http://schemas.microsoft.com/office/drawing/2010/main" val="0"/>
+                </a:ext>
+              </a:extLst>
+            </a:blip>
+            <a:srcRect/>
+            <a:stretch/>
+          </p:blipFill>
+          <p:spPr>
+            <a:xfrm flipH="1">
+              <a:off x="11439144" y="3154680"/>
+              <a:ext cx="777240" cy="606425"/>
+            </a:xfrm>
+            <a:prstGeom prst="rect">
+              <a:avLst/>
+            </a:prstGeom>
+          </p:spPr>
+        </p:pic>
+      </p:grpSp>
       <p:sp>
         <p:nvSpPr>
           <p:cNvPr id="2" name="Título 1"/>
@@ -6779,42 +8114,25 @@
             <p:ph type="title"/>
           </p:nvPr>
         </p:nvSpPr>
-        <p:spPr/>
-        <p:txBody>
-          <a:bodyPr/>
+        <p:spPr>
+          <a:xfrm>
+            <a:off x="2224403" y="1113698"/>
+            <a:ext cx="8229600" cy="2345264"/>
+          </a:xfrm>
+        </p:spPr>
+        <p:txBody>
+          <a:bodyPr vert="horz" lIns="91440" tIns="45720" rIns="91440" bIns="45720" rtlCol="0" anchor="b">
+            <a:normAutofit/>
+          </a:bodyPr>
           <a:lstStyle/>
           <a:p>
             <a:r>
-              <a:rPr lang="es-ES" dirty="0"/>
+              <a:rPr lang="en-US" sz="7200">
+                <a:solidFill>
+                  <a:schemeClr val="bg1"/>
+                </a:solidFill>
+              </a:rPr>
               <a:t>Conclusión</a:t>
-            </a:r>
-          </a:p>
-        </p:txBody>
-      </p:sp>
-      <p:sp>
-        <p:nvSpPr>
-          <p:cNvPr id="3" name="Marcador de contenido 2"/>
-          <p:cNvSpPr>
-            <a:spLocks noGrp="1"/>
-          </p:cNvSpPr>
-          <p:nvPr>
-            <p:ph idx="1"/>
-          </p:nvPr>
-        </p:nvSpPr>
-        <p:spPr/>
-        <p:txBody>
-          <a:bodyPr/>
-          <a:lstStyle/>
-          <a:p>
-            <a:r>
-              <a:rPr lang="es-ES" dirty="0"/>
-              <a:t>Sirve para organizar a los empleados</a:t>
-            </a:r>
-          </a:p>
-          <a:p>
-            <a:r>
-              <a:rPr lang="es-ES" dirty="0"/>
-              <a:t>Va dirigida tanto para los empleados como para el trabajador</a:t>
             </a:r>
           </a:p>
         </p:txBody>
@@ -6829,12 +8147,113 @@
   <p:clrMapOvr>
     <a:masterClrMapping/>
   </p:clrMapOvr>
+  <p:timing>
+    <p:tnLst>
+      <p:par>
+        <p:cTn id="1" dur="indefinite" restart="never" nodeType="tmRoot">
+          <p:childTnLst>
+            <p:seq concurrent="1" nextAc="seek">
+              <p:cTn id="2" dur="indefinite" nodeType="mainSeq">
+                <p:childTnLst>
+                  <p:par>
+                    <p:cTn id="3" fill="hold">
+                      <p:stCondLst>
+                        <p:cond delay="indefinite"/>
+                        <p:cond evt="onBegin" delay="0">
+                          <p:tn val="2"/>
+                        </p:cond>
+                      </p:stCondLst>
+                      <p:childTnLst>
+                        <p:par>
+                          <p:cTn id="4" fill="hold">
+                            <p:stCondLst>
+                              <p:cond delay="0"/>
+                            </p:stCondLst>
+                            <p:childTnLst>
+                              <p:par>
+                                <p:cTn id="5" presetID="10" presetClass="entr" presetSubtype="0" fill="hold" grpId="0" nodeType="withEffect">
+                                  <p:stCondLst>
+                                    <p:cond delay="1000"/>
+                                  </p:stCondLst>
+                                  <p:iterate type="lt">
+                                    <p:tmPct val="10000"/>
+                                  </p:iterate>
+                                  <p:childTnLst>
+                                    <p:set>
+                                      <p:cBhvr>
+                                        <p:cTn id="6" dur="1" fill="hold">
+                                          <p:stCondLst>
+                                            <p:cond delay="0"/>
+                                          </p:stCondLst>
+                                        </p:cTn>
+                                        <p:tgtEl>
+                                          <p:spTgt spid="2"/>
+                                        </p:tgtEl>
+                                        <p:attrNameLst>
+                                          <p:attrName>style.visibility</p:attrName>
+                                        </p:attrNameLst>
+                                      </p:cBhvr>
+                                      <p:to>
+                                        <p:strVal val="visible"/>
+                                      </p:to>
+                                    </p:set>
+                                    <p:animEffect transition="in" filter="fade">
+                                      <p:cBhvr>
+                                        <p:cTn id="7" dur="400"/>
+                                        <p:tgtEl>
+                                          <p:spTgt spid="2"/>
+                                        </p:tgtEl>
+                                      </p:cBhvr>
+                                    </p:animEffect>
+                                  </p:childTnLst>
+                                </p:cTn>
+                              </p:par>
+                            </p:childTnLst>
+                          </p:cTn>
+                        </p:par>
+                      </p:childTnLst>
+                    </p:cTn>
+                  </p:par>
+                </p:childTnLst>
+              </p:cTn>
+              <p:prevCondLst>
+                <p:cond evt="onPrev" delay="0">
+                  <p:tgtEl>
+                    <p:sldTgt/>
+                  </p:tgtEl>
+                </p:cond>
+              </p:prevCondLst>
+              <p:nextCondLst>
+                <p:cond evt="onNext" delay="0">
+                  <p:tgtEl>
+                    <p:sldTgt/>
+                  </p:tgtEl>
+                </p:cond>
+              </p:nextCondLst>
+            </p:seq>
+          </p:childTnLst>
+        </p:cTn>
+      </p:par>
+    </p:tnLst>
+    <p:bldLst>
+      <p:bldP spid="2" grpId="0"/>
+    </p:bldLst>
+  </p:timing>
 </p:sld>
 </file>
 
 <file path=ppt/slides/slide2.xml><?xml version="1.0" encoding="utf-8"?>
 <p:sld xmlns:a="http://schemas.openxmlformats.org/drawingml/2006/main" xmlns:r="http://schemas.openxmlformats.org/officeDocument/2006/relationships" xmlns:p="http://schemas.openxmlformats.org/presentationml/2006/main">
   <p:cSld>
+    <p:bg>
+      <p:bgPr>
+        <a:blipFill>
+          <a:blip r:embed="rId2"/>
+          <a:stretch/>
+        </a:blipFill>
+        <a:effectLst/>
+      </p:bgPr>
+    </p:bg>
     <p:spTree>
       <p:nvGrpSpPr>
         <p:cNvPr id="1" name=""/>
@@ -6849,6 +8268,158 @@
           <a:chExt cx="0" cy="0"/>
         </a:xfrm>
       </p:grpSpPr>
+      <p:sp useBgFill="1">
+        <p:nvSpPr>
+          <p:cNvPr id="8" name="Rectangle 7">
+            <a:extLst>
+              <a:ext uri="{FF2B5EF4-FFF2-40B4-BE49-F238E27FC236}">
+                <a16:creationId xmlns:a16="http://schemas.microsoft.com/office/drawing/2014/main" id="{D6E5E839-040E-4D3E-B50A-8D803DFE4AE0}"/>
+              </a:ext>
+              <a:ext uri="{C183D7F6-B498-43B3-948B-1728B52AA6E4}">
+                <adec:decorative xmlns:adec="http://schemas.microsoft.com/office/drawing/2017/decorative" val="1"/>
+              </a:ext>
+            </a:extLst>
+          </p:cNvPr>
+          <p:cNvSpPr>
+            <a:spLocks noGrp="1" noRot="1" noChangeAspect="1" noMove="1" noResize="1" noEditPoints="1" noAdjustHandles="1" noChangeArrowheads="1" noChangeShapeType="1" noTextEdit="1"/>
+          </p:cNvSpPr>
+          <p:nvPr>
+            <p:extLst>
+              <p:ext uri="{386F3935-93C4-4BCD-93E2-E3B085C9AB24}">
+                <p16:designElem xmlns:p16="http://schemas.microsoft.com/office/powerpoint/2015/main" val="1"/>
+              </p:ext>
+            </p:extLst>
+          </p:nvPr>
+        </p:nvSpPr>
+        <p:spPr>
+          <a:xfrm>
+            <a:off x="0" y="0"/>
+            <a:ext cx="12192000" cy="6858000"/>
+          </a:xfrm>
+          <a:prstGeom prst="rect">
+            <a:avLst/>
+          </a:prstGeom>
+          <a:ln>
+            <a:noFill/>
+          </a:ln>
+        </p:spPr>
+        <p:style>
+          <a:lnRef idx="2">
+            <a:schemeClr val="accent1">
+              <a:shade val="50000"/>
+            </a:schemeClr>
+          </a:lnRef>
+          <a:fillRef idx="1">
+            <a:schemeClr val="accent1"/>
+          </a:fillRef>
+          <a:effectRef idx="0">
+            <a:schemeClr val="accent1"/>
+          </a:effectRef>
+          <a:fontRef idx="minor">
+            <a:schemeClr val="lt1"/>
+          </a:fontRef>
+        </p:style>
+        <p:txBody>
+          <a:bodyPr rtlCol="0" anchor="ctr"/>
+          <a:lstStyle/>
+          <a:p>
+            <a:pPr algn="ctr"/>
+            <a:endParaRPr lang="en-US"/>
+          </a:p>
+        </p:txBody>
+      </p:sp>
+      <p:sp>
+        <p:nvSpPr>
+          <p:cNvPr id="10" name="Rectangle 9">
+            <a:extLst>
+              <a:ext uri="{FF2B5EF4-FFF2-40B4-BE49-F238E27FC236}">
+                <a16:creationId xmlns:a16="http://schemas.microsoft.com/office/drawing/2014/main" id="{FFF3F4B4-A2E6-47B5-92FB-37BEEAFA4CC0}"/>
+              </a:ext>
+              <a:ext uri="{C183D7F6-B498-43B3-948B-1728B52AA6E4}">
+                <adec:decorative xmlns:adec="http://schemas.microsoft.com/office/drawing/2017/decorative" val="1"/>
+              </a:ext>
+            </a:extLst>
+          </p:cNvPr>
+          <p:cNvSpPr>
+            <a:spLocks noGrp="1" noRot="1" noChangeAspect="1" noMove="1" noResize="1" noEditPoints="1" noAdjustHandles="1" noChangeArrowheads="1" noChangeShapeType="1" noTextEdit="1"/>
+          </p:cNvSpPr>
+          <p:nvPr>
+            <p:extLst>
+              <p:ext uri="{386F3935-93C4-4BCD-93E2-E3B085C9AB24}">
+                <p16:designElem xmlns:p16="http://schemas.microsoft.com/office/powerpoint/2015/main" val="1"/>
+              </p:ext>
+            </p:extLst>
+          </p:nvPr>
+        </p:nvSpPr>
+        <p:spPr>
+          <a:xfrm>
+            <a:off x="0" y="0"/>
+            <a:ext cx="4654296" cy="6858000"/>
+          </a:xfrm>
+          <a:prstGeom prst="rect">
+            <a:avLst/>
+          </a:prstGeom>
+          <a:gradFill>
+            <a:gsLst>
+              <a:gs pos="0">
+                <a:schemeClr val="bg1"/>
+              </a:gs>
+              <a:gs pos="30000">
+                <a:schemeClr val="bg1"/>
+              </a:gs>
+              <a:gs pos="61000">
+                <a:schemeClr val="bg2">
+                  <a:lumMod val="20000"/>
+                  <a:lumOff val="80000"/>
+                </a:schemeClr>
+              </a:gs>
+              <a:gs pos="97000">
+                <a:schemeClr val="bg2">
+                  <a:lumMod val="70000"/>
+                  <a:lumOff val="30000"/>
+                </a:schemeClr>
+              </a:gs>
+            </a:gsLst>
+            <a:path path="circle">
+              <a:fillToRect l="50000" t="50000" r="50000" b="50000"/>
+            </a:path>
+          </a:gradFill>
+          <a:ln>
+            <a:noFill/>
+          </a:ln>
+          <a:effectLst>
+            <a:innerShdw blurRad="63500" dist="50800">
+              <a:prstClr val="black">
+                <a:alpha val="35000"/>
+              </a:prstClr>
+            </a:innerShdw>
+          </a:effectLst>
+        </p:spPr>
+        <p:style>
+          <a:lnRef idx="2">
+            <a:schemeClr val="accent1">
+              <a:shade val="50000"/>
+            </a:schemeClr>
+          </a:lnRef>
+          <a:fillRef idx="1">
+            <a:schemeClr val="accent1"/>
+          </a:fillRef>
+          <a:effectRef idx="0">
+            <a:schemeClr val="accent1"/>
+          </a:effectRef>
+          <a:fontRef idx="minor">
+            <a:schemeClr val="lt1"/>
+          </a:fontRef>
+        </p:style>
+        <p:txBody>
+          <a:bodyPr rtlCol="0" anchor="ctr"/>
+          <a:lstStyle/>
+          <a:p>
+            <a:pPr algn="ctr"/>
+            <a:endParaRPr lang="en-US"/>
+          </a:p>
+        </p:txBody>
+      </p:sp>
       <p:sp>
         <p:nvSpPr>
           <p:cNvPr id="2" name="Título 1"/>
@@ -6859,111 +8430,379 @@
             <p:ph type="title"/>
           </p:nvPr>
         </p:nvSpPr>
-        <p:spPr/>
-        <p:txBody>
-          <a:bodyPr/>
-          <a:lstStyle/>
-          <a:p>
-            <a:r>
-              <a:rPr lang="es-ES" dirty="0"/>
-              <a:t>Índice</a:t>
-            </a:r>
-          </a:p>
-        </p:txBody>
-      </p:sp>
-      <p:sp>
-        <p:nvSpPr>
-          <p:cNvPr id="3" name="Marcador de contenido 2"/>
-          <p:cNvSpPr>
-            <a:spLocks noGrp="1"/>
-          </p:cNvSpPr>
-          <p:nvPr>
-            <p:ph idx="1"/>
-          </p:nvPr>
-        </p:nvSpPr>
-        <p:spPr>
-          <a:xfrm>
-            <a:off x="4270466" y="2644018"/>
-            <a:ext cx="3651068" cy="3318936"/>
+        <p:spPr>
+          <a:xfrm>
+            <a:off x="640080" y="635508"/>
+            <a:ext cx="3354470" cy="5586984"/>
           </a:xfrm>
         </p:spPr>
         <p:txBody>
           <a:bodyPr>
-            <a:normAutofit fontScale="85000" lnSpcReduction="20000"/>
+            <a:normAutofit/>
           </a:bodyPr>
           <a:lstStyle/>
           <a:p>
             <a:r>
-              <a:rPr lang="es-ES" sz="1900" dirty="0"/>
-              <a:t>Como surgió la idea</a:t>
-            </a:r>
-          </a:p>
-          <a:p>
-            <a:r>
-              <a:rPr lang="es-ES" sz="1900" dirty="0"/>
+              <a:rPr lang="es-ES" sz="4800" dirty="0">
+                <a:solidFill>
+                  <a:schemeClr val="tx2"/>
+                </a:solidFill>
+              </a:rPr>
+              <a:t>Índice</a:t>
+            </a:r>
+          </a:p>
+        </p:txBody>
+      </p:sp>
+      <p:sp>
+        <p:nvSpPr>
+          <p:cNvPr id="12" name="Rectangle 11">
+            <a:extLst>
+              <a:ext uri="{FF2B5EF4-FFF2-40B4-BE49-F238E27FC236}">
+                <a16:creationId xmlns:a16="http://schemas.microsoft.com/office/drawing/2014/main" id="{1D124D17-3A82-47D5-80C1-F990ABB1E41E}"/>
+              </a:ext>
+              <a:ext uri="{C183D7F6-B498-43B3-948B-1728B52AA6E4}">
+                <adec:decorative xmlns:adec="http://schemas.microsoft.com/office/drawing/2017/decorative" val="1"/>
+              </a:ext>
+            </a:extLst>
+          </p:cNvPr>
+          <p:cNvSpPr>
+            <a:spLocks noGrp="1" noRot="1" noChangeAspect="1" noMove="1" noResize="1" noEditPoints="1" noAdjustHandles="1" noChangeArrowheads="1" noChangeShapeType="1" noTextEdit="1"/>
+          </p:cNvSpPr>
+          <p:nvPr>
+            <p:extLst>
+              <p:ext uri="{386F3935-93C4-4BCD-93E2-E3B085C9AB24}">
+                <p16:designElem xmlns:p16="http://schemas.microsoft.com/office/powerpoint/2015/main" val="1"/>
+              </p:ext>
+            </p:extLst>
+          </p:nvPr>
+        </p:nvSpPr>
+        <p:spPr>
+          <a:xfrm>
+            <a:off x="5134082" y="469900"/>
+            <a:ext cx="6582982" cy="5918200"/>
+          </a:xfrm>
+          <a:prstGeom prst="rect">
+            <a:avLst/>
+          </a:prstGeom>
+          <a:solidFill>
+            <a:schemeClr val="tx2">
+              <a:lumMod val="90000"/>
+              <a:lumOff val="10000"/>
+            </a:schemeClr>
+          </a:solidFill>
+          <a:ln>
+            <a:noFill/>
+          </a:ln>
+          <a:effectLst>
+            <a:outerShdw blurRad="50800" dist="38100" dir="5400000" algn="t" rotWithShape="0">
+              <a:prstClr val="black">
+                <a:alpha val="40000"/>
+              </a:prstClr>
+            </a:outerShdw>
+          </a:effectLst>
+          <a:scene3d>
+            <a:camera prst="orthographicFront"/>
+            <a:lightRig rig="balanced" dir="t"/>
+          </a:scene3d>
+          <a:sp3d>
+            <a:bevelT w="6350" h="6350"/>
+          </a:sp3d>
+        </p:spPr>
+        <p:style>
+          <a:lnRef idx="2">
+            <a:schemeClr val="accent1">
+              <a:shade val="50000"/>
+            </a:schemeClr>
+          </a:lnRef>
+          <a:fillRef idx="1">
+            <a:schemeClr val="accent1"/>
+          </a:fillRef>
+          <a:effectRef idx="0">
+            <a:schemeClr val="accent1"/>
+          </a:effectRef>
+          <a:fontRef idx="minor">
+            <a:schemeClr val="lt1"/>
+          </a:fontRef>
+        </p:style>
+        <p:txBody>
+          <a:bodyPr rtlCol="0" anchor="ctr"/>
+          <a:lstStyle/>
+          <a:p>
+            <a:pPr algn="ctr"/>
+            <a:endParaRPr lang="en-US"/>
+          </a:p>
+        </p:txBody>
+      </p:sp>
+      <p:sp>
+        <p:nvSpPr>
+          <p:cNvPr id="3" name="Marcador de contenido 2"/>
+          <p:cNvSpPr>
+            <a:spLocks noGrp="1"/>
+          </p:cNvSpPr>
+          <p:nvPr>
+            <p:ph idx="1"/>
+          </p:nvPr>
+        </p:nvSpPr>
+        <p:spPr>
+          <a:xfrm>
+            <a:off x="5617804" y="954756"/>
+            <a:ext cx="5613283" cy="4853888"/>
+          </a:xfrm>
+        </p:spPr>
+        <p:txBody>
+          <a:bodyPr anchor="ctr">
+            <a:normAutofit lnSpcReduction="10000"/>
+          </a:bodyPr>
+          <a:lstStyle/>
+          <a:p>
+            <a:pPr>
+              <a:lnSpc>
+                <a:spcPct val="90000"/>
+              </a:lnSpc>
+            </a:pPr>
+            <a:r>
+              <a:rPr lang="es-ES" sz="2000" dirty="0">
+                <a:solidFill>
+                  <a:schemeClr val="bg1"/>
+                </a:solidFill>
+              </a:rPr>
+              <a:t>Idea</a:t>
+            </a:r>
+          </a:p>
+          <a:p>
+            <a:pPr>
+              <a:lnSpc>
+                <a:spcPct val="90000"/>
+              </a:lnSpc>
+            </a:pPr>
+            <a:r>
+              <a:rPr lang="es-ES" sz="2000" dirty="0">
+                <a:solidFill>
+                  <a:schemeClr val="bg1"/>
+                </a:solidFill>
+              </a:rPr>
+              <a:t>Objetivo</a:t>
+            </a:r>
+          </a:p>
+          <a:p>
+            <a:pPr>
+              <a:lnSpc>
+                <a:spcPct val="90000"/>
+              </a:lnSpc>
+            </a:pPr>
+            <a:r>
+              <a:rPr lang="es-ES" sz="2000" dirty="0">
+                <a:solidFill>
+                  <a:schemeClr val="bg1"/>
+                </a:solidFill>
+              </a:rPr>
               <a:t>El logo</a:t>
             </a:r>
           </a:p>
           <a:p>
-            <a:r>
-              <a:rPr lang="es-ES" sz="1900" dirty="0"/>
-              <a:t>Nombre de la Aplicación</a:t>
-            </a:r>
-          </a:p>
-          <a:p>
-            <a:r>
-              <a:rPr lang="es-ES" sz="1900" dirty="0"/>
+            <a:pPr>
+              <a:lnSpc>
+                <a:spcPct val="90000"/>
+              </a:lnSpc>
+            </a:pPr>
+            <a:r>
+              <a:rPr lang="es-ES" sz="2000" dirty="0">
+                <a:solidFill>
+                  <a:schemeClr val="bg1"/>
+                </a:solidFill>
+              </a:rPr>
+              <a:t>Nombre</a:t>
+            </a:r>
+          </a:p>
+          <a:p>
+            <a:pPr>
+              <a:lnSpc>
+                <a:spcPct val="90000"/>
+              </a:lnSpc>
+            </a:pPr>
+            <a:r>
+              <a:rPr lang="es-ES" sz="2000" dirty="0">
+                <a:solidFill>
+                  <a:schemeClr val="bg1"/>
+                </a:solidFill>
+              </a:rPr>
               <a:t>Base de Datos</a:t>
             </a:r>
           </a:p>
           <a:p>
-            <a:r>
-              <a:rPr lang="es-ES" sz="1900" dirty="0"/>
-              <a:t>Ventajas de la aplicación</a:t>
-            </a:r>
-          </a:p>
-          <a:p>
-            <a:r>
-              <a:rPr lang="es-ES" sz="1900" dirty="0"/>
+            <a:pPr>
+              <a:lnSpc>
+                <a:spcPct val="90000"/>
+              </a:lnSpc>
+            </a:pPr>
+            <a:r>
+              <a:rPr lang="es-ES" sz="2000" dirty="0">
+                <a:solidFill>
+                  <a:schemeClr val="bg1"/>
+                </a:solidFill>
+              </a:rPr>
+              <a:t>Funcionalidades</a:t>
+            </a:r>
+          </a:p>
+          <a:p>
+            <a:pPr>
+              <a:lnSpc>
+                <a:spcPct val="90000"/>
+              </a:lnSpc>
+            </a:pPr>
+            <a:r>
+              <a:rPr lang="es-ES" sz="2000" dirty="0">
+                <a:solidFill>
+                  <a:schemeClr val="bg1"/>
+                </a:solidFill>
+              </a:rPr>
+              <a:t>Base de datos</a:t>
+            </a:r>
+          </a:p>
+          <a:p>
+            <a:pPr>
+              <a:lnSpc>
+                <a:spcPct val="90000"/>
+              </a:lnSpc>
+            </a:pPr>
+            <a:r>
+              <a:rPr lang="es-ES" sz="2000" dirty="0">
+                <a:solidFill>
+                  <a:schemeClr val="bg1"/>
+                </a:solidFill>
+              </a:rPr>
               <a:t>Sitio web</a:t>
             </a:r>
           </a:p>
           <a:p>
-            <a:r>
-              <a:rPr lang="es-ES" sz="1900" dirty="0"/>
+            <a:pPr>
+              <a:lnSpc>
+                <a:spcPct val="90000"/>
+              </a:lnSpc>
+            </a:pPr>
+            <a:r>
+              <a:rPr lang="es-ES" sz="2000" dirty="0">
+                <a:solidFill>
+                  <a:schemeClr val="bg1"/>
+                </a:solidFill>
+              </a:rPr>
               <a:t>Vista de la aplicación</a:t>
             </a:r>
           </a:p>
           <a:p>
-            <a:r>
-              <a:rPr lang="es-ES" sz="1900" dirty="0"/>
+            <a:pPr>
+              <a:lnSpc>
+                <a:spcPct val="90000"/>
+              </a:lnSpc>
+            </a:pPr>
+            <a:r>
+              <a:rPr lang="es-ES" sz="2000" dirty="0">
+                <a:solidFill>
+                  <a:schemeClr val="bg1"/>
+                </a:solidFill>
+              </a:rPr>
               <a:t>Herramientas utilizadas</a:t>
             </a:r>
           </a:p>
           <a:p>
-            <a:r>
-              <a:rPr lang="es-ES" sz="1900" dirty="0"/>
+            <a:pPr>
+              <a:lnSpc>
+                <a:spcPct val="90000"/>
+              </a:lnSpc>
+            </a:pPr>
+            <a:r>
+              <a:rPr lang="es-ES" sz="2000" dirty="0">
+                <a:solidFill>
+                  <a:schemeClr val="bg1"/>
+                </a:solidFill>
+              </a:rPr>
               <a:t>Adversidades encontradas</a:t>
             </a:r>
           </a:p>
           <a:p>
-            <a:r>
-              <a:rPr lang="es-ES" sz="1900" dirty="0"/>
-              <a:t>Futuros </a:t>
-            </a:r>
-            <a:r>
-              <a:rPr lang="es-ES" sz="1900" dirty="0" err="1"/>
-              <a:t>sprints</a:t>
-            </a:r>
-            <a:endParaRPr lang="es-ES" sz="1900" dirty="0"/>
+            <a:pPr>
+              <a:lnSpc>
+                <a:spcPct val="90000"/>
+              </a:lnSpc>
+            </a:pPr>
+            <a:r>
+              <a:rPr lang="es-ES" sz="2000" dirty="0">
+                <a:solidFill>
+                  <a:schemeClr val="bg1"/>
+                </a:solidFill>
+              </a:rPr>
+              <a:t>Conclusión</a:t>
+            </a:r>
           </a:p>
           <a:p>
             <a:pPr marL="0" indent="0">
+              <a:lnSpc>
+                <a:spcPct val="90000"/>
+              </a:lnSpc>
               <a:buNone/>
             </a:pPr>
-            <a:endParaRPr lang="es-ES" sz="1600" dirty="0"/>
-          </a:p>
-        </p:txBody>
+            <a:endParaRPr lang="es-ES" sz="2000" dirty="0">
+              <a:solidFill>
+                <a:schemeClr val="bg1"/>
+              </a:solidFill>
+            </a:endParaRPr>
+          </a:p>
+        </p:txBody>
+      </p:sp>
+      <p:sp>
+        <p:nvSpPr>
+          <p:cNvPr id="14" name="Rectangle 13">
+            <a:extLst>
+              <a:ext uri="{FF2B5EF4-FFF2-40B4-BE49-F238E27FC236}">
+                <a16:creationId xmlns:a16="http://schemas.microsoft.com/office/drawing/2014/main" id="{AB4A78C8-C0E0-45DA-BC2C-2C8D4153BDFC}"/>
+              </a:ext>
+              <a:ext uri="{C183D7F6-B498-43B3-948B-1728B52AA6E4}">
+                <adec:decorative xmlns:adec="http://schemas.microsoft.com/office/drawing/2017/decorative" val="1"/>
+              </a:ext>
+            </a:extLst>
+          </p:cNvPr>
+          <p:cNvSpPr>
+            <a:spLocks noGrp="1" noRot="1" noChangeAspect="1" noMove="1" noResize="1" noEditPoints="1" noAdjustHandles="1" noChangeArrowheads="1" noChangeShapeType="1" noTextEdit="1"/>
+          </p:cNvSpPr>
+          <p:nvPr>
+            <p:extLst>
+              <p:ext uri="{386F3935-93C4-4BCD-93E2-E3B085C9AB24}">
+                <p16:designElem xmlns:p16="http://schemas.microsoft.com/office/powerpoint/2015/main" val="1"/>
+              </p:ext>
+            </p:extLst>
+          </p:nvPr>
+        </p:nvSpPr>
+        <p:spPr>
+          <a:xfrm>
+            <a:off x="5298325" y="635508"/>
+            <a:ext cx="6254496" cy="5586984"/>
+          </a:xfrm>
+          <a:prstGeom prst="rect">
+            <a:avLst/>
+          </a:prstGeom>
+          <a:noFill/>
+          <a:ln w="15875" cap="flat">
+            <a:solidFill>
+              <a:schemeClr val="accent1"/>
+            </a:solidFill>
+            <a:miter lim="800000"/>
+          </a:ln>
+          <a:effectLst/>
+        </p:spPr>
+        <p:style>
+          <a:lnRef idx="1">
+            <a:schemeClr val="accent1"/>
+          </a:lnRef>
+          <a:fillRef idx="3">
+            <a:schemeClr val="accent1"/>
+          </a:fillRef>
+          <a:effectRef idx="2">
+            <a:schemeClr val="accent1"/>
+          </a:effectRef>
+          <a:fontRef idx="minor">
+            <a:schemeClr val="lt1"/>
+          </a:fontRef>
+        </p:style>
       </p:sp>
     </p:spTree>
     <p:extLst>
@@ -6981,6 +8820,15 @@
 <file path=ppt/slides/slide3.xml><?xml version="1.0" encoding="utf-8"?>
 <p:sld xmlns:a="http://schemas.openxmlformats.org/drawingml/2006/main" xmlns:r="http://schemas.openxmlformats.org/officeDocument/2006/relationships" xmlns:p="http://schemas.openxmlformats.org/presentationml/2006/main">
   <p:cSld>
+    <p:bg>
+      <p:bgPr>
+        <a:blipFill>
+          <a:blip r:embed="rId2"/>
+          <a:stretch/>
+        </a:blipFill>
+        <a:effectLst/>
+      </p:bgPr>
+    </p:bg>
     <p:spTree>
       <p:nvGrpSpPr>
         <p:cNvPr id="1" name=""/>
@@ -6995,6 +8843,280 @@
           <a:chExt cx="0" cy="0"/>
         </a:xfrm>
       </p:grpSpPr>
+      <p:sp useBgFill="1">
+        <p:nvSpPr>
+          <p:cNvPr id="22" name="Rectangle 10">
+            <a:extLst>
+              <a:ext uri="{FF2B5EF4-FFF2-40B4-BE49-F238E27FC236}">
+                <a16:creationId xmlns:a16="http://schemas.microsoft.com/office/drawing/2014/main" id="{572F6A24-139E-4EB5-86D2-431F42EF85CB}"/>
+              </a:ext>
+              <a:ext uri="{C183D7F6-B498-43B3-948B-1728B52AA6E4}">
+                <adec:decorative xmlns:adec="http://schemas.microsoft.com/office/drawing/2017/decorative" val="1"/>
+              </a:ext>
+            </a:extLst>
+          </p:cNvPr>
+          <p:cNvSpPr>
+            <a:spLocks noGrp="1" noRot="1" noChangeAspect="1" noMove="1" noResize="1" noEditPoints="1" noAdjustHandles="1" noChangeArrowheads="1" noChangeShapeType="1" noTextEdit="1"/>
+          </p:cNvSpPr>
+          <p:nvPr>
+            <p:extLst>
+              <p:ext uri="{386F3935-93C4-4BCD-93E2-E3B085C9AB24}">
+                <p16:designElem xmlns:p16="http://schemas.microsoft.com/office/powerpoint/2015/main" val="1"/>
+              </p:ext>
+            </p:extLst>
+          </p:nvPr>
+        </p:nvSpPr>
+        <p:spPr>
+          <a:xfrm>
+            <a:off x="0" y="0"/>
+            <a:ext cx="12188952" cy="6858000"/>
+          </a:xfrm>
+          <a:prstGeom prst="rect">
+            <a:avLst/>
+          </a:prstGeom>
+          <a:ln>
+            <a:noFill/>
+          </a:ln>
+        </p:spPr>
+        <p:style>
+          <a:lnRef idx="2">
+            <a:schemeClr val="accent1">
+              <a:shade val="50000"/>
+            </a:schemeClr>
+          </a:lnRef>
+          <a:fillRef idx="1">
+            <a:schemeClr val="accent1"/>
+          </a:fillRef>
+          <a:effectRef idx="0">
+            <a:schemeClr val="accent1"/>
+          </a:effectRef>
+          <a:fontRef idx="minor">
+            <a:schemeClr val="lt1"/>
+          </a:fontRef>
+        </p:style>
+        <p:txBody>
+          <a:bodyPr rtlCol="0" anchor="ctr"/>
+          <a:lstStyle/>
+          <a:p>
+            <a:pPr algn="ctr"/>
+            <a:endParaRPr lang="en-US"/>
+          </a:p>
+        </p:txBody>
+      </p:sp>
+      <p:grpSp>
+        <p:nvGrpSpPr>
+          <p:cNvPr id="23" name="Group 12">
+            <a:extLst>
+              <a:ext uri="{FF2B5EF4-FFF2-40B4-BE49-F238E27FC236}">
+                <a16:creationId xmlns:a16="http://schemas.microsoft.com/office/drawing/2014/main" id="{3963AE85-BE5D-4975-BACF-DDDCC9C2ACDE}"/>
+              </a:ext>
+              <a:ext uri="{C183D7F6-B498-43B3-948B-1728B52AA6E4}">
+                <adec:decorative xmlns:adec="http://schemas.microsoft.com/office/drawing/2017/decorative" val="1"/>
+              </a:ext>
+            </a:extLst>
+          </p:cNvPr>
+          <p:cNvGrpSpPr>
+            <a:grpSpLocks noGrp="1" noUngrp="1" noRot="1" noChangeAspect="1" noMove="1" noResize="1"/>
+          </p:cNvGrpSpPr>
+          <p:nvPr>
+            <p:extLst>
+              <p:ext uri="{386F3935-93C4-4BCD-93E2-E3B085C9AB24}">
+                <p16:designElem xmlns:p16="http://schemas.microsoft.com/office/powerpoint/2015/main" val="1"/>
+              </p:ext>
+            </p:extLst>
+          </p:nvPr>
+        </p:nvGrpSpPr>
+        <p:grpSpPr>
+          <a:xfrm>
+            <a:off x="-15736" y="0"/>
+            <a:ext cx="12229962" cy="6856214"/>
+            <a:chOff x="-15736" y="0"/>
+            <a:chExt cx="12229962" cy="6856214"/>
+          </a:xfrm>
+        </p:grpSpPr>
+        <p:pic>
+          <p:nvPicPr>
+            <p:cNvPr id="14" name="Picture 13">
+              <a:extLst>
+                <a:ext uri="{FF2B5EF4-FFF2-40B4-BE49-F238E27FC236}">
+                  <a16:creationId xmlns:a16="http://schemas.microsoft.com/office/drawing/2014/main" id="{1E7751F0-16BF-4A9D-B778-5D46B92B4470}"/>
+                </a:ext>
+                <a:ext uri="{C183D7F6-B498-43B3-948B-1728B52AA6E4}">
+                  <adec:decorative xmlns:adec="http://schemas.microsoft.com/office/drawing/2017/decorative" val="1"/>
+                </a:ext>
+              </a:extLst>
+            </p:cNvPr>
+            <p:cNvPicPr>
+              <a:picLocks noChangeAspect="1"/>
+            </p:cNvPicPr>
+            <p:nvPr>
+              <p:extLst>
+                <p:ext uri="{386F3935-93C4-4BCD-93E2-E3B085C9AB24}">
+                  <p16:designElem xmlns:p16="http://schemas.microsoft.com/office/powerpoint/2015/main" val="1"/>
+                </p:ext>
+              </p:extLst>
+            </p:nvPr>
+          </p:nvPicPr>
+          <p:blipFill>
+            <a:blip r:embed="rId3">
+              <a:extLst>
+                <a:ext uri="{28A0092B-C50C-407E-A947-70E740481C1C}">
+                  <a14:useLocalDpi xmlns:a14="http://schemas.microsoft.com/office/drawing/2010/main" val="0"/>
+                </a:ext>
+              </a:extLst>
+            </a:blip>
+            <a:stretch>
+              <a:fillRect/>
+            </a:stretch>
+          </p:blipFill>
+          <p:spPr>
+            <a:xfrm>
+              <a:off x="0" y="0"/>
+              <a:ext cx="12188825" cy="6856214"/>
+            </a:xfrm>
+            <a:prstGeom prst="rect">
+              <a:avLst/>
+            </a:prstGeom>
+          </p:spPr>
+        </p:pic>
+        <p:sp>
+          <p:nvSpPr>
+            <p:cNvPr id="15" name="Rectangle 14">
+              <a:extLst>
+                <a:ext uri="{FF2B5EF4-FFF2-40B4-BE49-F238E27FC236}">
+                  <a16:creationId xmlns:a16="http://schemas.microsoft.com/office/drawing/2014/main" id="{1D755924-121A-47AA-8613-995D4108BCDB}"/>
+                </a:ext>
+                <a:ext uri="{C183D7F6-B498-43B3-948B-1728B52AA6E4}">
+                  <adec:decorative xmlns:adec="http://schemas.microsoft.com/office/drawing/2017/decorative" val="1"/>
+                </a:ext>
+              </a:extLst>
+            </p:cNvPr>
+            <p:cNvSpPr/>
+            <p:nvPr>
+              <p:extLst>
+                <p:ext uri="{386F3935-93C4-4BCD-93E2-E3B085C9AB24}">
+                  <p16:designElem xmlns:p16="http://schemas.microsoft.com/office/powerpoint/2015/main" val="1"/>
+                </p:ext>
+              </p:extLst>
+            </p:nvPr>
+          </p:nvSpPr>
+          <p:spPr>
+            <a:xfrm>
+              <a:off x="608012" y="609600"/>
+              <a:ext cx="10972800" cy="5638800"/>
+            </a:xfrm>
+            <a:prstGeom prst="rect">
+              <a:avLst/>
+            </a:prstGeom>
+            <a:noFill/>
+            <a:ln w="15875" cap="flat">
+              <a:miter lim="800000"/>
+            </a:ln>
+          </p:spPr>
+          <p:style>
+            <a:lnRef idx="1">
+              <a:schemeClr val="accent1"/>
+            </a:lnRef>
+            <a:fillRef idx="3">
+              <a:schemeClr val="accent1"/>
+            </a:fillRef>
+            <a:effectRef idx="2">
+              <a:schemeClr val="accent1"/>
+            </a:effectRef>
+            <a:fontRef idx="minor">
+              <a:schemeClr val="lt1"/>
+            </a:fontRef>
+          </p:style>
+        </p:sp>
+        <p:pic>
+          <p:nvPicPr>
+            <p:cNvPr id="16" name="Picture 15">
+              <a:extLst>
+                <a:ext uri="{FF2B5EF4-FFF2-40B4-BE49-F238E27FC236}">
+                  <a16:creationId xmlns:a16="http://schemas.microsoft.com/office/drawing/2014/main" id="{B4D2AFDA-19BE-4455-830E-1541E5D7BAE6}"/>
+                </a:ext>
+                <a:ext uri="{C183D7F6-B498-43B3-948B-1728B52AA6E4}">
+                  <adec:decorative xmlns:adec="http://schemas.microsoft.com/office/drawing/2017/decorative" val="1"/>
+                </a:ext>
+              </a:extLst>
+            </p:cNvPr>
+            <p:cNvPicPr>
+              <a:picLocks noChangeAspect="1"/>
+            </p:cNvPicPr>
+            <p:nvPr>
+              <p:extLst>
+                <p:ext uri="{386F3935-93C4-4BCD-93E2-E3B085C9AB24}">
+                  <p16:designElem xmlns:p16="http://schemas.microsoft.com/office/powerpoint/2015/main" val="1"/>
+                </p:ext>
+              </p:extLst>
+            </p:nvPr>
+          </p:nvPicPr>
+          <p:blipFill rotWithShape="1">
+            <a:blip r:embed="rId4">
+              <a:extLst>
+                <a:ext uri="{28A0092B-C50C-407E-A947-70E740481C1C}">
+                  <a14:useLocalDpi xmlns:a14="http://schemas.microsoft.com/office/drawing/2010/main" val="0"/>
+                </a:ext>
+              </a:extLst>
+            </a:blip>
+            <a:srcRect/>
+            <a:stretch/>
+          </p:blipFill>
+          <p:spPr>
+            <a:xfrm>
+              <a:off x="-15736" y="3153832"/>
+              <a:ext cx="777240" cy="606425"/>
+            </a:xfrm>
+            <a:prstGeom prst="rect">
+              <a:avLst/>
+            </a:prstGeom>
+          </p:spPr>
+        </p:pic>
+        <p:pic>
+          <p:nvPicPr>
+            <p:cNvPr id="17" name="Picture 16">
+              <a:extLst>
+                <a:ext uri="{FF2B5EF4-FFF2-40B4-BE49-F238E27FC236}">
+                  <a16:creationId xmlns:a16="http://schemas.microsoft.com/office/drawing/2014/main" id="{0FB15EBF-E414-4E00-87E7-700A78A60F61}"/>
+                </a:ext>
+                <a:ext uri="{C183D7F6-B498-43B3-948B-1728B52AA6E4}">
+                  <adec:decorative xmlns:adec="http://schemas.microsoft.com/office/drawing/2017/decorative" val="1"/>
+                </a:ext>
+              </a:extLst>
+            </p:cNvPr>
+            <p:cNvPicPr>
+              <a:picLocks noChangeAspect="1"/>
+            </p:cNvPicPr>
+            <p:nvPr>
+              <p:extLst>
+                <p:ext uri="{386F3935-93C4-4BCD-93E2-E3B085C9AB24}">
+                  <p16:designElem xmlns:p16="http://schemas.microsoft.com/office/powerpoint/2015/main" val="1"/>
+                </p:ext>
+              </p:extLst>
+            </p:nvPr>
+          </p:nvPicPr>
+          <p:blipFill rotWithShape="1">
+            <a:blip r:embed="rId4">
+              <a:extLst>
+                <a:ext uri="{28A0092B-C50C-407E-A947-70E740481C1C}">
+                  <a14:useLocalDpi xmlns:a14="http://schemas.microsoft.com/office/drawing/2010/main" val="0"/>
+                </a:ext>
+              </a:extLst>
+            </a:blip>
+            <a:srcRect/>
+            <a:stretch/>
+          </p:blipFill>
+          <p:spPr>
+            <a:xfrm>
+              <a:off x="11436986" y="3153832"/>
+              <a:ext cx="777240" cy="606425"/>
+            </a:xfrm>
+            <a:prstGeom prst="rect">
+              <a:avLst/>
+            </a:prstGeom>
+          </p:spPr>
+        </p:pic>
+      </p:grpSp>
       <p:sp>
         <p:nvSpPr>
           <p:cNvPr id="2" name="Título 1"/>
@@ -7007,36 +9129,8 @@
         </p:nvSpPr>
         <p:spPr>
           <a:xfrm>
-            <a:off x="1295402" y="982132"/>
-            <a:ext cx="7892141" cy="1303867"/>
-          </a:xfrm>
-        </p:spPr>
-        <p:txBody>
-          <a:bodyPr/>
-          <a:lstStyle/>
-          <a:p>
-            <a:r>
-              <a:rPr lang="es-ES" dirty="0" err="1"/>
-              <a:t>Worktab</a:t>
-            </a:r>
-            <a:endParaRPr lang="es-ES" dirty="0"/>
-          </a:p>
-        </p:txBody>
-      </p:sp>
-      <p:sp>
-        <p:nvSpPr>
-          <p:cNvPr id="3" name="Marcador de contenido 2"/>
-          <p:cNvSpPr>
-            <a:spLocks noGrp="1"/>
-          </p:cNvSpPr>
-          <p:nvPr>
-            <p:ph idx="1"/>
-          </p:nvPr>
-        </p:nvSpPr>
-        <p:spPr>
-          <a:xfrm>
-            <a:off x="1295401" y="3230880"/>
-            <a:ext cx="5418908" cy="2644988"/>
+            <a:off x="6094412" y="982132"/>
+            <a:ext cx="4802185" cy="1303867"/>
           </a:xfrm>
         </p:spPr>
         <p:txBody>
@@ -7045,53 +9139,83 @@
           </a:bodyPr>
           <a:lstStyle/>
           <a:p>
-            <a:pPr marL="0" indent="0">
-              <a:buNone/>
-            </a:pPr>
-            <a:r>
-              <a:rPr lang="es-ES" dirty="0" err="1"/>
+            <a:r>
+              <a:rPr lang="es-ES"/>
               <a:t>Worktab</a:t>
             </a:r>
-            <a:r>
-              <a:rPr lang="es-ES" dirty="0"/>
-              <a:t> surgió de la combinación de todas nuestras propuestas.</a:t>
-            </a:r>
-          </a:p>
-          <a:p>
-            <a:pPr marL="0" indent="0">
-              <a:buNone/>
-            </a:pPr>
-            <a:r>
-              <a:rPr lang="es-ES" dirty="0"/>
-              <a:t>Así generamos una aplicación bastante única capaz de organizar el trabajo y motivar al trabajador.</a:t>
-            </a:r>
-          </a:p>
-        </p:txBody>
-      </p:sp>
-      <p:pic>
-        <p:nvPicPr>
-          <p:cNvPr id="5" name="Imagen 4"/>
-          <p:cNvPicPr>
-            <a:picLocks noChangeAspect="1"/>
-          </p:cNvPicPr>
-          <p:nvPr/>
-        </p:nvPicPr>
-        <p:blipFill>
-          <a:blip r:embed="rId2"/>
-          <a:stretch>
-            <a:fillRect/>
-          </a:stretch>
-        </p:blipFill>
-        <p:spPr>
-          <a:xfrm>
-            <a:off x="1501705" y="842925"/>
-            <a:ext cx="1528877" cy="1325509"/>
+            <a:endParaRPr lang="es-ES" dirty="0"/>
+          </a:p>
+        </p:txBody>
+      </p:sp>
+      <p:sp>
+        <p:nvSpPr>
+          <p:cNvPr id="24" name="Rectangle 18">
+            <a:extLst>
+              <a:ext uri="{FF2B5EF4-FFF2-40B4-BE49-F238E27FC236}">
+                <a16:creationId xmlns:a16="http://schemas.microsoft.com/office/drawing/2014/main" id="{C9DA5B05-DD14-4860-AC45-02A8D2EE1AA5}"/>
+              </a:ext>
+              <a:ext uri="{C183D7F6-B498-43B3-948B-1728B52AA6E4}">
+                <adec:decorative xmlns:adec="http://schemas.microsoft.com/office/drawing/2017/decorative" val="1"/>
+              </a:ext>
+            </a:extLst>
+          </p:cNvPr>
+          <p:cNvSpPr>
+            <a:spLocks noGrp="1" noRot="1" noChangeAspect="1" noMove="1" noResize="1" noEditPoints="1" noAdjustHandles="1" noChangeArrowheads="1" noChangeShapeType="1" noTextEdit="1"/>
+          </p:cNvSpPr>
+          <p:nvPr>
+            <p:extLst>
+              <p:ext uri="{386F3935-93C4-4BCD-93E2-E3B085C9AB24}">
+                <p16:designElem xmlns:p16="http://schemas.microsoft.com/office/powerpoint/2015/main" val="1"/>
+              </p:ext>
+            </p:extLst>
+          </p:nvPr>
+        </p:nvSpPr>
+        <p:spPr>
+          <a:xfrm>
+            <a:off x="1092643" y="1092200"/>
+            <a:ext cx="4517009" cy="4515104"/>
           </a:xfrm>
           <a:prstGeom prst="rect">
             <a:avLst/>
           </a:prstGeom>
-        </p:spPr>
-      </p:pic>
+          <a:solidFill>
+            <a:schemeClr val="bg1"/>
+          </a:solidFill>
+          <a:ln w="57150" cmpd="thickThin">
+            <a:solidFill>
+              <a:schemeClr val="tx1">
+                <a:lumMod val="50000"/>
+                <a:lumOff val="50000"/>
+              </a:schemeClr>
+            </a:solidFill>
+            <a:miter lim="800000"/>
+          </a:ln>
+        </p:spPr>
+        <p:style>
+          <a:lnRef idx="2">
+            <a:schemeClr val="accent1">
+              <a:shade val="50000"/>
+            </a:schemeClr>
+          </a:lnRef>
+          <a:fillRef idx="1">
+            <a:schemeClr val="accent1"/>
+          </a:fillRef>
+          <a:effectRef idx="0">
+            <a:schemeClr val="accent1"/>
+          </a:effectRef>
+          <a:fontRef idx="minor">
+            <a:schemeClr val="lt1"/>
+          </a:fontRef>
+        </p:style>
+        <p:txBody>
+          <a:bodyPr rtlCol="0" anchor="ctr"/>
+          <a:lstStyle/>
+          <a:p>
+            <a:pPr algn="ctr"/>
+            <a:endParaRPr lang="en-US"/>
+          </a:p>
+        </p:txBody>
+      </p:sp>
       <p:pic>
         <p:nvPicPr>
           <p:cNvPr id="6" name="Imagen 5"/>
@@ -7100,35 +9224,115 @@
           </p:cNvPicPr>
           <p:nvPr/>
         </p:nvPicPr>
-        <p:blipFill>
-          <a:blip r:embed="rId3"/>
-          <a:stretch>
-            <a:fillRect/>
-          </a:stretch>
+        <p:blipFill rotWithShape="1">
+          <a:blip r:embed="rId5"/>
+          <a:srcRect l="16083" r="16853" b="-2"/>
+          <a:stretch/>
         </p:blipFill>
         <p:spPr>
           <a:xfrm>
-            <a:off x="6984274" y="2686549"/>
-            <a:ext cx="4344216" cy="3059702"/>
-          </a:xfrm>
-          <a:prstGeom prst="roundRect">
-            <a:avLst>
-              <a:gd name="adj" fmla="val 8594"/>
-            </a:avLst>
+            <a:off x="1412683" y="1410208"/>
+            <a:ext cx="3876801" cy="3858780"/>
+          </a:xfrm>
+          <a:prstGeom prst="rect">
+            <a:avLst/>
           </a:prstGeom>
           <a:solidFill>
             <a:srgbClr val="FFFFFF">
               <a:shade val="85000"/>
             </a:srgbClr>
           </a:solidFill>
-          <a:ln>
-            <a:noFill/>
-          </a:ln>
-          <a:effectLst>
-            <a:reflection blurRad="12700" stA="38000" endPos="28000" dist="5000" dir="5400000" sy="-100000" algn="bl" rotWithShape="0"/>
-          </a:effectLst>
         </p:spPr>
       </p:pic>
+      <p:cxnSp>
+        <p:nvCxnSpPr>
+          <p:cNvPr id="21" name="Straight Connector 20">
+            <a:extLst>
+              <a:ext uri="{FF2B5EF4-FFF2-40B4-BE49-F238E27FC236}">
+                <a16:creationId xmlns:a16="http://schemas.microsoft.com/office/drawing/2014/main" id="{36BE37AC-AD36-4C42-9B8C-C5500F4E7C63}"/>
+              </a:ext>
+              <a:ext uri="{C183D7F6-B498-43B3-948B-1728B52AA6E4}">
+                <adec:decorative xmlns:adec="http://schemas.microsoft.com/office/drawing/2017/decorative" val="1"/>
+              </a:ext>
+            </a:extLst>
+          </p:cNvPr>
+          <p:cNvCxnSpPr>
+            <a:cxnSpLocks noGrp="1" noRot="1" noChangeAspect="1" noMove="1" noResize="1" noEditPoints="1" noAdjustHandles="1" noChangeArrowheads="1" noChangeShapeType="1"/>
+          </p:cNvCxnSpPr>
+          <p:nvPr>
+            <p:extLst>
+              <p:ext uri="{386F3935-93C4-4BCD-93E2-E3B085C9AB24}">
+                <p16:designElem xmlns:p16="http://schemas.microsoft.com/office/powerpoint/2015/main" val="1"/>
+              </p:ext>
+            </p:extLst>
+          </p:nvPr>
+        </p:nvCxnSpPr>
+        <p:spPr>
+          <a:xfrm>
+            <a:off x="6094412" y="2400639"/>
+            <a:ext cx="4802185" cy="0"/>
+          </a:xfrm>
+          <a:prstGeom prst="line">
+            <a:avLst/>
+          </a:prstGeom>
+        </p:spPr>
+        <p:style>
+          <a:lnRef idx="2">
+            <a:schemeClr val="accent1"/>
+          </a:lnRef>
+          <a:fillRef idx="0">
+            <a:schemeClr val="accent1"/>
+          </a:fillRef>
+          <a:effectRef idx="1">
+            <a:schemeClr val="accent1"/>
+          </a:effectRef>
+          <a:fontRef idx="minor">
+            <a:schemeClr val="tx1"/>
+          </a:fontRef>
+        </p:style>
+      </p:cxnSp>
+      <p:sp>
+        <p:nvSpPr>
+          <p:cNvPr id="3" name="Marcador de contenido 2"/>
+          <p:cNvSpPr>
+            <a:spLocks noGrp="1"/>
+          </p:cNvSpPr>
+          <p:nvPr>
+            <p:ph idx="1"/>
+          </p:nvPr>
+        </p:nvSpPr>
+        <p:spPr>
+          <a:xfrm>
+            <a:off x="6094412" y="2556932"/>
+            <a:ext cx="4802184" cy="3318936"/>
+          </a:xfrm>
+        </p:spPr>
+        <p:txBody>
+          <a:bodyPr>
+            <a:normAutofit/>
+          </a:bodyPr>
+          <a:lstStyle/>
+          <a:p>
+            <a:pPr marL="0" indent="0">
+              <a:buNone/>
+            </a:pPr>
+            <a:r>
+              <a:rPr lang="es-ES"/>
+              <a:t>Worktab surgió de la combinación de todas nuestras propuestas.</a:t>
+            </a:r>
+          </a:p>
+          <a:p>
+            <a:pPr marL="0" indent="0">
+              <a:buNone/>
+            </a:pPr>
+            <a:r>
+              <a:rPr lang="es-ES"/>
+              <a:t>Así generamos una aplicación bastante única capaz de organizar el trabajo y motivar al trabajador.</a:t>
+            </a:r>
+            <a:endParaRPr lang="es-ES" dirty="0"/>
+          </a:p>
+        </p:txBody>
+      </p:sp>
     </p:spTree>
     <p:extLst>
       <p:ext uri="{BB962C8B-B14F-4D97-AF65-F5344CB8AC3E}">
@@ -7145,6 +9349,15 @@
 <file path=ppt/slides/slide4.xml><?xml version="1.0" encoding="utf-8"?>
 <p:sld xmlns:a="http://schemas.openxmlformats.org/drawingml/2006/main" xmlns:r="http://schemas.openxmlformats.org/officeDocument/2006/relationships" xmlns:p="http://schemas.openxmlformats.org/presentationml/2006/main">
   <p:cSld>
+    <p:bg>
+      <p:bgPr>
+        <a:blipFill>
+          <a:blip r:embed="rId2"/>
+          <a:stretch/>
+        </a:blipFill>
+        <a:effectLst/>
+      </p:bgPr>
+    </p:bg>
     <p:spTree>
       <p:nvGrpSpPr>
         <p:cNvPr id="1" name=""/>
@@ -7159,6 +9372,280 @@
           <a:chExt cx="0" cy="0"/>
         </a:xfrm>
       </p:grpSpPr>
+      <p:sp useBgFill="1">
+        <p:nvSpPr>
+          <p:cNvPr id="9" name="Rectangle 8">
+            <a:extLst>
+              <a:ext uri="{FF2B5EF4-FFF2-40B4-BE49-F238E27FC236}">
+                <a16:creationId xmlns:a16="http://schemas.microsoft.com/office/drawing/2014/main" id="{75E66D3F-14EA-4BCD-819B-EEF581746B88}"/>
+              </a:ext>
+              <a:ext uri="{C183D7F6-B498-43B3-948B-1728B52AA6E4}">
+                <adec:decorative xmlns:adec="http://schemas.microsoft.com/office/drawing/2017/decorative" val="1"/>
+              </a:ext>
+            </a:extLst>
+          </p:cNvPr>
+          <p:cNvSpPr>
+            <a:spLocks noGrp="1" noRot="1" noChangeAspect="1" noMove="1" noResize="1" noEditPoints="1" noAdjustHandles="1" noChangeArrowheads="1" noChangeShapeType="1" noTextEdit="1"/>
+          </p:cNvSpPr>
+          <p:nvPr>
+            <p:extLst>
+              <p:ext uri="{386F3935-93C4-4BCD-93E2-E3B085C9AB24}">
+                <p16:designElem xmlns:p16="http://schemas.microsoft.com/office/powerpoint/2015/main" val="1"/>
+              </p:ext>
+            </p:extLst>
+          </p:nvPr>
+        </p:nvSpPr>
+        <p:spPr>
+          <a:xfrm>
+            <a:off x="0" y="0"/>
+            <a:ext cx="12188952" cy="6858000"/>
+          </a:xfrm>
+          <a:prstGeom prst="rect">
+            <a:avLst/>
+          </a:prstGeom>
+          <a:ln>
+            <a:noFill/>
+          </a:ln>
+        </p:spPr>
+        <p:style>
+          <a:lnRef idx="2">
+            <a:schemeClr val="accent1">
+              <a:shade val="50000"/>
+            </a:schemeClr>
+          </a:lnRef>
+          <a:fillRef idx="1">
+            <a:schemeClr val="accent1"/>
+          </a:fillRef>
+          <a:effectRef idx="0">
+            <a:schemeClr val="accent1"/>
+          </a:effectRef>
+          <a:fontRef idx="minor">
+            <a:schemeClr val="lt1"/>
+          </a:fontRef>
+        </p:style>
+        <p:txBody>
+          <a:bodyPr rtlCol="0" anchor="ctr"/>
+          <a:lstStyle/>
+          <a:p>
+            <a:pPr algn="ctr"/>
+            <a:endParaRPr lang="en-US"/>
+          </a:p>
+        </p:txBody>
+      </p:sp>
+      <p:grpSp>
+        <p:nvGrpSpPr>
+          <p:cNvPr id="11" name="Group 10">
+            <a:extLst>
+              <a:ext uri="{FF2B5EF4-FFF2-40B4-BE49-F238E27FC236}">
+                <a16:creationId xmlns:a16="http://schemas.microsoft.com/office/drawing/2014/main" id="{D49D3EDE-CC3B-4573-A04B-26F32F1B2E7C}"/>
+              </a:ext>
+              <a:ext uri="{C183D7F6-B498-43B3-948B-1728B52AA6E4}">
+                <adec:decorative xmlns:adec="http://schemas.microsoft.com/office/drawing/2017/decorative" val="1"/>
+              </a:ext>
+            </a:extLst>
+          </p:cNvPr>
+          <p:cNvGrpSpPr>
+            <a:grpSpLocks noGrp="1" noUngrp="1" noRot="1" noChangeAspect="1" noMove="1" noResize="1"/>
+          </p:cNvGrpSpPr>
+          <p:nvPr>
+            <p:extLst>
+              <p:ext uri="{386F3935-93C4-4BCD-93E2-E3B085C9AB24}">
+                <p16:designElem xmlns:p16="http://schemas.microsoft.com/office/powerpoint/2015/main" val="1"/>
+              </p:ext>
+            </p:extLst>
+          </p:nvPr>
+        </p:nvGrpSpPr>
+        <p:grpSpPr>
+          <a:xfrm>
+            <a:off x="-15736" y="0"/>
+            <a:ext cx="12229962" cy="6856214"/>
+            <a:chOff x="-15736" y="0"/>
+            <a:chExt cx="12229962" cy="6856214"/>
+          </a:xfrm>
+        </p:grpSpPr>
+        <p:pic>
+          <p:nvPicPr>
+            <p:cNvPr id="12" name="Picture 11">
+              <a:extLst>
+                <a:ext uri="{FF2B5EF4-FFF2-40B4-BE49-F238E27FC236}">
+                  <a16:creationId xmlns:a16="http://schemas.microsoft.com/office/drawing/2014/main" id="{700D0D4B-CC81-434D-B595-71AA691923BC}"/>
+                </a:ext>
+                <a:ext uri="{C183D7F6-B498-43B3-948B-1728B52AA6E4}">
+                  <adec:decorative xmlns:adec="http://schemas.microsoft.com/office/drawing/2017/decorative" val="1"/>
+                </a:ext>
+              </a:extLst>
+            </p:cNvPr>
+            <p:cNvPicPr>
+              <a:picLocks noChangeAspect="1"/>
+            </p:cNvPicPr>
+            <p:nvPr>
+              <p:extLst>
+                <p:ext uri="{386F3935-93C4-4BCD-93E2-E3B085C9AB24}">
+                  <p16:designElem xmlns:p16="http://schemas.microsoft.com/office/powerpoint/2015/main" val="1"/>
+                </p:ext>
+              </p:extLst>
+            </p:nvPr>
+          </p:nvPicPr>
+          <p:blipFill>
+            <a:blip r:embed="rId3">
+              <a:extLst>
+                <a:ext uri="{28A0092B-C50C-407E-A947-70E740481C1C}">
+                  <a14:useLocalDpi xmlns:a14="http://schemas.microsoft.com/office/drawing/2010/main" val="0"/>
+                </a:ext>
+              </a:extLst>
+            </a:blip>
+            <a:stretch>
+              <a:fillRect/>
+            </a:stretch>
+          </p:blipFill>
+          <p:spPr>
+            <a:xfrm>
+              <a:off x="0" y="0"/>
+              <a:ext cx="12188825" cy="6856214"/>
+            </a:xfrm>
+            <a:prstGeom prst="rect">
+              <a:avLst/>
+            </a:prstGeom>
+          </p:spPr>
+        </p:pic>
+        <p:sp>
+          <p:nvSpPr>
+            <p:cNvPr id="13" name="Rectangle 12">
+              <a:extLst>
+                <a:ext uri="{FF2B5EF4-FFF2-40B4-BE49-F238E27FC236}">
+                  <a16:creationId xmlns:a16="http://schemas.microsoft.com/office/drawing/2014/main" id="{B8047919-8C66-4EF3-9979-FB7112EB66A1}"/>
+                </a:ext>
+                <a:ext uri="{C183D7F6-B498-43B3-948B-1728B52AA6E4}">
+                  <adec:decorative xmlns:adec="http://schemas.microsoft.com/office/drawing/2017/decorative" val="1"/>
+                </a:ext>
+              </a:extLst>
+            </p:cNvPr>
+            <p:cNvSpPr/>
+            <p:nvPr>
+              <p:extLst>
+                <p:ext uri="{386F3935-93C4-4BCD-93E2-E3B085C9AB24}">
+                  <p16:designElem xmlns:p16="http://schemas.microsoft.com/office/powerpoint/2015/main" val="1"/>
+                </p:ext>
+              </p:extLst>
+            </p:nvPr>
+          </p:nvSpPr>
+          <p:spPr>
+            <a:xfrm>
+              <a:off x="608012" y="609600"/>
+              <a:ext cx="10972800" cy="5638800"/>
+            </a:xfrm>
+            <a:prstGeom prst="rect">
+              <a:avLst/>
+            </a:prstGeom>
+            <a:noFill/>
+            <a:ln w="15875" cap="flat">
+              <a:miter lim="800000"/>
+            </a:ln>
+          </p:spPr>
+          <p:style>
+            <a:lnRef idx="1">
+              <a:schemeClr val="accent1"/>
+            </a:lnRef>
+            <a:fillRef idx="3">
+              <a:schemeClr val="accent1"/>
+            </a:fillRef>
+            <a:effectRef idx="2">
+              <a:schemeClr val="accent1"/>
+            </a:effectRef>
+            <a:fontRef idx="minor">
+              <a:schemeClr val="lt1"/>
+            </a:fontRef>
+          </p:style>
+        </p:sp>
+        <p:pic>
+          <p:nvPicPr>
+            <p:cNvPr id="14" name="Picture 13">
+              <a:extLst>
+                <a:ext uri="{FF2B5EF4-FFF2-40B4-BE49-F238E27FC236}">
+                  <a16:creationId xmlns:a16="http://schemas.microsoft.com/office/drawing/2014/main" id="{C00195C4-7BCF-469C-A003-AC2F0D2F9109}"/>
+                </a:ext>
+                <a:ext uri="{C183D7F6-B498-43B3-948B-1728B52AA6E4}">
+                  <adec:decorative xmlns:adec="http://schemas.microsoft.com/office/drawing/2017/decorative" val="1"/>
+                </a:ext>
+              </a:extLst>
+            </p:cNvPr>
+            <p:cNvPicPr>
+              <a:picLocks noChangeAspect="1"/>
+            </p:cNvPicPr>
+            <p:nvPr>
+              <p:extLst>
+                <p:ext uri="{386F3935-93C4-4BCD-93E2-E3B085C9AB24}">
+                  <p16:designElem xmlns:p16="http://schemas.microsoft.com/office/powerpoint/2015/main" val="1"/>
+                </p:ext>
+              </p:extLst>
+            </p:nvPr>
+          </p:nvPicPr>
+          <p:blipFill rotWithShape="1">
+            <a:blip r:embed="rId4">
+              <a:extLst>
+                <a:ext uri="{28A0092B-C50C-407E-A947-70E740481C1C}">
+                  <a14:useLocalDpi xmlns:a14="http://schemas.microsoft.com/office/drawing/2010/main" val="0"/>
+                </a:ext>
+              </a:extLst>
+            </a:blip>
+            <a:srcRect/>
+            <a:stretch/>
+          </p:blipFill>
+          <p:spPr>
+            <a:xfrm>
+              <a:off x="-15736" y="3153832"/>
+              <a:ext cx="777240" cy="606425"/>
+            </a:xfrm>
+            <a:prstGeom prst="rect">
+              <a:avLst/>
+            </a:prstGeom>
+          </p:spPr>
+        </p:pic>
+        <p:pic>
+          <p:nvPicPr>
+            <p:cNvPr id="15" name="Picture 14">
+              <a:extLst>
+                <a:ext uri="{FF2B5EF4-FFF2-40B4-BE49-F238E27FC236}">
+                  <a16:creationId xmlns:a16="http://schemas.microsoft.com/office/drawing/2014/main" id="{CEE82425-33CD-4CF1-9623-91BECE687F65}"/>
+                </a:ext>
+                <a:ext uri="{C183D7F6-B498-43B3-948B-1728B52AA6E4}">
+                  <adec:decorative xmlns:adec="http://schemas.microsoft.com/office/drawing/2017/decorative" val="1"/>
+                </a:ext>
+              </a:extLst>
+            </p:cNvPr>
+            <p:cNvPicPr>
+              <a:picLocks noChangeAspect="1"/>
+            </p:cNvPicPr>
+            <p:nvPr>
+              <p:extLst>
+                <p:ext uri="{386F3935-93C4-4BCD-93E2-E3B085C9AB24}">
+                  <p16:designElem xmlns:p16="http://schemas.microsoft.com/office/powerpoint/2015/main" val="1"/>
+                </p:ext>
+              </p:extLst>
+            </p:nvPr>
+          </p:nvPicPr>
+          <p:blipFill rotWithShape="1">
+            <a:blip r:embed="rId4">
+              <a:extLst>
+                <a:ext uri="{28A0092B-C50C-407E-A947-70E740481C1C}">
+                  <a14:useLocalDpi xmlns:a14="http://schemas.microsoft.com/office/drawing/2010/main" val="0"/>
+                </a:ext>
+              </a:extLst>
+            </a:blip>
+            <a:srcRect/>
+            <a:stretch/>
+          </p:blipFill>
+          <p:spPr>
+            <a:xfrm>
+              <a:off x="11436986" y="3153832"/>
+              <a:ext cx="777240" cy="606425"/>
+            </a:xfrm>
+            <a:prstGeom prst="rect">
+              <a:avLst/>
+            </a:prstGeom>
+          </p:spPr>
+        </p:pic>
+      </p:grpSp>
       <p:sp>
         <p:nvSpPr>
           <p:cNvPr id="2" name="Título 1"/>
@@ -7169,13 +9656,24 @@
             <p:ph type="title"/>
           </p:nvPr>
         </p:nvSpPr>
-        <p:spPr/>
-        <p:txBody>
-          <a:bodyPr/>
+        <p:spPr>
+          <a:xfrm>
+            <a:off x="6094412" y="982132"/>
+            <a:ext cx="4802185" cy="1303867"/>
+          </a:xfrm>
+        </p:spPr>
+        <p:txBody>
+          <a:bodyPr>
+            <a:normAutofit/>
+          </a:bodyPr>
           <a:lstStyle/>
           <a:p>
             <a:r>
-              <a:rPr lang="es-ES" dirty="0"/>
+              <a:rPr lang="es-ES">
+                <a:solidFill>
+                  <a:srgbClr val="262626"/>
+                </a:solidFill>
+              </a:rPr>
               <a:t>¿A quién va dirigido?</a:t>
             </a:r>
           </a:p>
@@ -7183,6 +9681,152 @@
       </p:sp>
       <p:sp>
         <p:nvSpPr>
+          <p:cNvPr id="17" name="Rectangle 16">
+            <a:extLst>
+              <a:ext uri="{FF2B5EF4-FFF2-40B4-BE49-F238E27FC236}">
+                <a16:creationId xmlns:a16="http://schemas.microsoft.com/office/drawing/2014/main" id="{DD5289D1-D3B7-4C53-823E-280A79C02EBF}"/>
+              </a:ext>
+              <a:ext uri="{C183D7F6-B498-43B3-948B-1728B52AA6E4}">
+                <adec:decorative xmlns:adec="http://schemas.microsoft.com/office/drawing/2017/decorative" val="1"/>
+              </a:ext>
+            </a:extLst>
+          </p:cNvPr>
+          <p:cNvSpPr>
+            <a:spLocks noGrp="1" noRot="1" noChangeAspect="1" noMove="1" noResize="1" noEditPoints="1" noAdjustHandles="1" noChangeArrowheads="1" noChangeShapeType="1" noTextEdit="1"/>
+          </p:cNvSpPr>
+          <p:nvPr>
+            <p:extLst>
+              <p:ext uri="{386F3935-93C4-4BCD-93E2-E3B085C9AB24}">
+                <p16:designElem xmlns:p16="http://schemas.microsoft.com/office/powerpoint/2015/main" val="1"/>
+              </p:ext>
+            </p:extLst>
+          </p:nvPr>
+        </p:nvSpPr>
+        <p:spPr>
+          <a:xfrm>
+            <a:off x="1092643" y="1092200"/>
+            <a:ext cx="4517009" cy="4515104"/>
+          </a:xfrm>
+          <a:prstGeom prst="rect">
+            <a:avLst/>
+          </a:prstGeom>
+          <a:solidFill>
+            <a:schemeClr val="bg1"/>
+          </a:solidFill>
+          <a:ln w="57150" cmpd="thickThin">
+            <a:solidFill>
+              <a:schemeClr val="tx1">
+                <a:lumMod val="50000"/>
+                <a:lumOff val="50000"/>
+              </a:schemeClr>
+            </a:solidFill>
+            <a:miter lim="800000"/>
+          </a:ln>
+        </p:spPr>
+        <p:style>
+          <a:lnRef idx="2">
+            <a:schemeClr val="accent1">
+              <a:shade val="50000"/>
+            </a:schemeClr>
+          </a:lnRef>
+          <a:fillRef idx="1">
+            <a:schemeClr val="accent1"/>
+          </a:fillRef>
+          <a:effectRef idx="0">
+            <a:schemeClr val="accent1"/>
+          </a:effectRef>
+          <a:fontRef idx="minor">
+            <a:schemeClr val="lt1"/>
+          </a:fontRef>
+        </p:style>
+        <p:txBody>
+          <a:bodyPr rtlCol="0" anchor="ctr"/>
+          <a:lstStyle/>
+          <a:p>
+            <a:pPr algn="ctr"/>
+            <a:endParaRPr lang="en-US"/>
+          </a:p>
+        </p:txBody>
+      </p:sp>
+      <p:pic>
+        <p:nvPicPr>
+          <p:cNvPr id="4" name="Imagen 3">
+            <a:extLst>
+              <a:ext uri="{FF2B5EF4-FFF2-40B4-BE49-F238E27FC236}">
+                <a16:creationId xmlns:a16="http://schemas.microsoft.com/office/drawing/2014/main" id="{F3852A9D-947B-F445-7725-30400774EF38}"/>
+              </a:ext>
+            </a:extLst>
+          </p:cNvPr>
+          <p:cNvPicPr>
+            <a:picLocks noChangeAspect="1"/>
+          </p:cNvPicPr>
+          <p:nvPr/>
+        </p:nvPicPr>
+        <p:blipFill>
+          <a:blip r:embed="rId5"/>
+          <a:stretch>
+            <a:fillRect/>
+          </a:stretch>
+        </p:blipFill>
+        <p:spPr>
+          <a:xfrm>
+            <a:off x="1421693" y="1410208"/>
+            <a:ext cx="3858780" cy="3858780"/>
+          </a:xfrm>
+          <a:prstGeom prst="rect">
+            <a:avLst/>
+          </a:prstGeom>
+        </p:spPr>
+      </p:pic>
+      <p:cxnSp>
+        <p:nvCxnSpPr>
+          <p:cNvPr id="19" name="Straight Connector 18">
+            <a:extLst>
+              <a:ext uri="{FF2B5EF4-FFF2-40B4-BE49-F238E27FC236}">
+                <a16:creationId xmlns:a16="http://schemas.microsoft.com/office/drawing/2014/main" id="{A456CE10-0EE3-4503-ACF3-1D53A6FDBBBF}"/>
+              </a:ext>
+              <a:ext uri="{C183D7F6-B498-43B3-948B-1728B52AA6E4}">
+                <adec:decorative xmlns:adec="http://schemas.microsoft.com/office/drawing/2017/decorative" val="1"/>
+              </a:ext>
+            </a:extLst>
+          </p:cNvPr>
+          <p:cNvCxnSpPr>
+            <a:cxnSpLocks noGrp="1" noRot="1" noChangeAspect="1" noMove="1" noResize="1" noEditPoints="1" noAdjustHandles="1" noChangeArrowheads="1" noChangeShapeType="1"/>
+          </p:cNvCxnSpPr>
+          <p:nvPr>
+            <p:extLst>
+              <p:ext uri="{386F3935-93C4-4BCD-93E2-E3B085C9AB24}">
+                <p16:designElem xmlns:p16="http://schemas.microsoft.com/office/powerpoint/2015/main" val="1"/>
+              </p:ext>
+            </p:extLst>
+          </p:nvPr>
+        </p:nvCxnSpPr>
+        <p:spPr>
+          <a:xfrm>
+            <a:off x="6094412" y="2400639"/>
+            <a:ext cx="4802185" cy="0"/>
+          </a:xfrm>
+          <a:prstGeom prst="line">
+            <a:avLst/>
+          </a:prstGeom>
+        </p:spPr>
+        <p:style>
+          <a:lnRef idx="2">
+            <a:schemeClr val="accent1"/>
+          </a:lnRef>
+          <a:fillRef idx="0">
+            <a:schemeClr val="accent1"/>
+          </a:fillRef>
+          <a:effectRef idx="1">
+            <a:schemeClr val="accent1"/>
+          </a:effectRef>
+          <a:fontRef idx="minor">
+            <a:schemeClr val="tx1"/>
+          </a:fontRef>
+        </p:style>
+      </p:cxnSp>
+      <p:sp>
+        <p:nvSpPr>
           <p:cNvPr id="3" name="Marcador de contenido 2"/>
           <p:cNvSpPr>
             <a:spLocks noGrp="1"/>
@@ -7193,22 +9837,32 @@
         </p:nvSpPr>
         <p:spPr>
           <a:xfrm>
-            <a:off x="1295401" y="2769326"/>
-            <a:ext cx="9601196" cy="3106542"/>
-          </a:xfrm>
-        </p:spPr>
-        <p:txBody>
-          <a:bodyPr/>
+            <a:off x="6094412" y="2556932"/>
+            <a:ext cx="4802184" cy="3318936"/>
+          </a:xfrm>
+        </p:spPr>
+        <p:txBody>
+          <a:bodyPr>
+            <a:normAutofit/>
+          </a:bodyPr>
           <a:lstStyle/>
           <a:p>
             <a:r>
-              <a:rPr lang="es-ES" dirty="0"/>
+              <a:rPr lang="es-ES" dirty="0">
+                <a:solidFill>
+                  <a:srgbClr val="262626"/>
+                </a:solidFill>
+              </a:rPr>
               <a:t>Empleados</a:t>
             </a:r>
           </a:p>
           <a:p>
             <a:r>
-              <a:rPr lang="es-ES" dirty="0"/>
+              <a:rPr lang="es-ES" dirty="0">
+                <a:solidFill>
+                  <a:srgbClr val="262626"/>
+                </a:solidFill>
+              </a:rPr>
               <a:t>Empresas</a:t>
             </a:r>
           </a:p>
@@ -7230,6 +9884,15 @@
 <file path=ppt/slides/slide5.xml><?xml version="1.0" encoding="utf-8"?>
 <p:sld xmlns:a="http://schemas.openxmlformats.org/drawingml/2006/main" xmlns:r="http://schemas.openxmlformats.org/officeDocument/2006/relationships" xmlns:p="http://schemas.openxmlformats.org/presentationml/2006/main">
   <p:cSld>
+    <p:bg>
+      <p:bgPr>
+        <a:blipFill>
+          <a:blip r:embed="rId2"/>
+          <a:stretch/>
+        </a:blipFill>
+        <a:effectLst/>
+      </p:bgPr>
+    </p:bg>
     <p:spTree>
       <p:nvGrpSpPr>
         <p:cNvPr id="1" name=""/>
@@ -7244,6 +9907,280 @@
           <a:chExt cx="0" cy="0"/>
         </a:xfrm>
       </p:grpSpPr>
+      <p:sp useBgFill="1">
+        <p:nvSpPr>
+          <p:cNvPr id="25" name="Rectangle 8">
+            <a:extLst>
+              <a:ext uri="{FF2B5EF4-FFF2-40B4-BE49-F238E27FC236}">
+                <a16:creationId xmlns:a16="http://schemas.microsoft.com/office/drawing/2014/main" id="{7E61F402-3445-458A-9A2B-D28FD288390C}"/>
+              </a:ext>
+              <a:ext uri="{C183D7F6-B498-43B3-948B-1728B52AA6E4}">
+                <adec:decorative xmlns:adec="http://schemas.microsoft.com/office/drawing/2017/decorative" val="1"/>
+              </a:ext>
+            </a:extLst>
+          </p:cNvPr>
+          <p:cNvSpPr>
+            <a:spLocks noGrp="1" noRot="1" noChangeAspect="1" noMove="1" noResize="1" noEditPoints="1" noAdjustHandles="1" noChangeArrowheads="1" noChangeShapeType="1" noTextEdit="1"/>
+          </p:cNvSpPr>
+          <p:nvPr>
+            <p:extLst>
+              <p:ext uri="{386F3935-93C4-4BCD-93E2-E3B085C9AB24}">
+                <p16:designElem xmlns:p16="http://schemas.microsoft.com/office/powerpoint/2015/main" val="1"/>
+              </p:ext>
+            </p:extLst>
+          </p:nvPr>
+        </p:nvSpPr>
+        <p:spPr>
+          <a:xfrm>
+            <a:off x="0" y="0"/>
+            <a:ext cx="12188952" cy="6858000"/>
+          </a:xfrm>
+          <a:prstGeom prst="rect">
+            <a:avLst/>
+          </a:prstGeom>
+          <a:ln>
+            <a:noFill/>
+          </a:ln>
+        </p:spPr>
+        <p:style>
+          <a:lnRef idx="2">
+            <a:schemeClr val="accent1">
+              <a:shade val="50000"/>
+            </a:schemeClr>
+          </a:lnRef>
+          <a:fillRef idx="1">
+            <a:schemeClr val="accent1"/>
+          </a:fillRef>
+          <a:effectRef idx="0">
+            <a:schemeClr val="accent1"/>
+          </a:effectRef>
+          <a:fontRef idx="minor">
+            <a:schemeClr val="lt1"/>
+          </a:fontRef>
+        </p:style>
+        <p:txBody>
+          <a:bodyPr rtlCol="0" anchor="ctr"/>
+          <a:lstStyle/>
+          <a:p>
+            <a:pPr algn="ctr"/>
+            <a:endParaRPr lang="en-US"/>
+          </a:p>
+        </p:txBody>
+      </p:sp>
+      <p:grpSp>
+        <p:nvGrpSpPr>
+          <p:cNvPr id="11" name="Group 10">
+            <a:extLst>
+              <a:ext uri="{FF2B5EF4-FFF2-40B4-BE49-F238E27FC236}">
+                <a16:creationId xmlns:a16="http://schemas.microsoft.com/office/drawing/2014/main" id="{A673C096-95AE-4644-B76C-1DF1B667DC44}"/>
+              </a:ext>
+              <a:ext uri="{C183D7F6-B498-43B3-948B-1728B52AA6E4}">
+                <adec:decorative xmlns:adec="http://schemas.microsoft.com/office/drawing/2017/decorative" val="1"/>
+              </a:ext>
+            </a:extLst>
+          </p:cNvPr>
+          <p:cNvGrpSpPr>
+            <a:grpSpLocks noGrp="1" noUngrp="1" noRot="1" noChangeAspect="1" noMove="1" noResize="1"/>
+          </p:cNvGrpSpPr>
+          <p:nvPr>
+            <p:extLst>
+              <p:ext uri="{386F3935-93C4-4BCD-93E2-E3B085C9AB24}">
+                <p16:designElem xmlns:p16="http://schemas.microsoft.com/office/powerpoint/2015/main" val="1"/>
+              </p:ext>
+            </p:extLst>
+          </p:nvPr>
+        </p:nvGrpSpPr>
+        <p:grpSpPr>
+          <a:xfrm>
+            <a:off x="-15736" y="0"/>
+            <a:ext cx="12229962" cy="6856214"/>
+            <a:chOff x="-15736" y="0"/>
+            <a:chExt cx="12229962" cy="6856214"/>
+          </a:xfrm>
+        </p:grpSpPr>
+        <p:pic>
+          <p:nvPicPr>
+            <p:cNvPr id="12" name="Picture 11">
+              <a:extLst>
+                <a:ext uri="{FF2B5EF4-FFF2-40B4-BE49-F238E27FC236}">
+                  <a16:creationId xmlns:a16="http://schemas.microsoft.com/office/drawing/2014/main" id="{77A91835-418B-4867-87D7-1376A57F3F75}"/>
+                </a:ext>
+                <a:ext uri="{C183D7F6-B498-43B3-948B-1728B52AA6E4}">
+                  <adec:decorative xmlns:adec="http://schemas.microsoft.com/office/drawing/2017/decorative" val="1"/>
+                </a:ext>
+              </a:extLst>
+            </p:cNvPr>
+            <p:cNvPicPr>
+              <a:picLocks noChangeAspect="1"/>
+            </p:cNvPicPr>
+            <p:nvPr>
+              <p:extLst>
+                <p:ext uri="{386F3935-93C4-4BCD-93E2-E3B085C9AB24}">
+                  <p16:designElem xmlns:p16="http://schemas.microsoft.com/office/powerpoint/2015/main" val="1"/>
+                </p:ext>
+              </p:extLst>
+            </p:nvPr>
+          </p:nvPicPr>
+          <p:blipFill>
+            <a:blip r:embed="rId3">
+              <a:extLst>
+                <a:ext uri="{28A0092B-C50C-407E-A947-70E740481C1C}">
+                  <a14:useLocalDpi xmlns:a14="http://schemas.microsoft.com/office/drawing/2010/main" val="0"/>
+                </a:ext>
+              </a:extLst>
+            </a:blip>
+            <a:stretch>
+              <a:fillRect/>
+            </a:stretch>
+          </p:blipFill>
+          <p:spPr>
+            <a:xfrm>
+              <a:off x="0" y="0"/>
+              <a:ext cx="12188825" cy="6856214"/>
+            </a:xfrm>
+            <a:prstGeom prst="rect">
+              <a:avLst/>
+            </a:prstGeom>
+          </p:spPr>
+        </p:pic>
+        <p:sp>
+          <p:nvSpPr>
+            <p:cNvPr id="13" name="Rectangle 12">
+              <a:extLst>
+                <a:ext uri="{FF2B5EF4-FFF2-40B4-BE49-F238E27FC236}">
+                  <a16:creationId xmlns:a16="http://schemas.microsoft.com/office/drawing/2014/main" id="{65B511A1-E0EC-49FE-8068-9DA29CD00E96}"/>
+                </a:ext>
+                <a:ext uri="{C183D7F6-B498-43B3-948B-1728B52AA6E4}">
+                  <adec:decorative xmlns:adec="http://schemas.microsoft.com/office/drawing/2017/decorative" val="1"/>
+                </a:ext>
+              </a:extLst>
+            </p:cNvPr>
+            <p:cNvSpPr/>
+            <p:nvPr>
+              <p:extLst>
+                <p:ext uri="{386F3935-93C4-4BCD-93E2-E3B085C9AB24}">
+                  <p16:designElem xmlns:p16="http://schemas.microsoft.com/office/powerpoint/2015/main" val="1"/>
+                </p:ext>
+              </p:extLst>
+            </p:nvPr>
+          </p:nvSpPr>
+          <p:spPr>
+            <a:xfrm>
+              <a:off x="608012" y="609600"/>
+              <a:ext cx="10972800" cy="5638800"/>
+            </a:xfrm>
+            <a:prstGeom prst="rect">
+              <a:avLst/>
+            </a:prstGeom>
+            <a:noFill/>
+            <a:ln w="15875" cap="flat">
+              <a:miter lim="800000"/>
+            </a:ln>
+          </p:spPr>
+          <p:style>
+            <a:lnRef idx="1">
+              <a:schemeClr val="accent1"/>
+            </a:lnRef>
+            <a:fillRef idx="3">
+              <a:schemeClr val="accent1"/>
+            </a:fillRef>
+            <a:effectRef idx="2">
+              <a:schemeClr val="accent1"/>
+            </a:effectRef>
+            <a:fontRef idx="minor">
+              <a:schemeClr val="lt1"/>
+            </a:fontRef>
+          </p:style>
+        </p:sp>
+        <p:pic>
+          <p:nvPicPr>
+            <p:cNvPr id="14" name="Picture 13">
+              <a:extLst>
+                <a:ext uri="{FF2B5EF4-FFF2-40B4-BE49-F238E27FC236}">
+                  <a16:creationId xmlns:a16="http://schemas.microsoft.com/office/drawing/2014/main" id="{4A61BC5F-ADA4-4DBA-9C6B-E17E0B82EC54}"/>
+                </a:ext>
+                <a:ext uri="{C183D7F6-B498-43B3-948B-1728B52AA6E4}">
+                  <adec:decorative xmlns:adec="http://schemas.microsoft.com/office/drawing/2017/decorative" val="1"/>
+                </a:ext>
+              </a:extLst>
+            </p:cNvPr>
+            <p:cNvPicPr>
+              <a:picLocks noChangeAspect="1"/>
+            </p:cNvPicPr>
+            <p:nvPr>
+              <p:extLst>
+                <p:ext uri="{386F3935-93C4-4BCD-93E2-E3B085C9AB24}">
+                  <p16:designElem xmlns:p16="http://schemas.microsoft.com/office/powerpoint/2015/main" val="1"/>
+                </p:ext>
+              </p:extLst>
+            </p:nvPr>
+          </p:nvPicPr>
+          <p:blipFill rotWithShape="1">
+            <a:blip r:embed="rId4">
+              <a:extLst>
+                <a:ext uri="{28A0092B-C50C-407E-A947-70E740481C1C}">
+                  <a14:useLocalDpi xmlns:a14="http://schemas.microsoft.com/office/drawing/2010/main" val="0"/>
+                </a:ext>
+              </a:extLst>
+            </a:blip>
+            <a:srcRect/>
+            <a:stretch/>
+          </p:blipFill>
+          <p:spPr>
+            <a:xfrm>
+              <a:off x="-15736" y="3153832"/>
+              <a:ext cx="777240" cy="606425"/>
+            </a:xfrm>
+            <a:prstGeom prst="rect">
+              <a:avLst/>
+            </a:prstGeom>
+          </p:spPr>
+        </p:pic>
+        <p:pic>
+          <p:nvPicPr>
+            <p:cNvPr id="26" name="Picture 14">
+              <a:extLst>
+                <a:ext uri="{FF2B5EF4-FFF2-40B4-BE49-F238E27FC236}">
+                  <a16:creationId xmlns:a16="http://schemas.microsoft.com/office/drawing/2014/main" id="{1CE6F7D2-ACED-47D2-BEFD-FB26F75374A1}"/>
+                </a:ext>
+                <a:ext uri="{C183D7F6-B498-43B3-948B-1728B52AA6E4}">
+                  <adec:decorative xmlns:adec="http://schemas.microsoft.com/office/drawing/2017/decorative" val="1"/>
+                </a:ext>
+              </a:extLst>
+            </p:cNvPr>
+            <p:cNvPicPr>
+              <a:picLocks noChangeAspect="1"/>
+            </p:cNvPicPr>
+            <p:nvPr>
+              <p:extLst>
+                <p:ext uri="{386F3935-93C4-4BCD-93E2-E3B085C9AB24}">
+                  <p16:designElem xmlns:p16="http://schemas.microsoft.com/office/powerpoint/2015/main" val="1"/>
+                </p:ext>
+              </p:extLst>
+            </p:nvPr>
+          </p:nvPicPr>
+          <p:blipFill rotWithShape="1">
+            <a:blip r:embed="rId4">
+              <a:extLst>
+                <a:ext uri="{28A0092B-C50C-407E-A947-70E740481C1C}">
+                  <a14:useLocalDpi xmlns:a14="http://schemas.microsoft.com/office/drawing/2010/main" val="0"/>
+                </a:ext>
+              </a:extLst>
+            </a:blip>
+            <a:srcRect/>
+            <a:stretch/>
+          </p:blipFill>
+          <p:spPr>
+            <a:xfrm>
+              <a:off x="11436986" y="3153832"/>
+              <a:ext cx="777240" cy="606425"/>
+            </a:xfrm>
+            <a:prstGeom prst="rect">
+              <a:avLst/>
+            </a:prstGeom>
+          </p:spPr>
+        </p:pic>
+      </p:grpSp>
       <p:sp>
         <p:nvSpPr>
           <p:cNvPr id="2" name="Título 1"/>
@@ -7257,20 +10194,73 @@
         <p:spPr>
           <a:xfrm>
             <a:off x="1295402" y="982132"/>
-            <a:ext cx="3328849" cy="1303867"/>
-          </a:xfrm>
-        </p:spPr>
-        <p:txBody>
-          <a:bodyPr/>
+            <a:ext cx="3660056" cy="1325373"/>
+          </a:xfrm>
+        </p:spPr>
+        <p:txBody>
+          <a:bodyPr anchor="b">
+            <a:normAutofit/>
+          </a:bodyPr>
           <a:lstStyle/>
           <a:p>
             <a:r>
-              <a:rPr lang="es-ES" dirty="0"/>
+              <a:rPr lang="es-ES" sz="2800">
+                <a:solidFill>
+                  <a:srgbClr val="262626"/>
+                </a:solidFill>
+              </a:rPr>
               <a:t>El Logo</a:t>
             </a:r>
           </a:p>
         </p:txBody>
       </p:sp>
+      <p:cxnSp>
+        <p:nvCxnSpPr>
+          <p:cNvPr id="27" name="Straight Connector 16">
+            <a:extLst>
+              <a:ext uri="{FF2B5EF4-FFF2-40B4-BE49-F238E27FC236}">
+                <a16:creationId xmlns:a16="http://schemas.microsoft.com/office/drawing/2014/main" id="{2BE880E9-2B86-4CDB-B5B7-308745CDD19D}"/>
+              </a:ext>
+              <a:ext uri="{C183D7F6-B498-43B3-948B-1728B52AA6E4}">
+                <adec:decorative xmlns:adec="http://schemas.microsoft.com/office/drawing/2017/decorative" val="1"/>
+              </a:ext>
+            </a:extLst>
+          </p:cNvPr>
+          <p:cNvCxnSpPr>
+            <a:cxnSpLocks noGrp="1" noRot="1" noChangeAspect="1" noMove="1" noResize="1" noEditPoints="1" noAdjustHandles="1" noChangeArrowheads="1" noChangeShapeType="1"/>
+          </p:cNvCxnSpPr>
+          <p:nvPr>
+            <p:extLst>
+              <p:ext uri="{386F3935-93C4-4BCD-93E2-E3B085C9AB24}">
+                <p16:designElem xmlns:p16="http://schemas.microsoft.com/office/powerpoint/2015/main" val="1"/>
+              </p:ext>
+            </p:extLst>
+          </p:nvPr>
+        </p:nvCxnSpPr>
+        <p:spPr>
+          <a:xfrm>
+            <a:off x="1295401" y="2400639"/>
+            <a:ext cx="3660057" cy="0"/>
+          </a:xfrm>
+          <a:prstGeom prst="line">
+            <a:avLst/>
+          </a:prstGeom>
+        </p:spPr>
+        <p:style>
+          <a:lnRef idx="2">
+            <a:schemeClr val="accent1"/>
+          </a:lnRef>
+          <a:fillRef idx="0">
+            <a:schemeClr val="accent1"/>
+          </a:fillRef>
+          <a:effectRef idx="1">
+            <a:schemeClr val="accent1"/>
+          </a:effectRef>
+          <a:fontRef idx="minor">
+            <a:schemeClr val="tx1"/>
+          </a:fontRef>
+        </p:style>
+      </p:cxnSp>
       <p:sp>
         <p:nvSpPr>
           <p:cNvPr id="3" name="Marcador de contenido 2"/>
@@ -7283,16 +10273,23 @@
         </p:nvSpPr>
         <p:spPr>
           <a:xfrm>
-            <a:off x="1295401" y="4606834"/>
-            <a:ext cx="8344988" cy="1269033"/>
-          </a:xfrm>
-        </p:spPr>
-        <p:txBody>
-          <a:bodyPr/>
+            <a:off x="1295401" y="2493774"/>
+            <a:ext cx="3660057" cy="3382094"/>
+          </a:xfrm>
+        </p:spPr>
+        <p:txBody>
+          <a:bodyPr>
+            <a:normAutofit/>
+          </a:bodyPr>
           <a:lstStyle/>
           <a:p>
-            <a:r>
-              <a:rPr lang="es-ES" dirty="0"/>
+            <a:pPr algn="ctr"/>
+            <a:r>
+              <a:rPr lang="es-ES" sz="1600" dirty="0">
+                <a:solidFill>
+                  <a:srgbClr val="262626"/>
+                </a:solidFill>
+              </a:rPr>
               <a:t>El logo está todavía en desarrollo</a:t>
             </a:r>
           </a:p>
@@ -7307,7 +10304,7 @@
           <p:nvPr/>
         </p:nvPicPr>
         <p:blipFill>
-          <a:blip r:embed="rId2">
+          <a:blip r:embed="rId5">
             <a:extLst>
               <a:ext uri="{28A0092B-C50C-407E-A947-70E740481C1C}">
                 <a14:useLocalDpi xmlns:a14="http://schemas.microsoft.com/office/drawing/2010/main" val="0"/>
@@ -7320,12 +10317,18 @@
         </p:blipFill>
         <p:spPr>
           <a:xfrm>
-            <a:off x="4624251" y="2554997"/>
-            <a:ext cx="1532709" cy="1449976"/>
+            <a:off x="6986906" y="1948102"/>
+            <a:ext cx="2932472" cy="2961796"/>
           </a:xfrm>
           <a:prstGeom prst="rect">
             <a:avLst/>
           </a:prstGeom>
+          <a:ln w="57150" cmpd="thickThin">
+            <a:solidFill>
+              <a:srgbClr val="7F7F7F"/>
+            </a:solidFill>
+            <a:miter lim="800000"/>
+          </a:ln>
         </p:spPr>
       </p:pic>
     </p:spTree>
@@ -7344,6 +10347,15 @@
 <file path=ppt/slides/slide6.xml><?xml version="1.0" encoding="utf-8"?>
 <p:sld xmlns:a="http://schemas.openxmlformats.org/drawingml/2006/main" xmlns:r="http://schemas.openxmlformats.org/officeDocument/2006/relationships" xmlns:p="http://schemas.openxmlformats.org/presentationml/2006/main">
   <p:cSld>
+    <p:bg>
+      <p:bgPr>
+        <a:blipFill>
+          <a:blip r:embed="rId2"/>
+          <a:stretch/>
+        </a:blipFill>
+        <a:effectLst/>
+      </p:bgPr>
+    </p:bg>
     <p:spTree>
       <p:nvGrpSpPr>
         <p:cNvPr id="1" name=""/>
@@ -7368,41 +10380,21 @@
             <p:ph type="title"/>
           </p:nvPr>
         </p:nvSpPr>
-        <p:spPr/>
-        <p:txBody>
-          <a:bodyPr/>
+        <p:spPr>
+          <a:xfrm>
+            <a:off x="1295402" y="982132"/>
+            <a:ext cx="9601196" cy="1303867"/>
+          </a:xfrm>
+        </p:spPr>
+        <p:txBody>
+          <a:bodyPr>
+            <a:normAutofit/>
+          </a:bodyPr>
           <a:lstStyle/>
           <a:p>
             <a:r>
               <a:rPr lang="es-ES" dirty="0"/>
               <a:t>Nombre de la aplicación </a:t>
-            </a:r>
-          </a:p>
-        </p:txBody>
-      </p:sp>
-      <p:sp>
-        <p:nvSpPr>
-          <p:cNvPr id="3" name="Marcador de contenido 2"/>
-          <p:cNvSpPr>
-            <a:spLocks noGrp="1"/>
-          </p:cNvSpPr>
-          <p:nvPr>
-            <p:ph idx="1"/>
-          </p:nvPr>
-        </p:nvSpPr>
-        <p:spPr>
-          <a:xfrm>
-            <a:off x="1460864" y="2979539"/>
-            <a:ext cx="5340530" cy="2479525"/>
-          </a:xfrm>
-        </p:spPr>
-        <p:txBody>
-          <a:bodyPr/>
-          <a:lstStyle/>
-          <a:p>
-            <a:r>
-              <a:rPr lang="es-ES" dirty="0"/>
-              <a:t>El nombre se debe a cómo utilizamos la navegación entre pestañas para desempeñar las diferentes funcionalidades que tiene nuestra aplicación.</a:t>
             </a:r>
           </a:p>
         </p:txBody>
@@ -7415,22 +10407,59 @@
           </p:cNvPicPr>
           <p:nvPr/>
         </p:nvPicPr>
-        <p:blipFill>
-          <a:blip r:embed="rId2"/>
-          <a:stretch>
-            <a:fillRect/>
-          </a:stretch>
+        <p:blipFill rotWithShape="1">
+          <a:blip r:embed="rId3"/>
+          <a:srcRect l="17218" r="25684" b="-2"/>
+          <a:stretch/>
         </p:blipFill>
         <p:spPr>
           <a:xfrm>
-            <a:off x="7393579" y="2690950"/>
-            <a:ext cx="3276598" cy="2768114"/>
+            <a:off x="1434269" y="2701180"/>
+            <a:ext cx="2739728" cy="2852640"/>
           </a:xfrm>
           <a:prstGeom prst="rect">
             <a:avLst/>
           </a:prstGeom>
+          <a:ln w="57150" cmpd="thickThin">
+            <a:solidFill>
+              <a:schemeClr val="tx1">
+                <a:lumMod val="50000"/>
+                <a:lumOff val="50000"/>
+              </a:schemeClr>
+            </a:solidFill>
+            <a:miter lim="800000"/>
+          </a:ln>
         </p:spPr>
       </p:pic>
+      <p:sp>
+        <p:nvSpPr>
+          <p:cNvPr id="3" name="Marcador de contenido 2"/>
+          <p:cNvSpPr>
+            <a:spLocks noGrp="1"/>
+          </p:cNvSpPr>
+          <p:nvPr>
+            <p:ph idx="1"/>
+          </p:nvPr>
+        </p:nvSpPr>
+        <p:spPr>
+          <a:xfrm>
+            <a:off x="4639732" y="2556932"/>
+            <a:ext cx="6256863" cy="3318936"/>
+          </a:xfrm>
+        </p:spPr>
+        <p:txBody>
+          <a:bodyPr>
+            <a:normAutofit/>
+          </a:bodyPr>
+          <a:lstStyle/>
+          <a:p>
+            <a:r>
+              <a:rPr lang="es-ES" dirty="0"/>
+              <a:t>El nombre se debe a cómo utilizamos la navegación entre pestañas para desempeñar las diferentes funcionalidades que tiene nuestra aplicación.</a:t>
+            </a:r>
+          </a:p>
+        </p:txBody>
+      </p:sp>
     </p:spTree>
     <p:extLst>
       <p:ext uri="{BB962C8B-B14F-4D97-AF65-F5344CB8AC3E}">
@@ -7447,6 +10476,15 @@
 <file path=ppt/slides/slide7.xml><?xml version="1.0" encoding="utf-8"?>
 <p:sld xmlns:a="http://schemas.openxmlformats.org/drawingml/2006/main" xmlns:r="http://schemas.openxmlformats.org/officeDocument/2006/relationships" xmlns:p="http://schemas.openxmlformats.org/presentationml/2006/main">
   <p:cSld>
+    <p:bg>
+      <p:bgPr>
+        <a:blipFill>
+          <a:blip r:embed="rId2"/>
+          <a:stretch/>
+        </a:blipFill>
+        <a:effectLst/>
+      </p:bgPr>
+    </p:bg>
     <p:spTree>
       <p:nvGrpSpPr>
         <p:cNvPr id="1" name=""/>
@@ -7473,7 +10511,9 @@
         </p:nvSpPr>
         <p:spPr/>
         <p:txBody>
-          <a:bodyPr/>
+          <a:bodyPr>
+            <a:normAutofit/>
+          </a:bodyPr>
           <a:lstStyle/>
           <a:p>
             <a:r>
@@ -7485,48 +10525,56 @@
       </p:sp>
       <p:pic>
         <p:nvPicPr>
-          <p:cNvPr id="4" name="Marcador de contenido 3"/>
-          <p:cNvPicPr>
-            <a:picLocks noGrp="1" noChangeAspect="1"/>
-          </p:cNvPicPr>
-          <p:nvPr>
-            <p:ph idx="1"/>
-          </p:nvPr>
-        </p:nvPicPr>
-        <p:blipFill>
-          <a:blip r:embed="rId2"/>
-          <a:stretch>
-            <a:fillRect/>
-          </a:stretch>
-        </p:blipFill>
-        <p:spPr>
-          <a:xfrm>
-            <a:off x="2079984" y="2470378"/>
-            <a:ext cx="2719803" cy="3317875"/>
-          </a:xfrm>
-          <a:prstGeom prst="rect">
-            <a:avLst/>
-          </a:prstGeom>
-        </p:spPr>
-      </p:pic>
-      <p:pic>
-        <p:nvPicPr>
-          <p:cNvPr id="5" name="Imagen 4"/>
+          <p:cNvPr id="40" name="Imagen 39">
+            <a:extLst>
+              <a:ext uri="{FF2B5EF4-FFF2-40B4-BE49-F238E27FC236}">
+                <a16:creationId xmlns:a16="http://schemas.microsoft.com/office/drawing/2014/main" id="{25B4F834-6525-122F-1542-3B92E0DCEF98}"/>
+              </a:ext>
+            </a:extLst>
+          </p:cNvPr>
           <p:cNvPicPr>
             <a:picLocks noChangeAspect="1"/>
           </p:cNvPicPr>
           <p:nvPr/>
         </p:nvPicPr>
-        <p:blipFill>
+        <p:blipFill rotWithShape="1">
           <a:blip r:embed="rId3"/>
-          <a:stretch>
-            <a:fillRect/>
-          </a:stretch>
+          <a:srcRect r="2204"/>
+          <a:stretch/>
         </p:blipFill>
         <p:spPr>
           <a:xfrm>
-            <a:off x="7177495" y="2453401"/>
-            <a:ext cx="2732859" cy="3334852"/>
+            <a:off x="2664061" y="2560319"/>
+            <a:ext cx="2451585" cy="3104443"/>
+          </a:xfrm>
+          <a:prstGeom prst="rect">
+            <a:avLst/>
+          </a:prstGeom>
+        </p:spPr>
+      </p:pic>
+      <p:pic>
+        <p:nvPicPr>
+          <p:cNvPr id="42" name="Imagen 41">
+            <a:extLst>
+              <a:ext uri="{FF2B5EF4-FFF2-40B4-BE49-F238E27FC236}">
+                <a16:creationId xmlns:a16="http://schemas.microsoft.com/office/drawing/2014/main" id="{39F783E1-78C1-204D-0860-B7A8C8B33A33}"/>
+              </a:ext>
+            </a:extLst>
+          </p:cNvPr>
+          <p:cNvPicPr>
+            <a:picLocks noChangeAspect="1"/>
+          </p:cNvPicPr>
+          <p:nvPr/>
+        </p:nvPicPr>
+        <p:blipFill rotWithShape="1">
+          <a:blip r:embed="rId4"/>
+          <a:srcRect t="12"/>
+          <a:stretch/>
+        </p:blipFill>
+        <p:spPr>
+          <a:xfrm>
+            <a:off x="7042423" y="2560320"/>
+            <a:ext cx="2491613" cy="3104442"/>
           </a:xfrm>
           <a:prstGeom prst="rect">
             <a:avLst/>
@@ -7587,7 +10635,13 @@
       </p:sp>
       <p:pic>
         <p:nvPicPr>
-          <p:cNvPr id="4" name="Imagen 3"/>
+          <p:cNvPr id="6" name="Imagen 5">
+            <a:extLst>
+              <a:ext uri="{FF2B5EF4-FFF2-40B4-BE49-F238E27FC236}">
+                <a16:creationId xmlns:a16="http://schemas.microsoft.com/office/drawing/2014/main" id="{A31216AB-19B1-D87D-C489-16FAFCE03CEC}"/>
+              </a:ext>
+            </a:extLst>
+          </p:cNvPr>
           <p:cNvPicPr>
             <a:picLocks noChangeAspect="1"/>
           </p:cNvPicPr>
@@ -7601,8 +10655,8 @@
         </p:blipFill>
         <p:spPr>
           <a:xfrm>
-            <a:off x="1413510" y="2715890"/>
-            <a:ext cx="4203519" cy="3001020"/>
+            <a:off x="1402080" y="2715890"/>
+            <a:ext cx="4580935" cy="2999794"/>
           </a:xfrm>
           <a:prstGeom prst="rect">
             <a:avLst/>
@@ -7611,7 +10665,13 @@
       </p:pic>
       <p:pic>
         <p:nvPicPr>
-          <p:cNvPr id="5" name="Imagen 4"/>
+          <p:cNvPr id="8" name="Imagen 7">
+            <a:extLst>
+              <a:ext uri="{FF2B5EF4-FFF2-40B4-BE49-F238E27FC236}">
+                <a16:creationId xmlns:a16="http://schemas.microsoft.com/office/drawing/2014/main" id="{A2721AA5-25A2-F509-6162-EBC2F710E522}"/>
+              </a:ext>
+            </a:extLst>
+          </p:cNvPr>
           <p:cNvPicPr>
             <a:picLocks noChangeAspect="1"/>
           </p:cNvPicPr>
@@ -7625,8 +10685,8 @@
         </p:blipFill>
         <p:spPr>
           <a:xfrm>
-            <a:off x="6577555" y="2715890"/>
-            <a:ext cx="4212365" cy="2999794"/>
+            <a:off x="6315663" y="2715890"/>
+            <a:ext cx="4580935" cy="2999794"/>
           </a:xfrm>
           <a:prstGeom prst="rect">
             <a:avLst/>
@@ -7687,13 +10747,17 @@
       </p:sp>
       <p:pic>
         <p:nvPicPr>
-          <p:cNvPr id="4" name="Marcador de contenido 3"/>
+          <p:cNvPr id="8" name="Imagen 7">
+            <a:extLst>
+              <a:ext uri="{FF2B5EF4-FFF2-40B4-BE49-F238E27FC236}">
+                <a16:creationId xmlns:a16="http://schemas.microsoft.com/office/drawing/2014/main" id="{98420521-926E-42DB-49FC-C31DAF42BA4C}"/>
+              </a:ext>
+            </a:extLst>
+          </p:cNvPr>
           <p:cNvPicPr>
-            <a:picLocks noGrp="1" noChangeAspect="1"/>
+            <a:picLocks noChangeAspect="1"/>
           </p:cNvPicPr>
-          <p:nvPr>
-            <p:ph idx="1"/>
-          </p:nvPr>
+          <p:nvPr/>
         </p:nvPicPr>
         <p:blipFill>
           <a:blip r:embed="rId2"/>
@@ -7703,8 +10767,8 @@
         </p:blipFill>
         <p:spPr>
           <a:xfrm>
-            <a:off x="1365246" y="2609714"/>
-            <a:ext cx="4636960" cy="3317875"/>
+            <a:off x="864877" y="2583853"/>
+            <a:ext cx="4963270" cy="3317875"/>
           </a:xfrm>
           <a:prstGeom prst="rect">
             <a:avLst/>
@@ -7713,7 +10777,13 @@
       </p:pic>
       <p:pic>
         <p:nvPicPr>
-          <p:cNvPr id="5" name="Imagen 4"/>
+          <p:cNvPr id="10" name="Imagen 9">
+            <a:extLst>
+              <a:ext uri="{FF2B5EF4-FFF2-40B4-BE49-F238E27FC236}">
+                <a16:creationId xmlns:a16="http://schemas.microsoft.com/office/drawing/2014/main" id="{373B51ED-E439-0FB3-A51C-C7302DB6351A}"/>
+              </a:ext>
+            </a:extLst>
+          </p:cNvPr>
           <p:cNvPicPr>
             <a:picLocks noChangeAspect="1"/>
           </p:cNvPicPr>
@@ -7727,8 +10797,8 @@
         </p:blipFill>
         <p:spPr>
           <a:xfrm>
-            <a:off x="6306910" y="2609713"/>
-            <a:ext cx="4733110" cy="3317875"/>
+            <a:off x="6271494" y="2577755"/>
+            <a:ext cx="5075983" cy="3323973"/>
           </a:xfrm>
           <a:prstGeom prst="rect">
             <a:avLst/>
